--- a/assignment#1/presentation/Predictive_keyboard_team6.pptx
+++ b/assignment#1/presentation/Predictive_keyboard_team6.pptx
@@ -5,17 +5,16 @@
     <p:sldMasterId id="2147483648" r:id="rId1"/>
   </p:sldMasterIdLst>
   <p:notesMasterIdLst>
-    <p:notesMasterId r:id="rId10"/>
+    <p:notesMasterId r:id="rId9"/>
   </p:notesMasterIdLst>
   <p:sldIdLst>
     <p:sldId id="256" r:id="rId2"/>
-    <p:sldId id="257" r:id="rId3"/>
-    <p:sldId id="258" r:id="rId4"/>
-    <p:sldId id="259" r:id="rId5"/>
-    <p:sldId id="260" r:id="rId6"/>
-    <p:sldId id="261" r:id="rId7"/>
-    <p:sldId id="262" r:id="rId8"/>
-    <p:sldId id="263" r:id="rId9"/>
+    <p:sldId id="258" r:id="rId3"/>
+    <p:sldId id="259" r:id="rId4"/>
+    <p:sldId id="260" r:id="rId5"/>
+    <p:sldId id="261" r:id="rId6"/>
+    <p:sldId id="262" r:id="rId7"/>
+    <p:sldId id="263" r:id="rId8"/>
   </p:sldIdLst>
   <p:sldSz cx="24384000" cy="13716000"/>
   <p:notesSz cx="6858000" cy="9144000"/>
@@ -317,6 +316,22 @@
       </a:defRPr>
     </a:lvl9pPr>
   </p:defaultTextStyle>
+  <p:extLst>
+    <p:ext uri="{EFAFB233-063F-42B5-8137-9DF3F51BA10A}">
+      <p15:sldGuideLst xmlns:p15="http://schemas.microsoft.com/office/powerpoint/2012/main">
+        <p15:guide id="1" orient="horz" pos="4320">
+          <p15:clr>
+            <a:srgbClr val="A4A3A4"/>
+          </p15:clr>
+        </p15:guide>
+        <p15:guide id="2" pos="7680">
+          <p15:clr>
+            <a:srgbClr val="A4A3A4"/>
+          </p15:clr>
+        </p15:guide>
+      </p15:sldGuideLst>
+    </p:ext>
+  </p:extLst>
 </p:presentation>
 </file>
 
@@ -2074,7 +2089,7 @@
           </a:ln>
           <a:extLst>
             <a:ext uri="{C572A759-6A51-4108-AA02-DFA0A04FC94B}">
-              <ma14:wrappingTextBoxFlag xmlns:ma14="http://schemas.microsoft.com/office/mac/drawingml/2011/main" xmlns:a14="http://schemas.microsoft.com/office/drawing/2010/main" xmlns:m="http://schemas.openxmlformats.org/officeDocument/2006/math" xmlns="" val="1"/>
+              <ma14:wrappingTextBoxFlag xmlns="" xmlns:m="http://schemas.openxmlformats.org/officeDocument/2006/math" xmlns:a14="http://schemas.microsoft.com/office/drawing/2010/main" xmlns:ma14="http://schemas.microsoft.com/office/mac/drawingml/2011/main" val="1"/>
             </a:ext>
           </a:extLst>
         </p:spPr>
@@ -2113,7 +2128,7 @@
           </a:ln>
           <a:extLst>
             <a:ext uri="{C572A759-6A51-4108-AA02-DFA0A04FC94B}">
-              <ma14:wrappingTextBoxFlag xmlns:ma14="http://schemas.microsoft.com/office/mac/drawingml/2011/main" xmlns:a14="http://schemas.microsoft.com/office/drawing/2010/main" xmlns:m="http://schemas.openxmlformats.org/officeDocument/2006/math" xmlns="" val="1"/>
+              <ma14:wrappingTextBoxFlag xmlns="" xmlns:m="http://schemas.openxmlformats.org/officeDocument/2006/math" xmlns:a14="http://schemas.microsoft.com/office/drawing/2010/main" xmlns:ma14="http://schemas.microsoft.com/office/mac/drawingml/2011/main" val="1"/>
             </a:ext>
           </a:extLst>
         </p:spPr>
@@ -3061,8 +3076,8 @@
         </p:nvSpPr>
         <p:spPr>
           <a:xfrm>
-            <a:off x="7116914" y="3934663"/>
-            <a:ext cx="9443425" cy="4156092"/>
+            <a:off x="7116913" y="5537648"/>
+            <a:ext cx="9443425" cy="1267153"/>
           </a:xfrm>
           <a:prstGeom prst="rect">
             <a:avLst/>
@@ -3072,7 +3087,7 @@
           </a:ln>
           <a:extLst>
             <a:ext uri="{C572A759-6A51-4108-AA02-DFA0A04FC94B}">
-              <ma14:wrappingTextBoxFlag xmlns:ma14="http://schemas.microsoft.com/office/mac/drawingml/2011/main" xmlns:a14="http://schemas.microsoft.com/office/drawing/2010/main" xmlns:m="http://schemas.openxmlformats.org/officeDocument/2006/math" xmlns="" val="1"/>
+              <ma14:wrappingTextBoxFlag xmlns="" xmlns:m="http://schemas.openxmlformats.org/officeDocument/2006/math" xmlns:a14="http://schemas.microsoft.com/office/drawing/2010/main" xmlns:ma14="http://schemas.microsoft.com/office/mac/drawingml/2011/main" val="1"/>
             </a:ext>
           </a:extLst>
         </p:spPr>
@@ -3092,24 +3107,10 @@
               </a:defRPr>
             </a:pPr>
             <a:r>
-              <a:t>Очень крутой</a:t>
-            </a:r>
-          </a:p>
-          <a:p>
-            <a:pPr algn="l">
-              <a:defRPr sz="7000" b="1" cap="all">
-                <a:solidFill>
-                  <a:srgbClr val="253957"/>
-                </a:solidFill>
-                <a:latin typeface="+mn-lt"/>
-                <a:ea typeface="+mn-ea"/>
-                <a:cs typeface="+mn-cs"/>
-                <a:sym typeface="Arial Narrow"/>
-              </a:defRPr>
-            </a:pPr>
-            <a:r>
-              <a:t>заголовок презентации</a:t>
-            </a:r>
+              <a:rPr lang="ru-RU" dirty="0" smtClean="0"/>
+              <a:t>Предикативный ввод</a:t>
+            </a:r>
+            <a:endParaRPr dirty="0"/>
           </a:p>
         </p:txBody>
       </p:sp>
@@ -3121,8 +3122,8 @@
         </p:nvSpPr>
         <p:spPr>
           <a:xfrm>
-            <a:off x="7116915" y="8929563"/>
-            <a:ext cx="9443424" cy="1173243"/>
+            <a:off x="15576376" y="9001571"/>
+            <a:ext cx="7776864" cy="2248917"/>
           </a:xfrm>
           <a:prstGeom prst="rect">
             <a:avLst/>
@@ -3132,7 +3133,7 @@
           </a:ln>
           <a:extLst>
             <a:ext uri="{C572A759-6A51-4108-AA02-DFA0A04FC94B}">
-              <ma14:wrappingTextBoxFlag xmlns:ma14="http://schemas.microsoft.com/office/mac/drawingml/2011/main" xmlns:a14="http://schemas.microsoft.com/office/drawing/2010/main" xmlns:m="http://schemas.openxmlformats.org/officeDocument/2006/math" xmlns="" val="1"/>
+              <ma14:wrappingTextBoxFlag xmlns="" xmlns:m="http://schemas.openxmlformats.org/officeDocument/2006/math" xmlns:a14="http://schemas.microsoft.com/office/drawing/2010/main" xmlns:ma14="http://schemas.microsoft.com/office/mac/drawingml/2011/main" val="1"/>
             </a:ext>
           </a:extLst>
         </p:spPr>
@@ -3153,8 +3154,42 @@
           </a:lstStyle>
           <a:p>
             <a:r>
-              <a:t>Очень крутой подзаголовок презентации</a:t>
-            </a:r>
+              <a:rPr lang="ru-RU" sz="3600" dirty="0" smtClean="0"/>
+              <a:t>Выполнили: Чертанов Денис БПИ185</a:t>
+            </a:r>
+          </a:p>
+          <a:p>
+            <a:r>
+              <a:rPr lang="ru-RU" sz="3600" dirty="0" smtClean="0"/>
+              <a:t>		</a:t>
+            </a:r>
+            <a:r>
+              <a:rPr lang="ru-RU" sz="3600" dirty="0"/>
+              <a:t> </a:t>
+            </a:r>
+            <a:r>
+              <a:rPr lang="ru-RU" sz="3600" dirty="0" smtClean="0"/>
+              <a:t>     Сафонов Николай БПИ185</a:t>
+            </a:r>
+          </a:p>
+          <a:p>
+            <a:r>
+              <a:rPr lang="ru-RU" sz="3600" dirty="0"/>
+              <a:t> </a:t>
+            </a:r>
+            <a:r>
+              <a:rPr lang="ru-RU" sz="3600" dirty="0" smtClean="0"/>
+              <a:t>                     </a:t>
+            </a:r>
+            <a:r>
+              <a:rPr lang="ru-RU" sz="3600" dirty="0" err="1" smtClean="0"/>
+              <a:t>Калантаев</a:t>
+            </a:r>
+            <a:r>
+              <a:rPr lang="ru-RU" sz="3600" dirty="0" smtClean="0"/>
+              <a:t> Максим БПИ185</a:t>
+            </a:r>
+            <a:endParaRPr sz="3600" dirty="0"/>
           </a:p>
         </p:txBody>
       </p:sp>
@@ -3166,8 +3201,8 @@
         </p:nvSpPr>
         <p:spPr>
           <a:xfrm>
-            <a:off x="7116915" y="1561709"/>
-            <a:ext cx="9443423" cy="1362076"/>
+            <a:off x="7116915" y="1524282"/>
+            <a:ext cx="9443423" cy="1436931"/>
           </a:xfrm>
           <a:prstGeom prst="rect">
             <a:avLst/>
@@ -3177,7 +3212,7 @@
           </a:ln>
           <a:extLst>
             <a:ext uri="{C572A759-6A51-4108-AA02-DFA0A04FC94B}">
-              <ma14:wrappingTextBoxFlag xmlns:ma14="http://schemas.microsoft.com/office/mac/drawingml/2011/main" xmlns:a14="http://schemas.microsoft.com/office/drawing/2010/main" xmlns:m="http://schemas.openxmlformats.org/officeDocument/2006/math" xmlns="" val="1"/>
+              <ma14:wrappingTextBoxFlag xmlns="" xmlns:m="http://schemas.openxmlformats.org/officeDocument/2006/math" xmlns:a14="http://schemas.microsoft.com/office/drawing/2010/main" xmlns:ma14="http://schemas.microsoft.com/office/mac/drawingml/2011/main" val="1"/>
             </a:ext>
           </a:extLst>
         </p:spPr>
@@ -3199,12 +3234,29 @@
               </a:defRPr>
             </a:pPr>
             <a:r>
-              <a:t>Название подразделения, </a:t>
-            </a:r>
-            <a:br/>
-            <a:r>
-              <a:t>лаборатории, факультета и т.д. </a:t>
-            </a:r>
+              <a:rPr lang="ru-RU" dirty="0" smtClean="0"/>
+              <a:t>Факультет компьютерных наук</a:t>
+            </a:r>
+            <a:r>
+              <a:rPr dirty="0" smtClean="0"/>
+              <a:t>, </a:t>
+            </a:r>
+            <a:r>
+              <a:rPr dirty="0"/>
+              <a:t/>
+            </a:r>
+            <a:br>
+              <a:rPr dirty="0"/>
+            </a:br>
+            <a:r>
+              <a:rPr lang="ru-RU" dirty="0" smtClean="0"/>
+              <a:t>ОП Программная инженерия</a:t>
+            </a:r>
+            <a:r>
+              <a:rPr dirty="0" smtClean="0"/>
+              <a:t> </a:t>
+            </a:r>
+            <a:endParaRPr dirty="0"/>
           </a:p>
         </p:txBody>
       </p:sp>
@@ -3227,7 +3279,7 @@
           </a:ln>
           <a:extLst>
             <a:ext uri="{C572A759-6A51-4108-AA02-DFA0A04FC94B}">
-              <ma14:wrappingTextBoxFlag xmlns:ma14="http://schemas.microsoft.com/office/mac/drawingml/2011/main" xmlns:a14="http://schemas.microsoft.com/office/drawing/2010/main" xmlns:m="http://schemas.openxmlformats.org/officeDocument/2006/math" xmlns="" val="1"/>
+              <ma14:wrappingTextBoxFlag xmlns="" xmlns:m="http://schemas.openxmlformats.org/officeDocument/2006/math" xmlns:a14="http://schemas.microsoft.com/office/drawing/2010/main" xmlns:ma14="http://schemas.microsoft.com/office/mac/drawingml/2011/main" val="1"/>
             </a:ext>
           </a:extLst>
         </p:spPr>
@@ -3254,16 +3306,16 @@
               <a:t>Москва</a:t>
             </a:r>
             <a:r>
-              <a:rPr/>
+              <a:rPr dirty="0"/>
               <a:t>, </a:t>
             </a:r>
             <a:r>
-              <a:rPr smtClean="0"/>
-              <a:t>201</a:t>
-            </a:r>
-            <a:r>
-              <a:rPr lang="en-US" smtClean="0"/>
-              <a:t>8</a:t>
+              <a:rPr dirty="0" smtClean="0"/>
+              <a:t>20</a:t>
+            </a:r>
+            <a:r>
+              <a:rPr lang="en-US" dirty="0" smtClean="0"/>
+              <a:t>21</a:t>
             </a:r>
             <a:endParaRPr dirty="0"/>
           </a:p>
@@ -3304,312 +3356,17 @@
     <a:masterClrMapping/>
   </p:clrMapOvr>
   <p:transition spd="med"/>
+  <p:timing>
+    <p:tnLst>
+      <p:par>
+        <p:cTn id="1" dur="indefinite" restart="never" nodeType="tmRoot"/>
+      </p:par>
+    </p:tnLst>
+  </p:timing>
 </p:sld>
 </file>
 
 <file path=ppt/slides/slide2.xml><?xml version="1.0" encoding="utf-8"?>
-<p:sld xmlns:a="http://schemas.openxmlformats.org/drawingml/2006/main" xmlns:r="http://schemas.openxmlformats.org/officeDocument/2006/relationships" xmlns:p="http://schemas.openxmlformats.org/presentationml/2006/main">
-  <p:cSld>
-    <p:spTree>
-      <p:nvGrpSpPr>
-        <p:cNvPr id="1" name=""/>
-        <p:cNvGrpSpPr/>
-        <p:nvPr/>
-      </p:nvGrpSpPr>
-      <p:grpSpPr>
-        <a:xfrm>
-          <a:off x="0" y="0"/>
-          <a:ext cx="0" cy="0"/>
-          <a:chOff x="0" y="0"/>
-          <a:chExt cx="0" cy="0"/>
-        </a:xfrm>
-      </p:grpSpPr>
-      <p:sp>
-        <p:nvSpPr>
-          <p:cNvPr id="58" name="Линия"/>
-          <p:cNvSpPr/>
-          <p:nvPr/>
-        </p:nvSpPr>
-        <p:spPr>
-          <a:xfrm>
-            <a:off x="1201065" y="2214562"/>
-            <a:ext cx="21506373" cy="1"/>
-          </a:xfrm>
-          <a:prstGeom prst="line">
-            <a:avLst/>
-          </a:prstGeom>
-          <a:ln w="12700">
-            <a:solidFill>
-              <a:srgbClr val="253957"/>
-            </a:solidFill>
-            <a:miter lim="400000"/>
-          </a:ln>
-        </p:spPr>
-        <p:txBody>
-          <a:bodyPr lIns="71437" tIns="71437" rIns="71437" bIns="71437" anchor="ctr"/>
-          <a:lstStyle/>
-          <a:p>
-            <a:pPr>
-              <a:defRPr sz="3200"/>
-            </a:pPr>
-            <a:endParaRPr/>
-          </a:p>
-        </p:txBody>
-      </p:sp>
-      <p:sp>
-        <p:nvSpPr>
-          <p:cNvPr id="59" name="Очень крутой заголовок…"/>
-          <p:cNvSpPr txBox="1"/>
-          <p:nvPr/>
-        </p:nvSpPr>
-        <p:spPr>
-          <a:xfrm>
-            <a:off x="1209449" y="2972786"/>
-            <a:ext cx="16073440" cy="2313227"/>
-          </a:xfrm>
-          <a:prstGeom prst="rect">
-            <a:avLst/>
-          </a:prstGeom>
-          <a:ln w="12700">
-            <a:miter lim="400000"/>
-          </a:ln>
-          <a:extLst>
-            <a:ext uri="{C572A759-6A51-4108-AA02-DFA0A04FC94B}">
-              <ma14:wrappingTextBoxFlag xmlns:ma14="http://schemas.microsoft.com/office/mac/drawingml/2011/main" xmlns:a14="http://schemas.microsoft.com/office/drawing/2010/main" xmlns:m="http://schemas.openxmlformats.org/officeDocument/2006/math" xmlns="" val="1"/>
-            </a:ext>
-          </a:extLst>
-        </p:spPr>
-        <p:txBody>
-          <a:bodyPr lIns="71437" tIns="71437" rIns="71437" bIns="71437"/>
-          <a:lstStyle/>
-          <a:p>
-            <a:pPr algn="l">
-              <a:defRPr sz="7000" b="1" cap="all">
-                <a:solidFill>
-                  <a:srgbClr val="253957"/>
-                </a:solidFill>
-                <a:latin typeface="+mn-lt"/>
-                <a:ea typeface="+mn-ea"/>
-                <a:cs typeface="+mn-cs"/>
-                <a:sym typeface="Arial Narrow"/>
-              </a:defRPr>
-            </a:pPr>
-            <a:r>
-              <a:t>Очень крутой заголовок</a:t>
-            </a:r>
-          </a:p>
-          <a:p>
-            <a:pPr algn="l">
-              <a:defRPr sz="4200">
-                <a:solidFill>
-                  <a:srgbClr val="253957"/>
-                </a:solidFill>
-                <a:latin typeface="+mn-lt"/>
-                <a:ea typeface="+mn-ea"/>
-                <a:cs typeface="+mn-cs"/>
-                <a:sym typeface="Arial Narrow"/>
-              </a:defRPr>
-            </a:pPr>
-            <a:r>
-              <a:t>Очень крутой подзаголовок презентации </a:t>
-            </a:r>
-          </a:p>
-        </p:txBody>
-      </p:sp>
-      <p:sp>
-        <p:nvSpPr>
-          <p:cNvPr id="60" name="Text Text Text Text Text Text Text Text Text Text Text Text Text Text Text Text Text Text Text Text Text Text Text Text Text Text Text Text Text Text Text Text Text Text Text Text Text Text Text Text Text Text Text Text Text Text Text Text Text Text Text Text Text Text Text Text Text Text Text Text Text Text Text Text Text Text Text Text Text Text Text Text Text Text Text Text Text Text Text Text Text Text Text Text Text Text Text Text Text Text Text Text Text Text Text Text Text Text Text Text Text Text Text Text Text Text Text Text…"/>
-          <p:cNvSpPr txBox="1"/>
-          <p:nvPr/>
-        </p:nvSpPr>
-        <p:spPr>
-          <a:xfrm>
-            <a:off x="1201065" y="7680918"/>
-            <a:ext cx="21506374" cy="4842682"/>
-          </a:xfrm>
-          <a:prstGeom prst="rect">
-            <a:avLst/>
-          </a:prstGeom>
-          <a:ln w="12700">
-            <a:miter lim="400000"/>
-          </a:ln>
-          <a:extLst>
-            <a:ext uri="{C572A759-6A51-4108-AA02-DFA0A04FC94B}">
-              <ma14:wrappingTextBoxFlag xmlns:ma14="http://schemas.microsoft.com/office/mac/drawingml/2011/main" xmlns:a14="http://schemas.microsoft.com/office/drawing/2010/main" xmlns:m="http://schemas.openxmlformats.org/officeDocument/2006/math" xmlns="" val="1"/>
-            </a:ext>
-          </a:extLst>
-        </p:spPr>
-        <p:txBody>
-          <a:bodyPr lIns="71437" tIns="71437" rIns="71437" bIns="71437"/>
-          <a:lstStyle/>
-          <a:p>
-            <a:pPr algn="l">
-              <a:defRPr sz="2800">
-                <a:solidFill>
-                  <a:srgbClr val="253957"/>
-                </a:solidFill>
-                <a:latin typeface="+mn-lt"/>
-                <a:ea typeface="+mn-ea"/>
-                <a:cs typeface="+mn-cs"/>
-                <a:sym typeface="Arial Narrow"/>
-              </a:defRPr>
-            </a:pPr>
-            <a:r>
-              <a:t>Text Text Text Text Text Text Text Text Text Text Text Text Text Text Text Text Text Text Text Text Text Text Text Text Text Text Text Text Text Text Text Text Text Text Text Text Text Text Text Text Text Text Text Text Text Text Text Text Text Text Text Text Text Text Text Text Text Text Text Text Text Text Text Text Text Text Text Text Text Text Text Text Text Text Text Text Text Text Text Text Text Text Text Text Text Text Text Text Text Text Text Text Text Text Text Text Text Text Text Text Text Text Text Text Text Text Text Text </a:t>
-            </a:r>
-          </a:p>
-          <a:p>
-            <a:pPr algn="l">
-              <a:spcBef>
-                <a:spcPts val="2800"/>
-              </a:spcBef>
-              <a:defRPr sz="2800">
-                <a:solidFill>
-                  <a:srgbClr val="253957"/>
-                </a:solidFill>
-                <a:latin typeface="+mn-lt"/>
-                <a:ea typeface="+mn-ea"/>
-                <a:cs typeface="+mn-cs"/>
-                <a:sym typeface="Arial Narrow"/>
-              </a:defRPr>
-            </a:pPr>
-            <a:r>
-              <a:t>Text Text Text Text Text Text Text Text Text Text Text Text Text Text Text Text Text Text Text Text Text Text Text Text Text Text Text Text Text Text Text Text Text Text Text Text Text Text Text Text Text Text Text Text Text Text Text Text Text Text Text Text Text Text Text Text Text Text Text Text Text Text Text Text Text Text Text Text Text Text Text Text Text Text Text Text Text Text Text Text Text Text Text Text Text Text Text Text Text Text Text Text Text Text Text Text Text Text Text Text Text Text Text Text Text Text Text Text </a:t>
-            </a:r>
-          </a:p>
-        </p:txBody>
-      </p:sp>
-      <p:sp>
-        <p:nvSpPr>
-          <p:cNvPr id="61" name="Заголовок основного текста"/>
-          <p:cNvSpPr txBox="1"/>
-          <p:nvPr/>
-        </p:nvSpPr>
-        <p:spPr>
-          <a:xfrm>
-            <a:off x="1201065" y="5820994"/>
-            <a:ext cx="16073438" cy="1324943"/>
-          </a:xfrm>
-          <a:prstGeom prst="rect">
-            <a:avLst/>
-          </a:prstGeom>
-          <a:ln w="12700">
-            <a:miter lim="400000"/>
-          </a:ln>
-          <a:extLst>
-            <a:ext uri="{C572A759-6A51-4108-AA02-DFA0A04FC94B}">
-              <ma14:wrappingTextBoxFlag xmlns:ma14="http://schemas.microsoft.com/office/mac/drawingml/2011/main" xmlns:a14="http://schemas.microsoft.com/office/drawing/2010/main" xmlns:m="http://schemas.openxmlformats.org/officeDocument/2006/math" xmlns="" val="1"/>
-            </a:ext>
-          </a:extLst>
-        </p:spPr>
-        <p:txBody>
-          <a:bodyPr lIns="71437" tIns="71437" rIns="71437" bIns="71437" anchor="b"/>
-          <a:lstStyle>
-            <a:lvl1pPr algn="l">
-              <a:defRPr sz="4200" b="1">
-                <a:solidFill>
-                  <a:srgbClr val="253957"/>
-                </a:solidFill>
-                <a:latin typeface="+mn-lt"/>
-                <a:ea typeface="+mn-ea"/>
-                <a:cs typeface="+mn-cs"/>
-                <a:sym typeface="Arial Narrow"/>
-              </a:defRPr>
-            </a:lvl1pPr>
-          </a:lstStyle>
-          <a:p>
-            <a:r>
-              <a:t>Заголовок основного текста</a:t>
-            </a:r>
-          </a:p>
-        </p:txBody>
-      </p:sp>
-      <p:sp>
-        <p:nvSpPr>
-          <p:cNvPr id="62" name="Название подразделения, лаборатории, факультета и т.д."/>
-          <p:cNvSpPr txBox="1"/>
-          <p:nvPr/>
-        </p:nvSpPr>
-        <p:spPr>
-          <a:xfrm>
-            <a:off x="11338744" y="956276"/>
-            <a:ext cx="11366416" cy="485776"/>
-          </a:xfrm>
-          <a:prstGeom prst="rect">
-            <a:avLst/>
-          </a:prstGeom>
-          <a:ln w="12700">
-            <a:miter lim="400000"/>
-          </a:ln>
-          <a:extLst>
-            <a:ext uri="{C572A759-6A51-4108-AA02-DFA0A04FC94B}">
-              <ma14:wrappingTextBoxFlag xmlns:ma14="http://schemas.microsoft.com/office/mac/drawingml/2011/main" xmlns:a14="http://schemas.microsoft.com/office/drawing/2010/main" xmlns:m="http://schemas.openxmlformats.org/officeDocument/2006/math" xmlns="" val="1"/>
-            </a:ext>
-          </a:extLst>
-        </p:spPr>
-        <p:txBody>
-          <a:bodyPr lIns="71437" tIns="71437" rIns="71437" bIns="71437" anchor="ctr">
-            <a:spAutoFit/>
-          </a:bodyPr>
-          <a:lstStyle>
-            <a:lvl1pPr algn="r">
-              <a:defRPr sz="2400">
-                <a:solidFill>
-                  <a:srgbClr val="253957"/>
-                </a:solidFill>
-                <a:latin typeface="+mn-lt"/>
-                <a:ea typeface="+mn-ea"/>
-                <a:cs typeface="+mn-cs"/>
-                <a:sym typeface="Arial Narrow"/>
-              </a:defRPr>
-            </a:lvl1pPr>
-          </a:lstStyle>
-          <a:p>
-            <a:r>
-              <a:t>Название подразделения, лаборатории, факультета и т.д.</a:t>
-            </a:r>
-          </a:p>
-        </p:txBody>
-      </p:sp>
-      <p:pic>
-        <p:nvPicPr>
-          <p:cNvPr id="63" name="Изображение" descr="Изображение"/>
-          <p:cNvPicPr>
-            <a:picLocks noChangeAspect="1"/>
-          </p:cNvPicPr>
-          <p:nvPr/>
-        </p:nvPicPr>
-        <p:blipFill>
-          <a:blip r:embed="rId2">
-            <a:extLst/>
-          </a:blip>
-          <a:stretch>
-            <a:fillRect/>
-          </a:stretch>
-        </p:blipFill>
-        <p:spPr>
-          <a:xfrm>
-            <a:off x="1226606" y="586180"/>
-            <a:ext cx="1199579" cy="1199579"/>
-          </a:xfrm>
-          <a:prstGeom prst="rect">
-            <a:avLst/>
-          </a:prstGeom>
-          <a:ln w="12700">
-            <a:miter lim="400000"/>
-          </a:ln>
-        </p:spPr>
-      </p:pic>
-    </p:spTree>
-  </p:cSld>
-  <p:clrMapOvr>
-    <a:masterClrMapping/>
-  </p:clrMapOvr>
-  <p:transition spd="med"/>
-</p:sld>
-</file>
-
-<file path=ppt/slides/slide3.xml><?xml version="1.0" encoding="utf-8"?>
 <p:sld xmlns:a="http://schemas.openxmlformats.org/drawingml/2006/main" xmlns:r="http://schemas.openxmlformats.org/officeDocument/2006/relationships" xmlns:p="http://schemas.openxmlformats.org/presentationml/2006/main">
   <p:cSld>
     <p:spTree>
@@ -3634,8 +3391,8 @@
         </p:nvSpPr>
         <p:spPr>
           <a:xfrm>
-            <a:off x="1107280" y="7680918"/>
-            <a:ext cx="21523142" cy="4842682"/>
+            <a:off x="1115664" y="6821512"/>
+            <a:ext cx="16867758" cy="4842682"/>
           </a:xfrm>
           <a:prstGeom prst="rect">
             <a:avLst/>
@@ -3645,7 +3402,7 @@
           </a:ln>
           <a:extLst>
             <a:ext uri="{C572A759-6A51-4108-AA02-DFA0A04FC94B}">
-              <ma14:wrappingTextBoxFlag xmlns:ma14="http://schemas.microsoft.com/office/mac/drawingml/2011/main" xmlns:a14="http://schemas.microsoft.com/office/drawing/2010/main" xmlns:m="http://schemas.openxmlformats.org/officeDocument/2006/math" xmlns="" val="1"/>
+              <ma14:wrappingTextBoxFlag xmlns="" xmlns:m="http://schemas.openxmlformats.org/officeDocument/2006/math" xmlns:a14="http://schemas.microsoft.com/office/drawing/2010/main" xmlns:ma14="http://schemas.microsoft.com/office/mac/drawingml/2011/main" val="1"/>
             </a:ext>
           </a:extLst>
         </p:spPr>
@@ -3668,7 +3425,58 @@
               </a:defRPr>
             </a:pPr>
             <a:r>
-              <a:t>Text Text Text Text Text Text Text Text Text Text Text Text Text Text Text Text Text Text Text Text Text Text Text Text Text Text Text Text Text Text Text Text Text Text Text Text Text Text Text Text Text Text Text Text Text Text Text Text Text Text Text Text Text Text Text Text Text Text Text Text Text Text Text Text Text Text Text Text Text Text Text Text Text Text Text Text Text Text Text Text Text Text Text Text Text Text Text Text Text Text Text Text Text Text Text Text Text Text Text Text Text Text Text Text Text Text Text Text </a:t>
+              <a:rPr lang="en-US" sz="3200" b="1" dirty="0">
+                <a:sym typeface="Arial Narrow"/>
+              </a:rPr>
+              <a:t>Keystrokes per character (KSPC</a:t>
+            </a:r>
+            <a:r>
+              <a:rPr lang="en-US" sz="3200" b="1" dirty="0" smtClean="0">
+                <a:sym typeface="Arial Narrow"/>
+              </a:rPr>
+              <a:t>) </a:t>
+            </a:r>
+            <a:r>
+              <a:rPr lang="en-US" sz="3200" dirty="0" smtClean="0">
+                <a:sym typeface="Arial Narrow"/>
+              </a:rPr>
+              <a:t>is </a:t>
+            </a:r>
+            <a:r>
+              <a:rPr lang="en-US" sz="3200" dirty="0">
+                <a:sym typeface="Arial Narrow"/>
+              </a:rPr>
+              <a:t>the number of keystrokes, on average, to generate each character of text in a </a:t>
+            </a:r>
+            <a:r>
+              <a:rPr lang="en-US" sz="3200" dirty="0" smtClean="0">
+                <a:sym typeface="Arial Narrow"/>
+              </a:rPr>
+              <a:t>given language </a:t>
+            </a:r>
+            <a:r>
+              <a:rPr lang="en-US" sz="3200" dirty="0">
+                <a:sym typeface="Arial Narrow"/>
+              </a:rPr>
+              <a:t>using a given </a:t>
+            </a:r>
+            <a:r>
+              <a:rPr lang="en-US" sz="3200" dirty="0" smtClean="0">
+                <a:sym typeface="Arial Narrow"/>
+              </a:rPr>
+              <a:t>text </a:t>
+            </a:r>
+            <a:r>
+              <a:rPr lang="en-US" sz="3200" dirty="0">
+                <a:sym typeface="Arial Narrow"/>
+              </a:rPr>
+              <a:t>entry </a:t>
+            </a:r>
+            <a:r>
+              <a:rPr lang="en-US" sz="3200" dirty="0" smtClean="0">
+                <a:sym typeface="Arial Narrow"/>
+              </a:rPr>
+              <a:t>technique</a:t>
             </a:r>
           </a:p>
           <a:p>
@@ -3686,9 +3494,9 @@
                 <a:sym typeface="Arial Narrow"/>
               </a:defRPr>
             </a:pPr>
-            <a:r>
-              <a:t>Text Text Text Text Text Text Text Text Text Text Text Text Text Text Text Text Text Text Text Text Text Text Text Text Text Text Text Text Text Text Text Text Text Text Text Text Text Text Text Text Text Text Text Text Text Text Text Text Text Text Text Text Text Text Text Text Text Text Text Text Text Text Text Text Text Text Text Text Text Text Text Text Text Text Text Text Text Text Text Text Text Text Text Text Text Text Text Text Text Text Text Text Text Text Text Text Text Text Text Text Text Text Text Text Text Text Text Text </a:t>
-            </a:r>
+            <a:endParaRPr lang="en-US" sz="3200" dirty="0">
+              <a:sym typeface="Arial Narrow"/>
+            </a:endParaRPr>
           </a:p>
         </p:txBody>
       </p:sp>
@@ -3711,7 +3519,7 @@
           </a:ln>
           <a:extLst>
             <a:ext uri="{C572A759-6A51-4108-AA02-DFA0A04FC94B}">
-              <ma14:wrappingTextBoxFlag xmlns:ma14="http://schemas.microsoft.com/office/mac/drawingml/2011/main" xmlns:a14="http://schemas.microsoft.com/office/drawing/2010/main" xmlns:m="http://schemas.openxmlformats.org/officeDocument/2006/math" xmlns="" val="1"/>
+              <ma14:wrappingTextBoxFlag xmlns="" xmlns:m="http://schemas.openxmlformats.org/officeDocument/2006/math" xmlns:a14="http://schemas.microsoft.com/office/drawing/2010/main" xmlns:ma14="http://schemas.microsoft.com/office/mac/drawingml/2011/main" val="1"/>
             </a:ext>
           </a:extLst>
         </p:spPr>
@@ -3731,8 +3539,10 @@
               </a:defRPr>
             </a:pPr>
             <a:r>
-              <a:t>Очень крутой заголовок</a:t>
-            </a:r>
+              <a:rPr lang="en-US" dirty="0" smtClean="0"/>
+              <a:t>Objective function</a:t>
+            </a:r>
+            <a:endParaRPr dirty="0"/>
           </a:p>
           <a:p>
             <a:pPr algn="l">
@@ -3747,53 +3557,22 @@
               </a:defRPr>
             </a:pPr>
             <a:r>
-              <a:t>Очень крутой подзаголовок презентации </a:t>
-            </a:r>
-          </a:p>
-        </p:txBody>
-      </p:sp>
-      <p:sp>
-        <p:nvSpPr>
-          <p:cNvPr id="67" name="Заголовок основного текста"/>
-          <p:cNvSpPr txBox="1"/>
-          <p:nvPr/>
-        </p:nvSpPr>
-        <p:spPr>
-          <a:xfrm>
-            <a:off x="1107280" y="5820994"/>
-            <a:ext cx="16073439" cy="1324943"/>
-          </a:xfrm>
-          <a:prstGeom prst="rect">
-            <a:avLst/>
-          </a:prstGeom>
-          <a:ln w="12700">
-            <a:miter lim="400000"/>
-          </a:ln>
-          <a:extLst>
-            <a:ext uri="{C572A759-6A51-4108-AA02-DFA0A04FC94B}">
-              <ma14:wrappingTextBoxFlag xmlns:ma14="http://schemas.microsoft.com/office/mac/drawingml/2011/main" xmlns:a14="http://schemas.microsoft.com/office/drawing/2010/main" xmlns:m="http://schemas.openxmlformats.org/officeDocument/2006/math" xmlns="" val="1"/>
-            </a:ext>
-          </a:extLst>
-        </p:spPr>
-        <p:txBody>
-          <a:bodyPr lIns="71437" tIns="71437" rIns="71437" bIns="71437" anchor="b"/>
-          <a:lstStyle>
-            <a:lvl1pPr algn="l">
-              <a:defRPr sz="4200" b="1">
-                <a:solidFill>
-                  <a:srgbClr val="253957"/>
-                </a:solidFill>
-                <a:latin typeface="+mn-lt"/>
-                <a:ea typeface="+mn-ea"/>
-                <a:cs typeface="+mn-cs"/>
-                <a:sym typeface="Arial Narrow"/>
-              </a:defRPr>
-            </a:lvl1pPr>
-          </a:lstStyle>
-          <a:p>
-            <a:r>
-              <a:t>Заголовок основного текста</a:t>
-            </a:r>
+              <a:rPr lang="en-US" dirty="0" smtClean="0"/>
+              <a:t>Main metric – </a:t>
+            </a:r>
+            <a:r>
+              <a:rPr lang="en-US" b="1" dirty="0" smtClean="0"/>
+              <a:t>KSPC</a:t>
+            </a:r>
+            <a:r>
+              <a:rPr lang="en-US" dirty="0" smtClean="0"/>
+              <a:t> metric</a:t>
+            </a:r>
+            <a:r>
+              <a:rPr dirty="0" smtClean="0"/>
+              <a:t> </a:t>
+            </a:r>
+            <a:endParaRPr dirty="0"/>
           </a:p>
         </p:txBody>
       </p:sp>
@@ -3837,8 +3616,8 @@
         </p:nvSpPr>
         <p:spPr>
           <a:xfrm>
-            <a:off x="11338744" y="956276"/>
-            <a:ext cx="11366416" cy="485776"/>
+            <a:off x="11338744" y="942364"/>
+            <a:ext cx="11366416" cy="513601"/>
           </a:xfrm>
           <a:prstGeom prst="rect">
             <a:avLst/>
@@ -3848,7 +3627,7 @@
           </a:ln>
           <a:extLst>
             <a:ext uri="{C572A759-6A51-4108-AA02-DFA0A04FC94B}">
-              <ma14:wrappingTextBoxFlag xmlns:ma14="http://schemas.microsoft.com/office/mac/drawingml/2011/main" xmlns:a14="http://schemas.microsoft.com/office/drawing/2010/main" xmlns:m="http://schemas.openxmlformats.org/officeDocument/2006/math" xmlns="" val="1"/>
+              <ma14:wrappingTextBoxFlag xmlns="" xmlns:m="http://schemas.openxmlformats.org/officeDocument/2006/math" xmlns:a14="http://schemas.microsoft.com/office/drawing/2010/main" xmlns:ma14="http://schemas.microsoft.com/office/mac/drawingml/2011/main" val="1"/>
             </a:ext>
           </a:extLst>
         </p:spPr>
@@ -3871,8 +3650,10 @@
           </a:lstStyle>
           <a:p>
             <a:r>
-              <a:t>Название подразделения, лаборатории, факультета и т.д.</a:t>
-            </a:r>
+              <a:rPr lang="ru-RU" dirty="0" smtClean="0"/>
+              <a:t>ФКН, Программная инженерия</a:t>
+            </a:r>
+            <a:endParaRPr dirty="0"/>
           </a:p>
         </p:txBody>
       </p:sp>
@@ -3905,16 +3686,47 @@
           </a:ln>
         </p:spPr>
       </p:pic>
+      <p:pic>
+        <p:nvPicPr>
+          <p:cNvPr id="2" name="Рисунок 1"/>
+          <p:cNvPicPr>
+            <a:picLocks noChangeAspect="1"/>
+          </p:cNvPicPr>
+          <p:nvPr/>
+        </p:nvPicPr>
+        <p:blipFill>
+          <a:blip r:embed="rId3"/>
+          <a:stretch>
+            <a:fillRect/>
+          </a:stretch>
+        </p:blipFill>
+        <p:spPr>
+          <a:xfrm>
+            <a:off x="11951176" y="6821512"/>
+            <a:ext cx="10997347" cy="4248472"/>
+          </a:xfrm>
+          <a:prstGeom prst="rect">
+            <a:avLst/>
+          </a:prstGeom>
+        </p:spPr>
+      </p:pic>
     </p:spTree>
   </p:cSld>
   <p:clrMapOvr>
     <a:masterClrMapping/>
   </p:clrMapOvr>
   <p:transition spd="med"/>
+  <p:timing>
+    <p:tnLst>
+      <p:par>
+        <p:cTn id="1" dur="indefinite" restart="never" nodeType="tmRoot"/>
+      </p:par>
+    </p:tnLst>
+  </p:timing>
 </p:sld>
 </file>
 
-<file path=ppt/slides/slide4.xml><?xml version="1.0" encoding="utf-8"?>
+<file path=ppt/slides/slide3.xml><?xml version="1.0" encoding="utf-8"?>
 <p:sld xmlns:a="http://schemas.openxmlformats.org/drawingml/2006/main" xmlns:r="http://schemas.openxmlformats.org/officeDocument/2006/relationships" xmlns:p="http://schemas.openxmlformats.org/presentationml/2006/main">
   <p:cSld>
     <p:spTree>
@@ -3931,76 +3743,6 @@
           <a:chExt cx="0" cy="0"/>
         </a:xfrm>
       </p:grpSpPr>
-      <p:sp>
-        <p:nvSpPr>
-          <p:cNvPr id="72" name="Text Text Text Text Text Text Text Text Text Text Text Text Text Text Text Text Text Text Text Text Text Text Text Text Text Text Text Text Text Text Text Text Text Text Text Text Text Text Text Text Text Text Text Text Text Text Text Text Text Text Text Text Text Text Text Text Text Text Text Text Text Text Text Text Text Text Text Text Text Text Text Text Text Text Text Text Text Text Text Text Text Text Text Text Text Text Text Text Text Text Text Text Text Text Text Text Text Text Text Text Text Text Text Text Text Text Text Text…"/>
-          <p:cNvSpPr txBox="1"/>
-          <p:nvPr/>
-        </p:nvSpPr>
-        <p:spPr>
-          <a:xfrm>
-            <a:off x="1107280" y="7680918"/>
-            <a:ext cx="21523142" cy="4842682"/>
-          </a:xfrm>
-          <a:prstGeom prst="rect">
-            <a:avLst/>
-          </a:prstGeom>
-          <a:ln w="12700">
-            <a:miter lim="400000"/>
-          </a:ln>
-          <a:extLst>
-            <a:ext uri="{C572A759-6A51-4108-AA02-DFA0A04FC94B}">
-              <ma14:wrappingTextBoxFlag xmlns:ma14="http://schemas.microsoft.com/office/mac/drawingml/2011/main" xmlns:a14="http://schemas.microsoft.com/office/drawing/2010/main" xmlns:m="http://schemas.openxmlformats.org/officeDocument/2006/math" xmlns="" val="1"/>
-            </a:ext>
-          </a:extLst>
-        </p:spPr>
-        <p:txBody>
-          <a:bodyPr lIns="71437" tIns="71437" rIns="71437" bIns="71437"/>
-          <a:lstStyle/>
-          <a:p>
-            <a:pPr marL="304800" indent="-304800" algn="l">
-              <a:spcBef>
-                <a:spcPts val="2800"/>
-              </a:spcBef>
-              <a:buSzPct val="100000"/>
-              <a:buAutoNum type="arabicPeriod"/>
-              <a:defRPr sz="2800">
-                <a:solidFill>
-                  <a:srgbClr val="253957"/>
-                </a:solidFill>
-                <a:latin typeface="+mn-lt"/>
-                <a:ea typeface="+mn-ea"/>
-                <a:cs typeface="+mn-cs"/>
-                <a:sym typeface="Arial Narrow"/>
-              </a:defRPr>
-            </a:pPr>
-            <a:r>
-              <a:t>Text Text Text Text Text Text Text Text Text Text Text Text Text Text Text Text Text Text Text Text Text Text Text Text Text Text Text Text Text Text Text Text Text Text Text Text Text Text Text Text Text Text Text Text Text Text Text Text Text Text Text Text Text Text Text Text Text Text Text Text Text Text Text Text Text Text Text Text Text Text Text Text Text Text Text Text Text Text Text Text Text Text Text Text Text Text Text Text Text Text Text Text Text Text Text Text Text Text Text Text Text Text Text Text Text Text Text Text </a:t>
-            </a:r>
-          </a:p>
-          <a:p>
-            <a:pPr marL="304800" indent="-304800" algn="l">
-              <a:spcBef>
-                <a:spcPts val="2800"/>
-              </a:spcBef>
-              <a:buSzPct val="100000"/>
-              <a:buAutoNum type="arabicPeriod"/>
-              <a:defRPr sz="2800">
-                <a:solidFill>
-                  <a:srgbClr val="253957"/>
-                </a:solidFill>
-                <a:latin typeface="+mn-lt"/>
-                <a:ea typeface="+mn-ea"/>
-                <a:cs typeface="+mn-cs"/>
-                <a:sym typeface="Arial Narrow"/>
-              </a:defRPr>
-            </a:pPr>
-            <a:r>
-              <a:t>Text Text Text Text Text Text Text Text Text Text Text Text Text Text Text Text Text Text Text Text Text Text Text Text Text Text Text Text Text Text Text Text Text Text Text Text Text Text Text Text Text Text Text Text Text Text Text Text Text Text Text Text Text Text Text Text Text Text Text Text Text Text Text Text Text Text Text Text Text Text Text Text Text Text Text Text Text Text Text Text Text Text Text Text Text Text Text Text Text Text Text Text Text Text Text Text Text Text Text Text Text Text Text Text Text Text Text Text </a:t>
-            </a:r>
-          </a:p>
-        </p:txBody>
-      </p:sp>
       <p:sp>
         <p:nvSpPr>
           <p:cNvPr id="73" name="Очень крутой заголовок…"/>
@@ -4020,7 +3762,7 @@
           </a:ln>
           <a:extLst>
             <a:ext uri="{C572A759-6A51-4108-AA02-DFA0A04FC94B}">
-              <ma14:wrappingTextBoxFlag xmlns:ma14="http://schemas.microsoft.com/office/mac/drawingml/2011/main" xmlns:a14="http://schemas.microsoft.com/office/drawing/2010/main" xmlns:m="http://schemas.openxmlformats.org/officeDocument/2006/math" xmlns="" val="1"/>
+              <ma14:wrappingTextBoxFlag xmlns="" xmlns:m="http://schemas.openxmlformats.org/officeDocument/2006/math" xmlns:a14="http://schemas.microsoft.com/office/drawing/2010/main" xmlns:ma14="http://schemas.microsoft.com/office/mac/drawingml/2011/main" val="1"/>
             </a:ext>
           </a:extLst>
         </p:spPr>
@@ -4040,8 +3782,10 @@
               </a:defRPr>
             </a:pPr>
             <a:r>
-              <a:t>Очень крутой заголовок</a:t>
-            </a:r>
+              <a:rPr lang="en-US" dirty="0" smtClean="0"/>
+              <a:t>Objective function</a:t>
+            </a:r>
+            <a:endParaRPr dirty="0"/>
           </a:p>
           <a:p>
             <a:pPr algn="l">
@@ -4056,53 +3800,18 @@
               </a:defRPr>
             </a:pPr>
             <a:r>
-              <a:t>Очень крутой подзаголовок презентации </a:t>
-            </a:r>
-          </a:p>
-        </p:txBody>
-      </p:sp>
-      <p:sp>
-        <p:nvSpPr>
-          <p:cNvPr id="74" name="Заголовок основного текста"/>
-          <p:cNvSpPr txBox="1"/>
-          <p:nvPr/>
-        </p:nvSpPr>
-        <p:spPr>
-          <a:xfrm>
-            <a:off x="1107280" y="5820994"/>
-            <a:ext cx="20927434" cy="1324943"/>
-          </a:xfrm>
-          <a:prstGeom prst="rect">
-            <a:avLst/>
-          </a:prstGeom>
-          <a:ln w="12700">
-            <a:miter lim="400000"/>
-          </a:ln>
-          <a:extLst>
-            <a:ext uri="{C572A759-6A51-4108-AA02-DFA0A04FC94B}">
-              <ma14:wrappingTextBoxFlag xmlns:ma14="http://schemas.microsoft.com/office/mac/drawingml/2011/main" xmlns:a14="http://schemas.microsoft.com/office/drawing/2010/main" xmlns:m="http://schemas.openxmlformats.org/officeDocument/2006/math" xmlns="" val="1"/>
-            </a:ext>
-          </a:extLst>
-        </p:spPr>
-        <p:txBody>
-          <a:bodyPr lIns="71437" tIns="71437" rIns="71437" bIns="71437" anchor="b"/>
-          <a:lstStyle>
-            <a:lvl1pPr algn="l">
-              <a:defRPr sz="4200" b="1">
-                <a:solidFill>
-                  <a:srgbClr val="253957"/>
-                </a:solidFill>
-                <a:latin typeface="+mn-lt"/>
-                <a:ea typeface="+mn-ea"/>
-                <a:cs typeface="+mn-cs"/>
-                <a:sym typeface="Arial Narrow"/>
-              </a:defRPr>
-            </a:lvl1pPr>
-          </a:lstStyle>
-          <a:p>
-            <a:r>
-              <a:t>Заголовок основного текста</a:t>
-            </a:r>
+              <a:rPr lang="en-US" dirty="0" smtClean="0"/>
+              <a:t>Secondary metric – </a:t>
+            </a:r>
+            <a:r>
+              <a:rPr lang="en-US" b="1" dirty="0" smtClean="0"/>
+              <a:t>Learning Performance</a:t>
+            </a:r>
+            <a:r>
+              <a:rPr lang="en-US" dirty="0" smtClean="0"/>
+              <a:t> (LP)</a:t>
+            </a:r>
+            <a:endParaRPr dirty="0"/>
           </a:p>
         </p:txBody>
       </p:sp>
@@ -4146,8 +3855,8 @@
         </p:nvSpPr>
         <p:spPr>
           <a:xfrm>
-            <a:off x="11338744" y="956276"/>
-            <a:ext cx="11366416" cy="485776"/>
+            <a:off x="11338744" y="942364"/>
+            <a:ext cx="11366416" cy="513601"/>
           </a:xfrm>
           <a:prstGeom prst="rect">
             <a:avLst/>
@@ -4157,7 +3866,7 @@
           </a:ln>
           <a:extLst>
             <a:ext uri="{C572A759-6A51-4108-AA02-DFA0A04FC94B}">
-              <ma14:wrappingTextBoxFlag xmlns:ma14="http://schemas.microsoft.com/office/mac/drawingml/2011/main" xmlns:a14="http://schemas.microsoft.com/office/drawing/2010/main" xmlns:m="http://schemas.openxmlformats.org/officeDocument/2006/math" xmlns="" val="1"/>
+              <ma14:wrappingTextBoxFlag xmlns="" xmlns:m="http://schemas.openxmlformats.org/officeDocument/2006/math" xmlns:a14="http://schemas.microsoft.com/office/drawing/2010/main" xmlns:ma14="http://schemas.microsoft.com/office/mac/drawingml/2011/main" val="1"/>
             </a:ext>
           </a:extLst>
         </p:spPr>
@@ -4180,8 +3889,10 @@
           </a:lstStyle>
           <a:p>
             <a:r>
-              <a:t>Название подразделения, лаборатории, факультета и т.д.</a:t>
-            </a:r>
+              <a:rPr lang="ru-RU" dirty="0" smtClean="0"/>
+              <a:t>ФКН, Программная инженерия</a:t>
+            </a:r>
+            <a:endParaRPr dirty="0"/>
           </a:p>
         </p:txBody>
       </p:sp>
@@ -4214,16 +3925,275 @@
           </a:ln>
         </p:spPr>
       </p:pic>
+      <p:sp>
+        <p:nvSpPr>
+          <p:cNvPr id="8" name="Text Text Text Text Text Text Text Text Text Text Text Text Text Text Text Text Text Text Text Text Text Text Text Text Text Text Text Text Text Text Text Text Text Text Text Text Text Text Text Text Text Text Text Text Text Text Text Text Text Text Text Text Text Text Text Text Text Text Text Text Text Text Text Text Text Text Text Text Text Text Text Text Text Text Text Text Text Text Text Text Text Text Text Text Text Text Text Text Text Text Text Text Text Text Text Text Text Text Text Text Text Text Text Text Text Text Text Text…"/>
+          <p:cNvSpPr txBox="1"/>
+          <p:nvPr/>
+        </p:nvSpPr>
+        <p:spPr>
+          <a:xfrm>
+            <a:off x="1115664" y="6821512"/>
+            <a:ext cx="16867758" cy="4842682"/>
+          </a:xfrm>
+          <a:prstGeom prst="rect">
+            <a:avLst/>
+          </a:prstGeom>
+          <a:ln w="12700">
+            <a:miter lim="400000"/>
+          </a:ln>
+          <a:extLst>
+            <a:ext uri="{C572A759-6A51-4108-AA02-DFA0A04FC94B}">
+              <ma14:wrappingTextBoxFlag xmlns="" xmlns:m="http://schemas.openxmlformats.org/officeDocument/2006/math" xmlns:a14="http://schemas.microsoft.com/office/drawing/2010/main" xmlns:ma14="http://schemas.microsoft.com/office/mac/drawingml/2011/main" val="1"/>
+            </a:ext>
+          </a:extLst>
+        </p:spPr>
+        <p:txBody>
+          <a:bodyPr lIns="71437" tIns="71437" rIns="71437" bIns="71437" numCol="2" spcCol="1076157"/>
+          <a:lstStyle/>
+          <a:p>
+            <a:pPr algn="l">
+              <a:spcBef>
+                <a:spcPts val="2800"/>
+              </a:spcBef>
+              <a:defRPr sz="2800">
+                <a:solidFill>
+                  <a:srgbClr val="253957"/>
+                </a:solidFill>
+                <a:latin typeface="+mn-lt"/>
+                <a:ea typeface="+mn-ea"/>
+                <a:cs typeface="+mn-cs"/>
+                <a:sym typeface="Arial Narrow"/>
+              </a:defRPr>
+            </a:pPr>
+            <a:r>
+              <a:rPr lang="en-US" sz="3200" b="1" dirty="0" smtClean="0">
+                <a:sym typeface="Arial Narrow"/>
+              </a:rPr>
+              <a:t>Learning Performance (LP) </a:t>
+            </a:r>
+            <a:r>
+              <a:rPr lang="en-US" sz="3200" dirty="0" smtClean="0">
+                <a:sym typeface="Arial Narrow"/>
+              </a:rPr>
+              <a:t>is </a:t>
+            </a:r>
+            <a:r>
+              <a:rPr lang="en-US" sz="3200" dirty="0">
+                <a:sym typeface="Arial Narrow"/>
+              </a:rPr>
+              <a:t>the </a:t>
+            </a:r>
+            <a:r>
+              <a:rPr lang="en-US" sz="3200" dirty="0">
+                <a:sym typeface="Arial Narrow"/>
+              </a:rPr>
+              <a:t>numerical indicator of the learning rate (based on calculating the similarity of the proposed keyboard with the default)</a:t>
+            </a:r>
+          </a:p>
+        </p:txBody>
+      </p:sp>
+      <p:pic>
+        <p:nvPicPr>
+          <p:cNvPr id="2" name="Рисунок 1"/>
+          <p:cNvPicPr>
+            <a:picLocks noChangeAspect="1"/>
+          </p:cNvPicPr>
+          <p:nvPr/>
+        </p:nvPicPr>
+        <p:blipFill>
+          <a:blip r:embed="rId3"/>
+          <a:stretch>
+            <a:fillRect/>
+          </a:stretch>
+        </p:blipFill>
+        <p:spPr>
+          <a:xfrm>
+            <a:off x="11471920" y="6821512"/>
+            <a:ext cx="8661233" cy="1939082"/>
+          </a:xfrm>
+          <a:prstGeom prst="rect">
+            <a:avLst/>
+          </a:prstGeom>
+        </p:spPr>
+      </p:pic>
+      <p:sp>
+        <p:nvSpPr>
+          <p:cNvPr id="10" name="Text Text Text Text Text Text Text Text Text Text Text Text Text Text Text Text Text Text Text Text Text Text Text Text Text Text Text Text Text Text Text Text Text Text Text Text Text Text Text Text Text Text Text Text Text Text Text Text Text Text Text Text Text Text Text Text Text Text Text Text Text Text Text Text Text Text Text Text Text Text Text Text Text Text Text Text Text Text Text Text Text Text Text Text Text Text Text Text Text Text Text Text Text Text Text Text Text Text Text Text Text Text Text Text Text Text Text Text…"/>
+          <p:cNvSpPr txBox="1"/>
+          <p:nvPr/>
+        </p:nvSpPr>
+        <p:spPr>
+          <a:xfrm>
+            <a:off x="12624048" y="8744942"/>
+            <a:ext cx="21530392" cy="4842682"/>
+          </a:xfrm>
+          <a:prstGeom prst="rect">
+            <a:avLst/>
+          </a:prstGeom>
+          <a:ln w="12700">
+            <a:miter lim="400000"/>
+          </a:ln>
+          <a:extLst>
+            <a:ext uri="{C572A759-6A51-4108-AA02-DFA0A04FC94B}">
+              <ma14:wrappingTextBoxFlag xmlns="" xmlns:m="http://schemas.openxmlformats.org/officeDocument/2006/math" xmlns:a14="http://schemas.microsoft.com/office/drawing/2010/main" xmlns:ma14="http://schemas.microsoft.com/office/mac/drawingml/2011/main" val="1"/>
+            </a:ext>
+          </a:extLst>
+        </p:spPr>
+        <p:txBody>
+          <a:bodyPr lIns="71437" tIns="71437" rIns="71437" bIns="71437" numCol="2" spcCol="1076157"/>
+          <a:lstStyle/>
+          <a:p>
+            <a:pPr algn="l">
+              <a:defRPr sz="2800">
+                <a:solidFill>
+                  <a:srgbClr val="253957"/>
+                </a:solidFill>
+                <a:latin typeface="+mn-lt"/>
+                <a:ea typeface="+mn-ea"/>
+                <a:cs typeface="+mn-cs"/>
+                <a:sym typeface="Arial Narrow"/>
+              </a:defRPr>
+            </a:pPr>
+            <a:r>
+              <a:rPr lang="en-US" sz="3200" dirty="0">
+                <a:sym typeface="Arial Narrow"/>
+              </a:rPr>
+              <a:t>where 𝑖 is a letter in alphabet 𝛼, </a:t>
+            </a:r>
+            <a:endParaRPr lang="ru-RU" sz="3200" dirty="0" smtClean="0">
+              <a:sym typeface="Arial Narrow"/>
+            </a:endParaRPr>
+          </a:p>
+          <a:p>
+            <a:pPr algn="l">
+              <a:defRPr sz="2800">
+                <a:solidFill>
+                  <a:srgbClr val="253957"/>
+                </a:solidFill>
+                <a:latin typeface="+mn-lt"/>
+                <a:ea typeface="+mn-ea"/>
+                <a:cs typeface="+mn-cs"/>
+                <a:sym typeface="Arial Narrow"/>
+              </a:defRPr>
+            </a:pPr>
+            <a:r>
+              <a:rPr lang="en-US" sz="3200" dirty="0" smtClean="0">
+                <a:sym typeface="Arial Narrow"/>
+              </a:rPr>
+              <a:t>the </a:t>
+            </a:r>
+            <a:r>
+              <a:rPr lang="en-US" sz="3200" dirty="0">
+                <a:sym typeface="Arial Narrow"/>
+              </a:rPr>
+              <a:t>set of lowercase letters</a:t>
+            </a:r>
+          </a:p>
+          <a:p>
+            <a:pPr algn="l">
+              <a:defRPr sz="2800">
+                <a:solidFill>
+                  <a:srgbClr val="253957"/>
+                </a:solidFill>
+                <a:latin typeface="+mn-lt"/>
+                <a:ea typeface="+mn-ea"/>
+                <a:cs typeface="+mn-cs"/>
+                <a:sym typeface="Arial Narrow"/>
+              </a:defRPr>
+            </a:pPr>
+            <a:r>
+              <a:rPr lang="en-US" sz="3200" dirty="0">
+                <a:sym typeface="Arial Narrow"/>
+              </a:rPr>
+              <a:t>from ‘a’ to ‘z,’ and 𝑘𝑖𝑥</a:t>
+            </a:r>
+          </a:p>
+          <a:p>
+            <a:pPr algn="l">
+              <a:defRPr sz="2800">
+                <a:solidFill>
+                  <a:srgbClr val="253957"/>
+                </a:solidFill>
+                <a:latin typeface="+mn-lt"/>
+                <a:ea typeface="+mn-ea"/>
+                <a:cs typeface="+mn-cs"/>
+                <a:sym typeface="Arial Narrow"/>
+              </a:defRPr>
+            </a:pPr>
+            <a:r>
+              <a:rPr lang="en-US" sz="3200" dirty="0">
+                <a:sym typeface="Arial Narrow"/>
+              </a:rPr>
+              <a:t> and 𝑞𝑖𝑥</a:t>
+            </a:r>
+          </a:p>
+          <a:p>
+            <a:pPr algn="l">
+              <a:defRPr sz="2800">
+                <a:solidFill>
+                  <a:srgbClr val="253957"/>
+                </a:solidFill>
+                <a:latin typeface="+mn-lt"/>
+                <a:ea typeface="+mn-ea"/>
+                <a:cs typeface="+mn-cs"/>
+                <a:sym typeface="Arial Narrow"/>
+              </a:defRPr>
+            </a:pPr>
+            <a:r>
+              <a:rPr lang="en-US" sz="3200" dirty="0">
+                <a:sym typeface="Arial Narrow"/>
+              </a:rPr>
+              <a:t> are the x-indices of the 𝑖 key</a:t>
+            </a:r>
+          </a:p>
+          <a:p>
+            <a:pPr algn="l">
+              <a:defRPr sz="2800">
+                <a:solidFill>
+                  <a:srgbClr val="253957"/>
+                </a:solidFill>
+                <a:latin typeface="+mn-lt"/>
+                <a:ea typeface="+mn-ea"/>
+                <a:cs typeface="+mn-cs"/>
+                <a:sym typeface="Arial Narrow"/>
+              </a:defRPr>
+            </a:pPr>
+            <a:r>
+              <a:rPr lang="en-US" sz="3200" dirty="0">
+                <a:sym typeface="Arial Narrow"/>
+              </a:rPr>
+              <a:t>on the given keyboard layout and </a:t>
+            </a:r>
+            <a:r>
+              <a:rPr lang="en-US" sz="3200" dirty="0" smtClean="0">
+                <a:sym typeface="Arial Narrow"/>
+              </a:rPr>
+              <a:t>default</a:t>
+            </a:r>
+            <a:endParaRPr lang="en-US" sz="3200" dirty="0">
+              <a:sym typeface="Arial Narrow"/>
+            </a:endParaRPr>
+          </a:p>
+        </p:txBody>
+      </p:sp>
     </p:spTree>
   </p:cSld>
   <p:clrMapOvr>
     <a:masterClrMapping/>
   </p:clrMapOvr>
   <p:transition spd="med"/>
+  <p:timing>
+    <p:tnLst>
+      <p:par>
+        <p:cTn id="1" dur="indefinite" restart="never" nodeType="tmRoot"/>
+      </p:par>
+    </p:tnLst>
+  </p:timing>
 </p:sld>
 </file>
 
-<file path=ppt/slides/slide5.xml><?xml version="1.0" encoding="utf-8"?>
+<file path=ppt/slides/slide4.xml><?xml version="1.0" encoding="utf-8"?>
 <p:sld xmlns:a="http://schemas.openxmlformats.org/drawingml/2006/main" xmlns:r="http://schemas.openxmlformats.org/officeDocument/2006/relationships" xmlns:p="http://schemas.openxmlformats.org/presentationml/2006/main">
   <p:cSld>
     <p:spTree>
@@ -4240,76 +4210,6 @@
           <a:chExt cx="0" cy="0"/>
         </a:xfrm>
       </p:grpSpPr>
-      <p:sp>
-        <p:nvSpPr>
-          <p:cNvPr id="79" name="Text Text Text Text Text Text Text Text Text Text Text Text Text Text Text Text Text Text Text Text Text Text Text Text Text Text Text Text Text Text Text Text Text Text Text Text Text Text Text Text Text Text Text Text Text Text Text Text Text Text Text Text Text Text Text Text Text Text Text Text Text Text Text Text Text Text Text Text Text Text Text Text Text Text Text Text Text Text Text Text Text Text Text Text Text Text Text Text Text Text Text Text Text Text Text Text Text Text Text Text Text Text Text Text Text Text Text Text…"/>
-          <p:cNvSpPr txBox="1"/>
-          <p:nvPr/>
-        </p:nvSpPr>
-        <p:spPr>
-          <a:xfrm>
-            <a:off x="1107280" y="7680918"/>
-            <a:ext cx="21523142" cy="4842682"/>
-          </a:xfrm>
-          <a:prstGeom prst="rect">
-            <a:avLst/>
-          </a:prstGeom>
-          <a:ln w="12700">
-            <a:miter lim="400000"/>
-          </a:ln>
-          <a:extLst>
-            <a:ext uri="{C572A759-6A51-4108-AA02-DFA0A04FC94B}">
-              <ma14:wrappingTextBoxFlag xmlns:ma14="http://schemas.microsoft.com/office/mac/drawingml/2011/main" xmlns:a14="http://schemas.microsoft.com/office/drawing/2010/main" xmlns:m="http://schemas.openxmlformats.org/officeDocument/2006/math" xmlns="" val="1"/>
-            </a:ext>
-          </a:extLst>
-        </p:spPr>
-        <p:txBody>
-          <a:bodyPr lIns="71437" tIns="71437" rIns="71437" bIns="71437" numCol="2" spcCol="1076157"/>
-          <a:lstStyle/>
-          <a:p>
-            <a:pPr marL="304800" indent="-304800" algn="l">
-              <a:spcBef>
-                <a:spcPts val="2800"/>
-              </a:spcBef>
-              <a:buSzPct val="100000"/>
-              <a:buAutoNum type="arabicPeriod"/>
-              <a:defRPr sz="2800">
-                <a:solidFill>
-                  <a:srgbClr val="253957"/>
-                </a:solidFill>
-                <a:latin typeface="+mn-lt"/>
-                <a:ea typeface="+mn-ea"/>
-                <a:cs typeface="+mn-cs"/>
-                <a:sym typeface="Arial Narrow"/>
-              </a:defRPr>
-            </a:pPr>
-            <a:r>
-              <a:t>Text Text Text Text Text Text Text Text Text Text Text Text Text Text Text Text Text Text Text Text Text Text Text Text Text Text Text Text Text Text Text Text Text Text Text Text Text Text Text Text Text Text Text Text Text Text Text Text Text Text Text Text Text Text Text Text Text Text Text Text Text Text Text Text Text Text Text Text Text Text Text Text Text Text Text Text Text Text Text Text Text Text Text Text Text Text Text Text Text Text Text Text Text Text Text Text Text Text Text Text Text Text Text Text Text Text Text Text </a:t>
-            </a:r>
-          </a:p>
-          <a:p>
-            <a:pPr marL="304800" indent="-304800" algn="l">
-              <a:spcBef>
-                <a:spcPts val="2800"/>
-              </a:spcBef>
-              <a:buSzPct val="100000"/>
-              <a:buAutoNum type="arabicPeriod"/>
-              <a:defRPr sz="2800">
-                <a:solidFill>
-                  <a:srgbClr val="253957"/>
-                </a:solidFill>
-                <a:latin typeface="+mn-lt"/>
-                <a:ea typeface="+mn-ea"/>
-                <a:cs typeface="+mn-cs"/>
-                <a:sym typeface="Arial Narrow"/>
-              </a:defRPr>
-            </a:pPr>
-            <a:r>
-              <a:t>Text Text Text Text Text Text Text Text Text Text Text Text Text Text Text Text Text Text Text Text Text Text Text Text Text Text Text Text Text Text Text Text Text Text Text Text Text Text Text Text Text Text Text Text Text Text Text Text Text Text Text Text Text Text Text Text Text Text Text Text Text Text Text Text Text Text Text Text Text Text Text Text Text Text Text Text Text Text Text Text Text Text Text Text Text Text Text Text Text Text Text Text Text Text Text Text Text Text Text Text Text Text Text Text Text Text Text Text </a:t>
-            </a:r>
-          </a:p>
-        </p:txBody>
-      </p:sp>
       <p:sp>
         <p:nvSpPr>
           <p:cNvPr id="80" name="Очень крутой заголовок…"/>
@@ -4329,7 +4229,7 @@
           </a:ln>
           <a:extLst>
             <a:ext uri="{C572A759-6A51-4108-AA02-DFA0A04FC94B}">
-              <ma14:wrappingTextBoxFlag xmlns:ma14="http://schemas.microsoft.com/office/mac/drawingml/2011/main" xmlns:a14="http://schemas.microsoft.com/office/drawing/2010/main" xmlns:m="http://schemas.openxmlformats.org/officeDocument/2006/math" xmlns="" val="1"/>
+              <ma14:wrappingTextBoxFlag xmlns="" xmlns:m="http://schemas.openxmlformats.org/officeDocument/2006/math" xmlns:a14="http://schemas.microsoft.com/office/drawing/2010/main" xmlns:ma14="http://schemas.microsoft.com/office/mac/drawingml/2011/main" val="1"/>
             </a:ext>
           </a:extLst>
         </p:spPr>
@@ -4349,69 +4249,10 @@
               </a:defRPr>
             </a:pPr>
             <a:r>
-              <a:t>Очень крутой заголовок</a:t>
-            </a:r>
-          </a:p>
-          <a:p>
-            <a:pPr algn="l">
-              <a:defRPr sz="4200">
-                <a:solidFill>
-                  <a:srgbClr val="253957"/>
-                </a:solidFill>
-                <a:latin typeface="+mn-lt"/>
-                <a:ea typeface="+mn-ea"/>
-                <a:cs typeface="+mn-cs"/>
-                <a:sym typeface="Arial Narrow"/>
-              </a:defRPr>
-            </a:pPr>
-            <a:r>
-              <a:t>Очень крутой подзаголовок презентации </a:t>
-            </a:r>
-          </a:p>
-        </p:txBody>
-      </p:sp>
-      <p:sp>
-        <p:nvSpPr>
-          <p:cNvPr id="81" name="Заголовок основного текста"/>
-          <p:cNvSpPr txBox="1"/>
-          <p:nvPr/>
-        </p:nvSpPr>
-        <p:spPr>
-          <a:xfrm>
-            <a:off x="1107280" y="5820994"/>
-            <a:ext cx="16073439" cy="1324943"/>
-          </a:xfrm>
-          <a:prstGeom prst="rect">
-            <a:avLst/>
-          </a:prstGeom>
-          <a:ln w="12700">
-            <a:miter lim="400000"/>
-          </a:ln>
-          <a:extLst>
-            <a:ext uri="{C572A759-6A51-4108-AA02-DFA0A04FC94B}">
-              <ma14:wrappingTextBoxFlag xmlns:ma14="http://schemas.microsoft.com/office/mac/drawingml/2011/main" xmlns:a14="http://schemas.microsoft.com/office/drawing/2010/main" xmlns:m="http://schemas.openxmlformats.org/officeDocument/2006/math" xmlns="" val="1"/>
-            </a:ext>
-          </a:extLst>
-        </p:spPr>
-        <p:txBody>
-          <a:bodyPr lIns="71437" tIns="71437" rIns="71437" bIns="71437" anchor="b"/>
-          <a:lstStyle>
-            <a:lvl1pPr algn="l">
-              <a:defRPr sz="4200" b="1">
-                <a:solidFill>
-                  <a:srgbClr val="253957"/>
-                </a:solidFill>
-                <a:latin typeface="+mn-lt"/>
-                <a:ea typeface="+mn-ea"/>
-                <a:cs typeface="+mn-cs"/>
-                <a:sym typeface="Arial Narrow"/>
-              </a:defRPr>
-            </a:lvl1pPr>
-          </a:lstStyle>
-          <a:p>
-            <a:r>
-              <a:t>Заголовок основного текста</a:t>
-            </a:r>
+              <a:rPr lang="en-US" dirty="0" smtClean="0"/>
+              <a:t>algorithm</a:t>
+            </a:r>
+            <a:endParaRPr dirty="0"/>
           </a:p>
         </p:txBody>
       </p:sp>
@@ -4455,8 +4296,8 @@
         </p:nvSpPr>
         <p:spPr>
           <a:xfrm>
-            <a:off x="11338744" y="956276"/>
-            <a:ext cx="11366416" cy="485776"/>
+            <a:off x="11338744" y="942364"/>
+            <a:ext cx="11366416" cy="513601"/>
           </a:xfrm>
           <a:prstGeom prst="rect">
             <a:avLst/>
@@ -4466,7 +4307,7 @@
           </a:ln>
           <a:extLst>
             <a:ext uri="{C572A759-6A51-4108-AA02-DFA0A04FC94B}">
-              <ma14:wrappingTextBoxFlag xmlns:ma14="http://schemas.microsoft.com/office/mac/drawingml/2011/main" xmlns:a14="http://schemas.microsoft.com/office/drawing/2010/main" xmlns:m="http://schemas.openxmlformats.org/officeDocument/2006/math" xmlns="" val="1"/>
+              <ma14:wrappingTextBoxFlag xmlns="" xmlns:m="http://schemas.openxmlformats.org/officeDocument/2006/math" xmlns:a14="http://schemas.microsoft.com/office/drawing/2010/main" xmlns:ma14="http://schemas.microsoft.com/office/mac/drawingml/2011/main" val="1"/>
             </a:ext>
           </a:extLst>
         </p:spPr>
@@ -4489,8 +4330,10 @@
           </a:lstStyle>
           <a:p>
             <a:r>
-              <a:t>Название подразделения, лаборатории, факультета и т.д.</a:t>
-            </a:r>
+              <a:rPr lang="ru-RU" dirty="0" smtClean="0"/>
+              <a:t>ФКН, Программная инженерия</a:t>
+            </a:r>
+            <a:endParaRPr dirty="0"/>
           </a:p>
         </p:txBody>
       </p:sp>
@@ -4529,10 +4372,17 @@
     <a:masterClrMapping/>
   </p:clrMapOvr>
   <p:transition spd="med"/>
+  <p:timing>
+    <p:tnLst>
+      <p:par>
+        <p:cTn id="1" dur="indefinite" restart="never" nodeType="tmRoot"/>
+      </p:par>
+    </p:tnLst>
+  </p:timing>
 </p:sld>
 </file>
 
-<file path=ppt/slides/slide6.xml><?xml version="1.0" encoding="utf-8"?>
+<file path=ppt/slides/slide5.xml><?xml version="1.0" encoding="utf-8"?>
 <p:sld xmlns:a="http://schemas.openxmlformats.org/drawingml/2006/main" xmlns:r="http://schemas.openxmlformats.org/officeDocument/2006/relationships" xmlns:p="http://schemas.openxmlformats.org/presentationml/2006/main">
   <p:cSld>
     <p:spTree>
@@ -4549,76 +4399,6 @@
           <a:chExt cx="0" cy="0"/>
         </a:xfrm>
       </p:grpSpPr>
-      <p:sp>
-        <p:nvSpPr>
-          <p:cNvPr id="86" name="Text Text Text Text Text Text Text Text Text Text Text Text Text Text Text Text Text Text Text Text Text Text Text Text Text Text Text Text Text Text Text Text Text Text Text Text Text Text Text Text Text Text Text Text Text Text Text Text Text Text Text Text Text Text Text Text Text Text Text Text Text Text Text Text Text Text Text Text Text Text Text Text Text Text Text Text Text Text Text Text Text Text Text Text Text Text Text Text Text Text Text Text Text Text Text Text Text Text Text Text Text Text Text Text Text Text Text Text…"/>
-          <p:cNvSpPr txBox="1"/>
-          <p:nvPr/>
-        </p:nvSpPr>
-        <p:spPr>
-          <a:xfrm>
-            <a:off x="1201065" y="7680918"/>
-            <a:ext cx="21506375" cy="4842682"/>
-          </a:xfrm>
-          <a:prstGeom prst="rect">
-            <a:avLst/>
-          </a:prstGeom>
-          <a:ln w="12700">
-            <a:miter lim="400000"/>
-          </a:ln>
-          <a:extLst>
-            <a:ext uri="{C572A759-6A51-4108-AA02-DFA0A04FC94B}">
-              <ma14:wrappingTextBoxFlag xmlns:ma14="http://schemas.microsoft.com/office/mac/drawingml/2011/main" xmlns:a14="http://schemas.microsoft.com/office/drawing/2010/main" xmlns:m="http://schemas.openxmlformats.org/officeDocument/2006/math" xmlns="" val="1"/>
-            </a:ext>
-          </a:extLst>
-        </p:spPr>
-        <p:txBody>
-          <a:bodyPr lIns="71437" tIns="71437" rIns="71437" bIns="71437"/>
-          <a:lstStyle/>
-          <a:p>
-            <a:pPr marL="304800" indent="-304800" algn="l">
-              <a:spcBef>
-                <a:spcPts val="2800"/>
-              </a:spcBef>
-              <a:buSzPct val="100000"/>
-              <a:buChar char="•"/>
-              <a:defRPr sz="2800">
-                <a:solidFill>
-                  <a:srgbClr val="253957"/>
-                </a:solidFill>
-                <a:latin typeface="+mn-lt"/>
-                <a:ea typeface="+mn-ea"/>
-                <a:cs typeface="+mn-cs"/>
-                <a:sym typeface="Arial Narrow"/>
-              </a:defRPr>
-            </a:pPr>
-            <a:r>
-              <a:t>Text Text Text Text Text Text Text Text Text Text Text Text Text Text Text Text Text Text Text Text Text Text Text Text Text Text Text Text Text Text Text Text Text Text Text Text Text Text Text Text Text Text Text Text Text Text Text Text Text Text Text Text Text Text Text Text Text Text Text Text Text Text Text Text Text Text Text Text Text Text Text Text Text Text Text Text Text Text Text Text Text Text Text Text Text Text Text Text Text Text Text Text Text Text Text Text Text Text Text Text Text Text Text Text Text Text Text Text </a:t>
-            </a:r>
-          </a:p>
-          <a:p>
-            <a:pPr marL="304800" indent="-304800" algn="l">
-              <a:spcBef>
-                <a:spcPts val="2800"/>
-              </a:spcBef>
-              <a:buSzPct val="100000"/>
-              <a:buChar char="•"/>
-              <a:defRPr sz="2800">
-                <a:solidFill>
-                  <a:srgbClr val="253957"/>
-                </a:solidFill>
-                <a:latin typeface="+mn-lt"/>
-                <a:ea typeface="+mn-ea"/>
-                <a:cs typeface="+mn-cs"/>
-                <a:sym typeface="Arial Narrow"/>
-              </a:defRPr>
-            </a:pPr>
-            <a:r>
-              <a:t>Text Text Text Text Text Text Text Text Text Text Text Text Text Text Text Text Text Text Text Text Text Text Text Text Text Text Text Text Text Text Text Text Text Text Text Text Text Text Text Text Text Text Text Text Text Text Text Text Text Text Text Text Text Text Text Text Text Text Text Text Text Text Text Text Text Text Text Text Text Text Text Text Text Text Text Text Text Text Text Text Text Text Text Text Text Text Text Text Text Text Text Text Text Text Text Text Text Text Text Text Text Text Text Text Text Text Text Text </a:t>
-            </a:r>
-          </a:p>
-        </p:txBody>
-      </p:sp>
       <p:sp>
         <p:nvSpPr>
           <p:cNvPr id="87" name="Очень крутой заголовок…"/>
@@ -4638,7 +4418,7 @@
           </a:ln>
           <a:extLst>
             <a:ext uri="{C572A759-6A51-4108-AA02-DFA0A04FC94B}">
-              <ma14:wrappingTextBoxFlag xmlns:ma14="http://schemas.microsoft.com/office/mac/drawingml/2011/main" xmlns:a14="http://schemas.microsoft.com/office/drawing/2010/main" xmlns:m="http://schemas.openxmlformats.org/officeDocument/2006/math" xmlns="" val="1"/>
+              <ma14:wrappingTextBoxFlag xmlns="" xmlns:m="http://schemas.openxmlformats.org/officeDocument/2006/math" xmlns:a14="http://schemas.microsoft.com/office/drawing/2010/main" xmlns:ma14="http://schemas.microsoft.com/office/mac/drawingml/2011/main" val="1"/>
             </a:ext>
           </a:extLst>
         </p:spPr>
@@ -4658,69 +4438,10 @@
               </a:defRPr>
             </a:pPr>
             <a:r>
-              <a:t>Очень крутой заголовок</a:t>
-            </a:r>
-          </a:p>
-          <a:p>
-            <a:pPr algn="l">
-              <a:defRPr sz="4200">
-                <a:solidFill>
-                  <a:srgbClr val="253957"/>
-                </a:solidFill>
-                <a:latin typeface="+mn-lt"/>
-                <a:ea typeface="+mn-ea"/>
-                <a:cs typeface="+mn-cs"/>
-                <a:sym typeface="Arial Narrow"/>
-              </a:defRPr>
-            </a:pPr>
-            <a:r>
-              <a:t>Очень крутой подзаголовок презентации </a:t>
-            </a:r>
-          </a:p>
-        </p:txBody>
-      </p:sp>
-      <p:sp>
-        <p:nvSpPr>
-          <p:cNvPr id="88" name="Заголовок основного текста"/>
-          <p:cNvSpPr txBox="1"/>
-          <p:nvPr/>
-        </p:nvSpPr>
-        <p:spPr>
-          <a:xfrm>
-            <a:off x="1201065" y="5820994"/>
-            <a:ext cx="16073438" cy="1324943"/>
-          </a:xfrm>
-          <a:prstGeom prst="rect">
-            <a:avLst/>
-          </a:prstGeom>
-          <a:ln w="12700">
-            <a:miter lim="400000"/>
-          </a:ln>
-          <a:extLst>
-            <a:ext uri="{C572A759-6A51-4108-AA02-DFA0A04FC94B}">
-              <ma14:wrappingTextBoxFlag xmlns:ma14="http://schemas.microsoft.com/office/mac/drawingml/2011/main" xmlns:a14="http://schemas.microsoft.com/office/drawing/2010/main" xmlns:m="http://schemas.openxmlformats.org/officeDocument/2006/math" xmlns="" val="1"/>
-            </a:ext>
-          </a:extLst>
-        </p:spPr>
-        <p:txBody>
-          <a:bodyPr lIns="71437" tIns="71437" rIns="71437" bIns="71437" anchor="b"/>
-          <a:lstStyle>
-            <a:lvl1pPr algn="l">
-              <a:defRPr sz="4200" b="1">
-                <a:solidFill>
-                  <a:srgbClr val="253957"/>
-                </a:solidFill>
-                <a:latin typeface="+mn-lt"/>
-                <a:ea typeface="+mn-ea"/>
-                <a:cs typeface="+mn-cs"/>
-                <a:sym typeface="Arial Narrow"/>
-              </a:defRPr>
-            </a:lvl1pPr>
-          </a:lstStyle>
-          <a:p>
-            <a:r>
-              <a:t>Заголовок основного текста</a:t>
-            </a:r>
+              <a:rPr lang="en-US" dirty="0" smtClean="0"/>
+              <a:t>metrics</a:t>
+            </a:r>
+            <a:endParaRPr dirty="0"/>
           </a:p>
         </p:txBody>
       </p:sp>
@@ -4764,8 +4485,8 @@
         </p:nvSpPr>
         <p:spPr>
           <a:xfrm>
-            <a:off x="11338744" y="956276"/>
-            <a:ext cx="11366416" cy="485776"/>
+            <a:off x="11338744" y="942364"/>
+            <a:ext cx="11366416" cy="513601"/>
           </a:xfrm>
           <a:prstGeom prst="rect">
             <a:avLst/>
@@ -4775,7 +4496,7 @@
           </a:ln>
           <a:extLst>
             <a:ext uri="{C572A759-6A51-4108-AA02-DFA0A04FC94B}">
-              <ma14:wrappingTextBoxFlag xmlns:ma14="http://schemas.microsoft.com/office/mac/drawingml/2011/main" xmlns:a14="http://schemas.microsoft.com/office/drawing/2010/main" xmlns:m="http://schemas.openxmlformats.org/officeDocument/2006/math" xmlns="" val="1"/>
+              <ma14:wrappingTextBoxFlag xmlns="" xmlns:m="http://schemas.openxmlformats.org/officeDocument/2006/math" xmlns:a14="http://schemas.microsoft.com/office/drawing/2010/main" xmlns:ma14="http://schemas.microsoft.com/office/mac/drawingml/2011/main" val="1"/>
             </a:ext>
           </a:extLst>
         </p:spPr>
@@ -4798,8 +4519,10 @@
           </a:lstStyle>
           <a:p>
             <a:r>
-              <a:t>Название подразделения, лаборатории, факультета и т.д.</a:t>
-            </a:r>
+              <a:rPr lang="ru-RU" dirty="0" smtClean="0"/>
+              <a:t>ФКН, Программная инженерия</a:t>
+            </a:r>
+            <a:endParaRPr dirty="0"/>
           </a:p>
         </p:txBody>
       </p:sp>
@@ -4832,16 +4555,71 @@
           </a:ln>
         </p:spPr>
       </p:pic>
+      <p:pic>
+        <p:nvPicPr>
+          <p:cNvPr id="3" name="Рисунок 2"/>
+          <p:cNvPicPr>
+            <a:picLocks noChangeAspect="1"/>
+          </p:cNvPicPr>
+          <p:nvPr/>
+        </p:nvPicPr>
+        <p:blipFill>
+          <a:blip r:embed="rId3"/>
+          <a:stretch>
+            <a:fillRect/>
+          </a:stretch>
+        </p:blipFill>
+        <p:spPr>
+          <a:xfrm>
+            <a:off x="780681" y="5286013"/>
+            <a:ext cx="10187183" cy="6214364"/>
+          </a:xfrm>
+          <a:prstGeom prst="rect">
+            <a:avLst/>
+          </a:prstGeom>
+        </p:spPr>
+      </p:pic>
+      <p:pic>
+        <p:nvPicPr>
+          <p:cNvPr id="4" name="Рисунок 3"/>
+          <p:cNvPicPr>
+            <a:picLocks noChangeAspect="1"/>
+          </p:cNvPicPr>
+          <p:nvPr/>
+        </p:nvPicPr>
+        <p:blipFill>
+          <a:blip r:embed="rId4"/>
+          <a:stretch>
+            <a:fillRect/>
+          </a:stretch>
+        </p:blipFill>
+        <p:spPr>
+          <a:xfrm>
+            <a:off x="12480032" y="5607766"/>
+            <a:ext cx="11567323" cy="5814701"/>
+          </a:xfrm>
+          <a:prstGeom prst="rect">
+            <a:avLst/>
+          </a:prstGeom>
+        </p:spPr>
+      </p:pic>
     </p:spTree>
   </p:cSld>
   <p:clrMapOvr>
     <a:masterClrMapping/>
   </p:clrMapOvr>
   <p:transition spd="med"/>
+  <p:timing>
+    <p:tnLst>
+      <p:par>
+        <p:cTn id="1" dur="indefinite" restart="never" nodeType="tmRoot"/>
+      </p:par>
+    </p:tnLst>
+  </p:timing>
 </p:sld>
 </file>
 
-<file path=ppt/slides/slide7.xml><?xml version="1.0" encoding="utf-8"?>
+<file path=ppt/slides/slide6.xml><?xml version="1.0" encoding="utf-8"?>
 <p:sld xmlns:a="http://schemas.openxmlformats.org/drawingml/2006/main" xmlns:r="http://schemas.openxmlformats.org/officeDocument/2006/relationships" xmlns:p="http://schemas.openxmlformats.org/presentationml/2006/main">
   <p:cSld>
     <p:spTree>
@@ -4858,76 +4636,6 @@
           <a:chExt cx="0" cy="0"/>
         </a:xfrm>
       </p:grpSpPr>
-      <p:sp>
-        <p:nvSpPr>
-          <p:cNvPr id="93" name="Text Text Text Text Text Text Text Text Text Text Text Text Text Text Text Text Text Text Text Text Text Text Text Text Text Text Text Text Text Text Text Text Text Text Text Text Text Text Text Text Text Text Text Text Text Text Text Text Text Text Text Text Text Text Text Text Text Text Text Text Text Text Text Text Text Text Text Text Text Text Text Text Text Text Text Text Text Text Text Text Text Text Text Text Text Text Text Text Text Text Text Text Text Text Text Text Text Text Text Text Text Text Text Text Text Text Text Text…"/>
-          <p:cNvSpPr txBox="1"/>
-          <p:nvPr/>
-        </p:nvSpPr>
-        <p:spPr>
-          <a:xfrm>
-            <a:off x="1177619" y="7680918"/>
-            <a:ext cx="21506374" cy="4842682"/>
-          </a:xfrm>
-          <a:prstGeom prst="rect">
-            <a:avLst/>
-          </a:prstGeom>
-          <a:ln w="12700">
-            <a:miter lim="400000"/>
-          </a:ln>
-          <a:extLst>
-            <a:ext uri="{C572A759-6A51-4108-AA02-DFA0A04FC94B}">
-              <ma14:wrappingTextBoxFlag xmlns:ma14="http://schemas.microsoft.com/office/mac/drawingml/2011/main" xmlns:a14="http://schemas.microsoft.com/office/drawing/2010/main" xmlns:m="http://schemas.openxmlformats.org/officeDocument/2006/math" xmlns="" val="1"/>
-            </a:ext>
-          </a:extLst>
-        </p:spPr>
-        <p:txBody>
-          <a:bodyPr lIns="71437" tIns="71437" rIns="71437" bIns="71437" numCol="2" spcCol="1075318"/>
-          <a:lstStyle/>
-          <a:p>
-            <a:pPr marL="304800" indent="-304800" algn="l">
-              <a:spcBef>
-                <a:spcPts val="2800"/>
-              </a:spcBef>
-              <a:buSzPct val="100000"/>
-              <a:buChar char="•"/>
-              <a:defRPr sz="2800">
-                <a:solidFill>
-                  <a:srgbClr val="253957"/>
-                </a:solidFill>
-                <a:latin typeface="+mn-lt"/>
-                <a:ea typeface="+mn-ea"/>
-                <a:cs typeface="+mn-cs"/>
-                <a:sym typeface="Arial Narrow"/>
-              </a:defRPr>
-            </a:pPr>
-            <a:r>
-              <a:t>Text Text Text Text Text Text Text Text Text Text Text Text Text Text Text Text Text Text Text Text Text Text Text Text Text Text Text Text Text Text Text Text Text Text Text Text Text Text Text Text Text Text Text Text Text Text Text Text Text Text Text Text Text Text Text Text Text Text Text Text Text Text Text Text Text Text Text Text Text Text Text Text Text Text Text Text Text Text Text Text Text Text Text Text Text Text Text Text Text Text Text Text Text Text Text Text Text Text Text Text Text Text Text Text Text Text Text Text </a:t>
-            </a:r>
-          </a:p>
-          <a:p>
-            <a:pPr marL="304800" indent="-304800" algn="l">
-              <a:spcBef>
-                <a:spcPts val="2800"/>
-              </a:spcBef>
-              <a:buSzPct val="100000"/>
-              <a:buChar char="•"/>
-              <a:defRPr sz="2800">
-                <a:solidFill>
-                  <a:srgbClr val="253957"/>
-                </a:solidFill>
-                <a:latin typeface="+mn-lt"/>
-                <a:ea typeface="+mn-ea"/>
-                <a:cs typeface="+mn-cs"/>
-                <a:sym typeface="Arial Narrow"/>
-              </a:defRPr>
-            </a:pPr>
-            <a:r>
-              <a:t>Text Text Text Text Text Text Text Text Text Text Text Text Text Text Text Text Text Text Text Text Text Text Text Text Text Text Text Text Text Text Text Text Text Text Text Text Text Text Text Text Text Text Text Text Text Text Text Text Text Text Text Text Text Text Text Text Text Text Text Text Text Text Text Text Text Text Text Text Text Text Text Text Text Text Text Text Text Text Text Text Text Text Text Text Text Text Text Text Text Text Text Text Text Text Text Text Text Text Text Text Text Text Text Text Text Text Text Text </a:t>
-            </a:r>
-          </a:p>
-        </p:txBody>
-      </p:sp>
       <p:sp>
         <p:nvSpPr>
           <p:cNvPr id="94" name="Очень крутой заголовок…"/>
@@ -4947,7 +4655,7 @@
           </a:ln>
           <a:extLst>
             <a:ext uri="{C572A759-6A51-4108-AA02-DFA0A04FC94B}">
-              <ma14:wrappingTextBoxFlag xmlns:ma14="http://schemas.microsoft.com/office/mac/drawingml/2011/main" xmlns:a14="http://schemas.microsoft.com/office/drawing/2010/main" xmlns:m="http://schemas.openxmlformats.org/officeDocument/2006/math" xmlns="" val="1"/>
+              <ma14:wrappingTextBoxFlag xmlns="" xmlns:m="http://schemas.openxmlformats.org/officeDocument/2006/math" xmlns:a14="http://schemas.microsoft.com/office/drawing/2010/main" xmlns:ma14="http://schemas.microsoft.com/office/mac/drawingml/2011/main" val="1"/>
             </a:ext>
           </a:extLst>
         </p:spPr>
@@ -4967,24 +4675,10 @@
               </a:defRPr>
             </a:pPr>
             <a:r>
-              <a:t>Очень крутой заголовок</a:t>
-            </a:r>
-          </a:p>
-          <a:p>
-            <a:pPr algn="l">
-              <a:defRPr sz="4200">
-                <a:solidFill>
-                  <a:srgbClr val="253957"/>
-                </a:solidFill>
-                <a:latin typeface="+mn-lt"/>
-                <a:ea typeface="+mn-ea"/>
-                <a:cs typeface="+mn-cs"/>
-                <a:sym typeface="Arial Narrow"/>
-              </a:defRPr>
-            </a:pPr>
-            <a:r>
-              <a:t>Очень крутой подзаголовок презентации </a:t>
-            </a:r>
+              <a:rPr lang="en-US" dirty="0" smtClean="0"/>
+              <a:t>conclusion</a:t>
+            </a:r>
+            <a:endParaRPr dirty="0"/>
           </a:p>
         </p:txBody>
       </p:sp>
@@ -4996,7 +4690,7 @@
         </p:nvSpPr>
         <p:spPr>
           <a:xfrm>
-            <a:off x="1177619" y="5820994"/>
+            <a:off x="1169235" y="4609468"/>
             <a:ext cx="21506374" cy="1324943"/>
           </a:xfrm>
           <a:prstGeom prst="rect">
@@ -5007,7 +4701,7 @@
           </a:ln>
           <a:extLst>
             <a:ext uri="{C572A759-6A51-4108-AA02-DFA0A04FC94B}">
-              <ma14:wrappingTextBoxFlag xmlns:ma14="http://schemas.microsoft.com/office/mac/drawingml/2011/main" xmlns:a14="http://schemas.microsoft.com/office/drawing/2010/main" xmlns:m="http://schemas.openxmlformats.org/officeDocument/2006/math" xmlns="" val="1"/>
+              <ma14:wrappingTextBoxFlag xmlns="" xmlns:m="http://schemas.openxmlformats.org/officeDocument/2006/math" xmlns:a14="http://schemas.microsoft.com/office/drawing/2010/main" xmlns:ma14="http://schemas.microsoft.com/office/mac/drawingml/2011/main" val="1"/>
             </a:ext>
           </a:extLst>
         </p:spPr>
@@ -5028,8 +4722,10 @@
           </a:lstStyle>
           <a:p>
             <a:r>
-              <a:t>Заголовок основного текста</a:t>
-            </a:r>
+              <a:rPr lang="en-US" dirty="0" smtClean="0"/>
+              <a:t>Keyboard_prefix_10 is the best layout which generate algorithm</a:t>
+            </a:r>
+            <a:endParaRPr dirty="0"/>
           </a:p>
         </p:txBody>
       </p:sp>
@@ -5073,8 +4769,8 @@
         </p:nvSpPr>
         <p:spPr>
           <a:xfrm>
-            <a:off x="11338744" y="956276"/>
-            <a:ext cx="11366416" cy="485776"/>
+            <a:off x="11338744" y="942364"/>
+            <a:ext cx="11366416" cy="513601"/>
           </a:xfrm>
           <a:prstGeom prst="rect">
             <a:avLst/>
@@ -5084,7 +4780,7 @@
           </a:ln>
           <a:extLst>
             <a:ext uri="{C572A759-6A51-4108-AA02-DFA0A04FC94B}">
-              <ma14:wrappingTextBoxFlag xmlns:ma14="http://schemas.microsoft.com/office/mac/drawingml/2011/main" xmlns:a14="http://schemas.microsoft.com/office/drawing/2010/main" xmlns:m="http://schemas.openxmlformats.org/officeDocument/2006/math" xmlns="" val="1"/>
+              <ma14:wrappingTextBoxFlag xmlns="" xmlns:m="http://schemas.openxmlformats.org/officeDocument/2006/math" xmlns:a14="http://schemas.microsoft.com/office/drawing/2010/main" xmlns:ma14="http://schemas.microsoft.com/office/mac/drawingml/2011/main" val="1"/>
             </a:ext>
           </a:extLst>
         </p:spPr>
@@ -5107,8 +4803,10 @@
           </a:lstStyle>
           <a:p>
             <a:r>
-              <a:t>Название подразделения, лаборатории, факультета и т.д.</a:t>
-            </a:r>
+              <a:rPr lang="ru-RU" dirty="0" smtClean="0"/>
+              <a:t>ФКН, Программная инженерия</a:t>
+            </a:r>
+            <a:endParaRPr dirty="0"/>
           </a:p>
         </p:txBody>
       </p:sp>
@@ -5141,16 +4839,379 @@
           </a:ln>
         </p:spPr>
       </p:pic>
+      <p:sp>
+        <p:nvSpPr>
+          <p:cNvPr id="2" name="TextBox 1"/>
+          <p:cNvSpPr txBox="1"/>
+          <p:nvPr/>
+        </p:nvSpPr>
+        <p:spPr>
+          <a:xfrm>
+            <a:off x="1826395" y="6497960"/>
+            <a:ext cx="7848872" cy="5684247"/>
+          </a:xfrm>
+          <a:prstGeom prst="rect">
+            <a:avLst/>
+          </a:prstGeom>
+          <a:noFill/>
+          <a:ln w="12700" cap="flat">
+            <a:noFill/>
+            <a:miter lim="400000"/>
+          </a:ln>
+          <a:effectLst/>
+          <a:sp3d/>
+        </p:spPr>
+        <p:style>
+          <a:lnRef idx="0">
+            <a:scrgbClr r="0" g="0" b="0"/>
+          </a:lnRef>
+          <a:fillRef idx="0">
+            <a:scrgbClr r="0" g="0" b="0"/>
+          </a:fillRef>
+          <a:effectRef idx="0">
+            <a:scrgbClr r="0" g="0" b="0"/>
+          </a:effectRef>
+          <a:fontRef idx="none"/>
+        </p:style>
+        <p:txBody>
+          <a:bodyPr rot="0" spcFirstLastPara="1" vertOverflow="overflow" horzOverflow="overflow" vert="horz" wrap="square" lIns="71437" tIns="71437" rIns="71437" bIns="71437" numCol="1" spcCol="38100" rtlCol="0" anchor="ctr">
+            <a:spAutoFit/>
+          </a:bodyPr>
+          <a:lstStyle/>
+          <a:p>
+            <a:pPr algn="l"/>
+            <a:r>
+              <a:rPr lang="ru-RU" sz="3600" dirty="0" smtClean="0">
+                <a:latin typeface="Consolas" panose="020B0609020204030204" pitchFamily="49" charset="0"/>
+              </a:rPr>
+              <a:t>{</a:t>
+            </a:r>
+            <a:endParaRPr lang="en-US" sz="3600" dirty="0" smtClean="0">
+              <a:latin typeface="Consolas" panose="020B0609020204030204" pitchFamily="49" charset="0"/>
+            </a:endParaRPr>
+          </a:p>
+          <a:p>
+            <a:pPr algn="l"/>
+            <a:r>
+              <a:rPr lang="en-US" sz="3600" dirty="0" smtClean="0">
+                <a:latin typeface="Consolas" panose="020B0609020204030204" pitchFamily="49" charset="0"/>
+              </a:rPr>
+              <a:t>	</a:t>
+            </a:r>
+            <a:r>
+              <a:rPr lang="ru-RU" sz="3600" dirty="0" smtClean="0">
+                <a:latin typeface="Consolas" panose="020B0609020204030204" pitchFamily="49" charset="0"/>
+              </a:rPr>
+              <a:t>"</a:t>
+            </a:r>
+            <a:r>
+              <a:rPr lang="ru-RU" sz="3600" dirty="0">
+                <a:latin typeface="Consolas" panose="020B0609020204030204" pitchFamily="49" charset="0"/>
+              </a:rPr>
+              <a:t>s": ["о", "л", </a:t>
+            </a:r>
+            <a:r>
+              <a:rPr lang="ru-RU" sz="3600" dirty="0" smtClean="0">
+                <a:latin typeface="Consolas" panose="020B0609020204030204" pitchFamily="49" charset="0"/>
+              </a:rPr>
+              <a:t>"ы", "ш"], </a:t>
+            </a:r>
+            <a:endParaRPr lang="en-US" sz="3600" dirty="0" smtClean="0">
+              <a:latin typeface="Consolas" panose="020B0609020204030204" pitchFamily="49" charset="0"/>
+            </a:endParaRPr>
+          </a:p>
+          <a:p>
+            <a:pPr algn="l"/>
+            <a:r>
+              <a:rPr lang="en-US" sz="3600" dirty="0">
+                <a:latin typeface="Consolas" panose="020B0609020204030204" pitchFamily="49" charset="0"/>
+              </a:rPr>
+              <a:t>	</a:t>
+            </a:r>
+            <a:r>
+              <a:rPr lang="ru-RU" sz="3600" dirty="0" smtClean="0">
+                <a:latin typeface="Consolas" panose="020B0609020204030204" pitchFamily="49" charset="0"/>
+              </a:rPr>
+              <a:t>"</a:t>
+            </a:r>
+            <a:r>
+              <a:rPr lang="ru-RU" sz="3600" dirty="0">
+                <a:latin typeface="Consolas" panose="020B0609020204030204" pitchFamily="49" charset="0"/>
+              </a:rPr>
+              <a:t>d": ["а", "в", </a:t>
+            </a:r>
+            <a:r>
+              <a:rPr lang="ru-RU" sz="3600" dirty="0" smtClean="0">
+                <a:latin typeface="Consolas" panose="020B0609020204030204" pitchFamily="49" charset="0"/>
+              </a:rPr>
+              <a:t>"г", "ю"], </a:t>
+            </a:r>
+            <a:endParaRPr lang="en-US" sz="3600" dirty="0" smtClean="0">
+              <a:latin typeface="Consolas" panose="020B0609020204030204" pitchFamily="49" charset="0"/>
+            </a:endParaRPr>
+          </a:p>
+          <a:p>
+            <a:pPr algn="l"/>
+            <a:r>
+              <a:rPr lang="en-US" sz="3600" dirty="0">
+                <a:latin typeface="Consolas" panose="020B0609020204030204" pitchFamily="49" charset="0"/>
+              </a:rPr>
+              <a:t>	</a:t>
+            </a:r>
+            <a:r>
+              <a:rPr lang="ru-RU" sz="3600" dirty="0" smtClean="0">
+                <a:latin typeface="Consolas" panose="020B0609020204030204" pitchFamily="49" charset="0"/>
+              </a:rPr>
+              <a:t>"</a:t>
+            </a:r>
+            <a:r>
+              <a:rPr lang="ru-RU" sz="3600" dirty="0">
+                <a:latin typeface="Consolas" panose="020B0609020204030204" pitchFamily="49" charset="0"/>
+              </a:rPr>
+              <a:t>f": ["е", "к", </a:t>
+            </a:r>
+            <a:r>
+              <a:rPr lang="ru-RU" sz="3600" dirty="0" smtClean="0">
+                <a:latin typeface="Consolas" panose="020B0609020204030204" pitchFamily="49" charset="0"/>
+              </a:rPr>
+              <a:t>"б", </a:t>
+            </a:r>
+            <a:r>
+              <a:rPr lang="ru-RU" sz="3600" dirty="0">
+                <a:latin typeface="Consolas" panose="020B0609020204030204" pitchFamily="49" charset="0"/>
+              </a:rPr>
+              <a:t>"ж"], </a:t>
+            </a:r>
+            <a:endParaRPr lang="en-US" sz="3600" dirty="0" smtClean="0">
+              <a:latin typeface="Consolas" panose="020B0609020204030204" pitchFamily="49" charset="0"/>
+            </a:endParaRPr>
+          </a:p>
+          <a:p>
+            <a:pPr algn="l"/>
+            <a:r>
+              <a:rPr lang="en-US" sz="3600" dirty="0">
+                <a:latin typeface="Consolas" panose="020B0609020204030204" pitchFamily="49" charset="0"/>
+              </a:rPr>
+              <a:t>	</a:t>
+            </a:r>
+            <a:r>
+              <a:rPr lang="ru-RU" sz="3600" dirty="0" smtClean="0">
+                <a:latin typeface="Consolas" panose="020B0609020204030204" pitchFamily="49" charset="0"/>
+              </a:rPr>
+              <a:t>"</a:t>
+            </a:r>
+            <a:r>
+              <a:rPr lang="ru-RU" sz="3600" dirty="0">
+                <a:latin typeface="Consolas" panose="020B0609020204030204" pitchFamily="49" charset="0"/>
+              </a:rPr>
+              <a:t>g": ["и", </a:t>
+            </a:r>
+            <a:r>
+              <a:rPr lang="ru-RU" sz="3600" dirty="0" smtClean="0">
+                <a:latin typeface="Consolas" panose="020B0609020204030204" pitchFamily="49" charset="0"/>
+              </a:rPr>
+              <a:t>"п", "я", </a:t>
+            </a:r>
+            <a:r>
+              <a:rPr lang="ru-RU" sz="3600" dirty="0">
+                <a:latin typeface="Consolas" panose="020B0609020204030204" pitchFamily="49" charset="0"/>
+              </a:rPr>
+              <a:t>"ц"], </a:t>
+            </a:r>
+            <a:endParaRPr lang="en-US" sz="3600" dirty="0" smtClean="0">
+              <a:latin typeface="Consolas" panose="020B0609020204030204" pitchFamily="49" charset="0"/>
+            </a:endParaRPr>
+          </a:p>
+          <a:p>
+            <a:pPr algn="l"/>
+            <a:r>
+              <a:rPr lang="en-US" sz="3600" dirty="0">
+                <a:latin typeface="Consolas" panose="020B0609020204030204" pitchFamily="49" charset="0"/>
+              </a:rPr>
+              <a:t>	</a:t>
+            </a:r>
+            <a:r>
+              <a:rPr lang="ru-RU" sz="3600" dirty="0" smtClean="0">
+                <a:latin typeface="Consolas" panose="020B0609020204030204" pitchFamily="49" charset="0"/>
+              </a:rPr>
+              <a:t>"</a:t>
+            </a:r>
+            <a:r>
+              <a:rPr lang="ru-RU" sz="3600" dirty="0">
+                <a:latin typeface="Consolas" panose="020B0609020204030204" pitchFamily="49" charset="0"/>
+              </a:rPr>
+              <a:t>h": ["н", </a:t>
+            </a:r>
+            <a:r>
+              <a:rPr lang="ru-RU" sz="3600" dirty="0" smtClean="0">
+                <a:latin typeface="Consolas" panose="020B0609020204030204" pitchFamily="49" charset="0"/>
+              </a:rPr>
+              <a:t>"м", "ч", "ф"], </a:t>
+            </a:r>
+            <a:endParaRPr lang="en-US" sz="3600" dirty="0" smtClean="0">
+              <a:latin typeface="Consolas" panose="020B0609020204030204" pitchFamily="49" charset="0"/>
+            </a:endParaRPr>
+          </a:p>
+          <a:p>
+            <a:pPr algn="l"/>
+            <a:r>
+              <a:rPr lang="en-US" sz="3600" dirty="0">
+                <a:latin typeface="Consolas" panose="020B0609020204030204" pitchFamily="49" charset="0"/>
+              </a:rPr>
+              <a:t>	</a:t>
+            </a:r>
+            <a:r>
+              <a:rPr lang="ru-RU" sz="3600" dirty="0" smtClean="0">
+                <a:latin typeface="Consolas" panose="020B0609020204030204" pitchFamily="49" charset="0"/>
+              </a:rPr>
+              <a:t>"</a:t>
+            </a:r>
+            <a:r>
+              <a:rPr lang="ru-RU" sz="3600" dirty="0">
+                <a:latin typeface="Consolas" panose="020B0609020204030204" pitchFamily="49" charset="0"/>
+              </a:rPr>
+              <a:t>j": ["р", "у", </a:t>
+            </a:r>
+            <a:r>
+              <a:rPr lang="ru-RU" sz="3600" dirty="0" smtClean="0">
+                <a:latin typeface="Consolas" panose="020B0609020204030204" pitchFamily="49" charset="0"/>
+              </a:rPr>
+              <a:t>"ь", "щ"], </a:t>
+            </a:r>
+            <a:endParaRPr lang="en-US" sz="3600" dirty="0" smtClean="0">
+              <a:latin typeface="Consolas" panose="020B0609020204030204" pitchFamily="49" charset="0"/>
+            </a:endParaRPr>
+          </a:p>
+          <a:p>
+            <a:pPr algn="l"/>
+            <a:r>
+              <a:rPr lang="en-US" sz="3600" dirty="0">
+                <a:latin typeface="Consolas" panose="020B0609020204030204" pitchFamily="49" charset="0"/>
+              </a:rPr>
+              <a:t>	</a:t>
+            </a:r>
+            <a:r>
+              <a:rPr lang="ru-RU" sz="3600" dirty="0" smtClean="0">
+                <a:latin typeface="Consolas" panose="020B0609020204030204" pitchFamily="49" charset="0"/>
+              </a:rPr>
+              <a:t>"</a:t>
+            </a:r>
+            <a:r>
+              <a:rPr lang="ru-RU" sz="3600" dirty="0">
+                <a:latin typeface="Consolas" panose="020B0609020204030204" pitchFamily="49" charset="0"/>
+              </a:rPr>
+              <a:t>k": ["т", "д", "й", "э"], </a:t>
+            </a:r>
+            <a:endParaRPr lang="en-US" sz="3600" dirty="0" smtClean="0">
+              <a:latin typeface="Consolas" panose="020B0609020204030204" pitchFamily="49" charset="0"/>
+            </a:endParaRPr>
+          </a:p>
+          <a:p>
+            <a:pPr algn="l"/>
+            <a:r>
+              <a:rPr lang="en-US" sz="3600" dirty="0">
+                <a:latin typeface="Consolas" panose="020B0609020204030204" pitchFamily="49" charset="0"/>
+              </a:rPr>
+              <a:t>	</a:t>
+            </a:r>
+            <a:r>
+              <a:rPr lang="ru-RU" sz="3600" dirty="0" smtClean="0">
+                <a:latin typeface="Consolas" panose="020B0609020204030204" pitchFamily="49" charset="0"/>
+              </a:rPr>
+              <a:t>"</a:t>
+            </a:r>
+            <a:r>
+              <a:rPr lang="ru-RU" sz="3600" dirty="0">
+                <a:latin typeface="Consolas" panose="020B0609020204030204" pitchFamily="49" charset="0"/>
+              </a:rPr>
+              <a:t>l": ["с", </a:t>
+            </a:r>
+            <a:r>
+              <a:rPr lang="ru-RU" sz="3600" dirty="0" smtClean="0">
+                <a:latin typeface="Consolas" panose="020B0609020204030204" pitchFamily="49" charset="0"/>
+              </a:rPr>
+              <a:t>"з", </a:t>
+            </a:r>
+            <a:r>
+              <a:rPr lang="ru-RU" sz="3600" dirty="0">
+                <a:latin typeface="Consolas" panose="020B0609020204030204" pitchFamily="49" charset="0"/>
+              </a:rPr>
+              <a:t>"х", "ъ</a:t>
+            </a:r>
+            <a:r>
+              <a:rPr lang="ru-RU" sz="3600" dirty="0" smtClean="0">
+                <a:latin typeface="Consolas" panose="020B0609020204030204" pitchFamily="49" charset="0"/>
+              </a:rPr>
+              <a:t>"]</a:t>
+            </a:r>
+            <a:endParaRPr lang="en-US" sz="3600" dirty="0" smtClean="0">
+              <a:latin typeface="Consolas" panose="020B0609020204030204" pitchFamily="49" charset="0"/>
+            </a:endParaRPr>
+          </a:p>
+          <a:p>
+            <a:pPr algn="l"/>
+            <a:r>
+              <a:rPr lang="ru-RU" sz="3600" dirty="0" smtClean="0">
+                <a:latin typeface="Consolas" panose="020B0609020204030204" pitchFamily="49" charset="0"/>
+              </a:rPr>
+              <a:t>}</a:t>
+            </a:r>
+            <a:endParaRPr kumimoji="0" lang="ru-RU" sz="3600" b="0" i="0" u="none" strike="noStrike" cap="none" spc="0" normalizeH="0" baseline="0" dirty="0">
+              <a:ln>
+                <a:noFill/>
+              </a:ln>
+              <a:solidFill>
+                <a:srgbClr val="000000"/>
+              </a:solidFill>
+              <a:effectLst/>
+              <a:uFillTx/>
+              <a:latin typeface="Consolas" panose="020B0609020204030204" pitchFamily="49" charset="0"/>
+              <a:sym typeface="Helvetica Light"/>
+            </a:endParaRPr>
+          </a:p>
+        </p:txBody>
+      </p:sp>
+      <p:pic>
+        <p:nvPicPr>
+          <p:cNvPr id="3" name="Рисунок 2"/>
+          <p:cNvPicPr>
+            <a:picLocks noChangeAspect="1"/>
+          </p:cNvPicPr>
+          <p:nvPr/>
+        </p:nvPicPr>
+        <p:blipFill>
+          <a:blip r:embed="rId3"/>
+          <a:stretch>
+            <a:fillRect/>
+          </a:stretch>
+        </p:blipFill>
+        <p:spPr>
+          <a:xfrm>
+            <a:off x="10976813" y="7571093"/>
+            <a:ext cx="11729041" cy="1296144"/>
+          </a:xfrm>
+          <a:prstGeom prst="rect">
+            <a:avLst/>
+          </a:prstGeom>
+        </p:spPr>
+      </p:pic>
     </p:spTree>
   </p:cSld>
   <p:clrMapOvr>
     <a:masterClrMapping/>
   </p:clrMapOvr>
   <p:transition spd="med"/>
+  <p:timing>
+    <p:tnLst>
+      <p:par>
+        <p:cTn id="1" dur="indefinite" restart="never" nodeType="tmRoot"/>
+      </p:par>
+    </p:tnLst>
+  </p:timing>
 </p:sld>
 </file>
 
-<file path=ppt/slides/slide8.xml><?xml version="1.0" encoding="utf-8"?>
+<file path=ppt/slides/slide7.xml><?xml version="1.0" encoding="utf-8"?>
 <p:sld xmlns:a="http://schemas.openxmlformats.org/drawingml/2006/main" xmlns:r="http://schemas.openxmlformats.org/officeDocument/2006/relationships" xmlns:p="http://schemas.openxmlformats.org/presentationml/2006/main">
   <p:cSld>
     <p:spTree>
@@ -5167,147 +5228,6 @@
           <a:chExt cx="0" cy="0"/>
         </a:xfrm>
       </p:grpSpPr>
-      <p:sp>
-        <p:nvSpPr>
-          <p:cNvPr id="100" name="Адрес: ТехтТехтТехтТехтТехтТехтТехтТехтТехтТехтТехтТехтТехт"/>
-          <p:cNvSpPr txBox="1"/>
-          <p:nvPr/>
-        </p:nvSpPr>
-        <p:spPr>
-          <a:xfrm>
-            <a:off x="11368363" y="11508581"/>
-            <a:ext cx="8579502" cy="485776"/>
-          </a:xfrm>
-          <a:prstGeom prst="rect">
-            <a:avLst/>
-          </a:prstGeom>
-          <a:ln w="12700">
-            <a:miter lim="400000"/>
-          </a:ln>
-          <a:extLst>
-            <a:ext uri="{C572A759-6A51-4108-AA02-DFA0A04FC94B}">
-              <ma14:wrappingTextBoxFlag xmlns:ma14="http://schemas.microsoft.com/office/mac/drawingml/2011/main" xmlns:a14="http://schemas.microsoft.com/office/drawing/2010/main" xmlns:m="http://schemas.openxmlformats.org/officeDocument/2006/math" xmlns="" val="1"/>
-            </a:ext>
-          </a:extLst>
-        </p:spPr>
-        <p:txBody>
-          <a:bodyPr lIns="71437" tIns="71437" rIns="71437" bIns="71437" anchor="ctr">
-            <a:spAutoFit/>
-          </a:bodyPr>
-          <a:lstStyle>
-            <a:lvl1pPr algn="r" defTabSz="642937">
-              <a:defRPr sz="2400">
-                <a:solidFill>
-                  <a:srgbClr val="FFFFFF"/>
-                </a:solidFill>
-                <a:latin typeface="+mn-lt"/>
-                <a:ea typeface="+mn-ea"/>
-                <a:cs typeface="+mn-cs"/>
-                <a:sym typeface="Arial Narrow"/>
-              </a:defRPr>
-            </a:lvl1pPr>
-          </a:lstStyle>
-          <a:p>
-            <a:r>
-              <a:t>Адрес: ТехтТехтТехтТехтТехтТехтТехтТехтТехтТехтТехтТехтТехт</a:t>
-            </a:r>
-          </a:p>
-        </p:txBody>
-      </p:sp>
-      <p:sp>
-        <p:nvSpPr>
-          <p:cNvPr id="101" name="www.text"/>
-          <p:cNvSpPr txBox="1"/>
-          <p:nvPr/>
-        </p:nvSpPr>
-        <p:spPr>
-          <a:xfrm>
-            <a:off x="4436135" y="11508581"/>
-            <a:ext cx="1407573" cy="485776"/>
-          </a:xfrm>
-          <a:prstGeom prst="rect">
-            <a:avLst/>
-          </a:prstGeom>
-          <a:ln w="12700">
-            <a:miter lim="400000"/>
-          </a:ln>
-          <a:extLst>
-            <a:ext uri="{C572A759-6A51-4108-AA02-DFA0A04FC94B}">
-              <ma14:wrappingTextBoxFlag xmlns:ma14="http://schemas.microsoft.com/office/mac/drawingml/2011/main" xmlns:a14="http://schemas.microsoft.com/office/drawing/2010/main" xmlns:m="http://schemas.openxmlformats.org/officeDocument/2006/math" xmlns="" val="1"/>
-            </a:ext>
-          </a:extLst>
-        </p:spPr>
-        <p:txBody>
-          <a:bodyPr lIns="71437" tIns="71437" rIns="71437" bIns="71437" anchor="ctr">
-            <a:spAutoFit/>
-          </a:bodyPr>
-          <a:lstStyle>
-            <a:lvl1pPr algn="l" defTabSz="642937">
-              <a:defRPr sz="2400">
-                <a:solidFill>
-                  <a:srgbClr val="FFFFFF"/>
-                </a:solidFill>
-                <a:latin typeface="+mn-lt"/>
-                <a:ea typeface="+mn-ea"/>
-                <a:cs typeface="+mn-cs"/>
-                <a:sym typeface="Arial Narrow"/>
-              </a:defRPr>
-            </a:lvl1pPr>
-          </a:lstStyle>
-          <a:p>
-            <a:r>
-              <a:t>www.text</a:t>
-            </a:r>
-          </a:p>
-        </p:txBody>
-      </p:sp>
-      <p:sp>
-        <p:nvSpPr>
-          <p:cNvPr id="102" name="Телефон.: +Х (ХХХ) ХХХ ХХХХ"/>
-          <p:cNvSpPr txBox="1"/>
-          <p:nvPr/>
-        </p:nvSpPr>
-        <p:spPr>
-          <a:xfrm>
-            <a:off x="6620083" y="11508581"/>
-            <a:ext cx="4328255" cy="485776"/>
-          </a:xfrm>
-          <a:prstGeom prst="rect">
-            <a:avLst/>
-          </a:prstGeom>
-          <a:ln w="12700">
-            <a:miter lim="400000"/>
-          </a:ln>
-          <a:extLst>
-            <a:ext uri="{C572A759-6A51-4108-AA02-DFA0A04FC94B}">
-              <ma14:wrappingTextBoxFlag xmlns:ma14="http://schemas.microsoft.com/office/mac/drawingml/2011/main" xmlns:a14="http://schemas.microsoft.com/office/drawing/2010/main" xmlns:m="http://schemas.openxmlformats.org/officeDocument/2006/math" xmlns="" val="1"/>
-            </a:ext>
-          </a:extLst>
-        </p:spPr>
-        <p:txBody>
-          <a:bodyPr lIns="71437" tIns="71437" rIns="71437" bIns="71437" anchor="ctr">
-            <a:spAutoFit/>
-          </a:bodyPr>
-          <a:lstStyle>
-            <a:lvl1pPr algn="l" defTabSz="642937">
-              <a:defRPr sz="2400">
-                <a:solidFill>
-                  <a:srgbClr val="FFFFFF"/>
-                </a:solidFill>
-                <a:latin typeface="+mn-lt"/>
-                <a:ea typeface="+mn-ea"/>
-                <a:cs typeface="+mn-cs"/>
-                <a:sym typeface="Arial Narrow"/>
-              </a:defRPr>
-            </a:lvl1pPr>
-          </a:lstStyle>
-          <a:p>
-            <a:r>
-              <a:t>Телефон.: +Х (ХХХ) ХХХ ХХХХ </a:t>
-            </a:r>
-          </a:p>
-        </p:txBody>
-      </p:sp>
       <p:pic>
         <p:nvPicPr>
           <p:cNvPr id="103" name="Изображение" descr="Изображение"/>
@@ -5343,6 +5263,13 @@
     <a:masterClrMapping/>
   </p:clrMapOvr>
   <p:transition spd="med"/>
+  <p:timing>
+    <p:tnLst>
+      <p:par>
+        <p:cTn id="1" dur="indefinite" restart="never" nodeType="tmRoot"/>
+      </p:par>
+    </p:tnLst>
+  </p:timing>
 </p:sld>
 </file>
 

--- a/assignment#1/presentation/Predictive_keyboard_team6.pptx
+++ b/assignment#1/presentation/Predictive_keyboard_team6.pptx
@@ -2089,7 +2089,7 @@
           </a:ln>
           <a:extLst>
             <a:ext uri="{C572A759-6A51-4108-AA02-DFA0A04FC94B}">
-              <ma14:wrappingTextBoxFlag xmlns="" xmlns:m="http://schemas.openxmlformats.org/officeDocument/2006/math" xmlns:a14="http://schemas.microsoft.com/office/drawing/2010/main" xmlns:ma14="http://schemas.microsoft.com/office/mac/drawingml/2011/main" val="1"/>
+              <ma14:wrappingTextBoxFlag xmlns:ma14="http://schemas.microsoft.com/office/mac/drawingml/2011/main" xmlns:a14="http://schemas.microsoft.com/office/drawing/2010/main" xmlns:m="http://schemas.openxmlformats.org/officeDocument/2006/math" xmlns="" val="1"/>
             </a:ext>
           </a:extLst>
         </p:spPr>
@@ -2128,7 +2128,7 @@
           </a:ln>
           <a:extLst>
             <a:ext uri="{C572A759-6A51-4108-AA02-DFA0A04FC94B}">
-              <ma14:wrappingTextBoxFlag xmlns="" xmlns:m="http://schemas.openxmlformats.org/officeDocument/2006/math" xmlns:a14="http://schemas.microsoft.com/office/drawing/2010/main" xmlns:ma14="http://schemas.microsoft.com/office/mac/drawingml/2011/main" val="1"/>
+              <ma14:wrappingTextBoxFlag xmlns:ma14="http://schemas.microsoft.com/office/mac/drawingml/2011/main" xmlns:a14="http://schemas.microsoft.com/office/drawing/2010/main" xmlns:m="http://schemas.openxmlformats.org/officeDocument/2006/math" xmlns="" val="1"/>
             </a:ext>
           </a:extLst>
         </p:spPr>
@@ -3087,7 +3087,7 @@
           </a:ln>
           <a:extLst>
             <a:ext uri="{C572A759-6A51-4108-AA02-DFA0A04FC94B}">
-              <ma14:wrappingTextBoxFlag xmlns="" xmlns:m="http://schemas.openxmlformats.org/officeDocument/2006/math" xmlns:a14="http://schemas.microsoft.com/office/drawing/2010/main" xmlns:ma14="http://schemas.microsoft.com/office/mac/drawingml/2011/main" val="1"/>
+              <ma14:wrappingTextBoxFlag xmlns:ma14="http://schemas.microsoft.com/office/mac/drawingml/2011/main" xmlns:a14="http://schemas.microsoft.com/office/drawing/2010/main" xmlns:m="http://schemas.openxmlformats.org/officeDocument/2006/math" xmlns="" val="1"/>
             </a:ext>
           </a:extLst>
         </p:spPr>
@@ -3133,7 +3133,7 @@
           </a:ln>
           <a:extLst>
             <a:ext uri="{C572A759-6A51-4108-AA02-DFA0A04FC94B}">
-              <ma14:wrappingTextBoxFlag xmlns="" xmlns:m="http://schemas.openxmlformats.org/officeDocument/2006/math" xmlns:a14="http://schemas.microsoft.com/office/drawing/2010/main" xmlns:ma14="http://schemas.microsoft.com/office/mac/drawingml/2011/main" val="1"/>
+              <ma14:wrappingTextBoxFlag xmlns:ma14="http://schemas.microsoft.com/office/mac/drawingml/2011/main" xmlns:a14="http://schemas.microsoft.com/office/drawing/2010/main" xmlns:m="http://schemas.openxmlformats.org/officeDocument/2006/math" xmlns="" val="1"/>
             </a:ext>
           </a:extLst>
         </p:spPr>
@@ -3212,7 +3212,7 @@
           </a:ln>
           <a:extLst>
             <a:ext uri="{C572A759-6A51-4108-AA02-DFA0A04FC94B}">
-              <ma14:wrappingTextBoxFlag xmlns="" xmlns:m="http://schemas.openxmlformats.org/officeDocument/2006/math" xmlns:a14="http://schemas.microsoft.com/office/drawing/2010/main" xmlns:ma14="http://schemas.microsoft.com/office/mac/drawingml/2011/main" val="1"/>
+              <ma14:wrappingTextBoxFlag xmlns:ma14="http://schemas.microsoft.com/office/mac/drawingml/2011/main" xmlns:a14="http://schemas.microsoft.com/office/drawing/2010/main" xmlns:m="http://schemas.openxmlformats.org/officeDocument/2006/math" xmlns="" val="1"/>
             </a:ext>
           </a:extLst>
         </p:spPr>
@@ -3279,7 +3279,7 @@
           </a:ln>
           <a:extLst>
             <a:ext uri="{C572A759-6A51-4108-AA02-DFA0A04FC94B}">
-              <ma14:wrappingTextBoxFlag xmlns="" xmlns:m="http://schemas.openxmlformats.org/officeDocument/2006/math" xmlns:a14="http://schemas.microsoft.com/office/drawing/2010/main" xmlns:ma14="http://schemas.microsoft.com/office/mac/drawingml/2011/main" val="1"/>
+              <ma14:wrappingTextBoxFlag xmlns:ma14="http://schemas.microsoft.com/office/mac/drawingml/2011/main" xmlns:a14="http://schemas.microsoft.com/office/drawing/2010/main" xmlns:m="http://schemas.openxmlformats.org/officeDocument/2006/math" xmlns="" val="1"/>
             </a:ext>
           </a:extLst>
         </p:spPr>
@@ -3402,7 +3402,7 @@
           </a:ln>
           <a:extLst>
             <a:ext uri="{C572A759-6A51-4108-AA02-DFA0A04FC94B}">
-              <ma14:wrappingTextBoxFlag xmlns="" xmlns:m="http://schemas.openxmlformats.org/officeDocument/2006/math" xmlns:a14="http://schemas.microsoft.com/office/drawing/2010/main" xmlns:ma14="http://schemas.microsoft.com/office/mac/drawingml/2011/main" val="1"/>
+              <ma14:wrappingTextBoxFlag xmlns:ma14="http://schemas.microsoft.com/office/mac/drawingml/2011/main" xmlns:a14="http://schemas.microsoft.com/office/drawing/2010/main" xmlns:m="http://schemas.openxmlformats.org/officeDocument/2006/math" xmlns="" val="1"/>
             </a:ext>
           </a:extLst>
         </p:spPr>
@@ -3519,7 +3519,7 @@
           </a:ln>
           <a:extLst>
             <a:ext uri="{C572A759-6A51-4108-AA02-DFA0A04FC94B}">
-              <ma14:wrappingTextBoxFlag xmlns="" xmlns:m="http://schemas.openxmlformats.org/officeDocument/2006/math" xmlns:a14="http://schemas.microsoft.com/office/drawing/2010/main" xmlns:ma14="http://schemas.microsoft.com/office/mac/drawingml/2011/main" val="1"/>
+              <ma14:wrappingTextBoxFlag xmlns:ma14="http://schemas.microsoft.com/office/mac/drawingml/2011/main" xmlns:a14="http://schemas.microsoft.com/office/drawing/2010/main" xmlns:m="http://schemas.openxmlformats.org/officeDocument/2006/math" xmlns="" val="1"/>
             </a:ext>
           </a:extLst>
         </p:spPr>
@@ -3627,7 +3627,7 @@
           </a:ln>
           <a:extLst>
             <a:ext uri="{C572A759-6A51-4108-AA02-DFA0A04FC94B}">
-              <ma14:wrappingTextBoxFlag xmlns="" xmlns:m="http://schemas.openxmlformats.org/officeDocument/2006/math" xmlns:a14="http://schemas.microsoft.com/office/drawing/2010/main" xmlns:ma14="http://schemas.microsoft.com/office/mac/drawingml/2011/main" val="1"/>
+              <ma14:wrappingTextBoxFlag xmlns:ma14="http://schemas.microsoft.com/office/mac/drawingml/2011/main" xmlns:a14="http://schemas.microsoft.com/office/drawing/2010/main" xmlns:m="http://schemas.openxmlformats.org/officeDocument/2006/math" xmlns="" val="1"/>
             </a:ext>
           </a:extLst>
         </p:spPr>
@@ -3762,7 +3762,7 @@
           </a:ln>
           <a:extLst>
             <a:ext uri="{C572A759-6A51-4108-AA02-DFA0A04FC94B}">
-              <ma14:wrappingTextBoxFlag xmlns="" xmlns:m="http://schemas.openxmlformats.org/officeDocument/2006/math" xmlns:a14="http://schemas.microsoft.com/office/drawing/2010/main" xmlns:ma14="http://schemas.microsoft.com/office/mac/drawingml/2011/main" val="1"/>
+              <ma14:wrappingTextBoxFlag xmlns:ma14="http://schemas.microsoft.com/office/mac/drawingml/2011/main" xmlns:a14="http://schemas.microsoft.com/office/drawing/2010/main" xmlns:m="http://schemas.openxmlformats.org/officeDocument/2006/math" xmlns="" val="1"/>
             </a:ext>
           </a:extLst>
         </p:spPr>
@@ -3866,7 +3866,7 @@
           </a:ln>
           <a:extLst>
             <a:ext uri="{C572A759-6A51-4108-AA02-DFA0A04FC94B}">
-              <ma14:wrappingTextBoxFlag xmlns="" xmlns:m="http://schemas.openxmlformats.org/officeDocument/2006/math" xmlns:a14="http://schemas.microsoft.com/office/drawing/2010/main" xmlns:ma14="http://schemas.microsoft.com/office/mac/drawingml/2011/main" val="1"/>
+              <ma14:wrappingTextBoxFlag xmlns:ma14="http://schemas.microsoft.com/office/mac/drawingml/2011/main" xmlns:a14="http://schemas.microsoft.com/office/drawing/2010/main" xmlns:m="http://schemas.openxmlformats.org/officeDocument/2006/math" xmlns="" val="1"/>
             </a:ext>
           </a:extLst>
         </p:spPr>
@@ -3944,7 +3944,7 @@
           </a:ln>
           <a:extLst>
             <a:ext uri="{C572A759-6A51-4108-AA02-DFA0A04FC94B}">
-              <ma14:wrappingTextBoxFlag xmlns="" xmlns:m="http://schemas.openxmlformats.org/officeDocument/2006/math" xmlns:a14="http://schemas.microsoft.com/office/drawing/2010/main" xmlns:ma14="http://schemas.microsoft.com/office/mac/drawingml/2011/main" val="1"/>
+              <ma14:wrappingTextBoxFlag xmlns:ma14="http://schemas.microsoft.com/office/mac/drawingml/2011/main" xmlns:a14="http://schemas.microsoft.com/office/drawing/2010/main" xmlns:m="http://schemas.openxmlformats.org/officeDocument/2006/math" xmlns="" val="1"/>
             </a:ext>
           </a:extLst>
         </p:spPr>
@@ -3982,13 +3982,7 @@
               <a:rPr lang="en-US" sz="3200" dirty="0">
                 <a:sym typeface="Arial Narrow"/>
               </a:rPr>
-              <a:t>the </a:t>
-            </a:r>
-            <a:r>
-              <a:rPr lang="en-US" sz="3200" dirty="0">
-                <a:sym typeface="Arial Narrow"/>
-              </a:rPr>
-              <a:t>numerical indicator of the learning rate (based on calculating the similarity of the proposed keyboard with the default)</a:t>
+              <a:t>the numerical indicator of the learning rate (based on calculating the similarity of the proposed keyboard with the default)</a:t>
             </a:r>
           </a:p>
         </p:txBody>
@@ -4036,7 +4030,7 @@
           </a:ln>
           <a:extLst>
             <a:ext uri="{C572A759-6A51-4108-AA02-DFA0A04FC94B}">
-              <ma14:wrappingTextBoxFlag xmlns="" xmlns:m="http://schemas.openxmlformats.org/officeDocument/2006/math" xmlns:a14="http://schemas.microsoft.com/office/drawing/2010/main" xmlns:ma14="http://schemas.microsoft.com/office/mac/drawingml/2011/main" val="1"/>
+              <ma14:wrappingTextBoxFlag xmlns:ma14="http://schemas.microsoft.com/office/mac/drawingml/2011/main" xmlns:a14="http://schemas.microsoft.com/office/drawing/2010/main" xmlns:m="http://schemas.openxmlformats.org/officeDocument/2006/math" xmlns="" val="1"/>
             </a:ext>
           </a:extLst>
         </p:spPr>
@@ -4229,7 +4223,7 @@
           </a:ln>
           <a:extLst>
             <a:ext uri="{C572A759-6A51-4108-AA02-DFA0A04FC94B}">
-              <ma14:wrappingTextBoxFlag xmlns="" xmlns:m="http://schemas.openxmlformats.org/officeDocument/2006/math" xmlns:a14="http://schemas.microsoft.com/office/drawing/2010/main" xmlns:ma14="http://schemas.microsoft.com/office/mac/drawingml/2011/main" val="1"/>
+              <ma14:wrappingTextBoxFlag xmlns:ma14="http://schemas.microsoft.com/office/mac/drawingml/2011/main" xmlns:a14="http://schemas.microsoft.com/office/drawing/2010/main" xmlns:m="http://schemas.openxmlformats.org/officeDocument/2006/math" xmlns="" val="1"/>
             </a:ext>
           </a:extLst>
         </p:spPr>
@@ -4307,7 +4301,7 @@
           </a:ln>
           <a:extLst>
             <a:ext uri="{C572A759-6A51-4108-AA02-DFA0A04FC94B}">
-              <ma14:wrappingTextBoxFlag xmlns="" xmlns:m="http://schemas.openxmlformats.org/officeDocument/2006/math" xmlns:a14="http://schemas.microsoft.com/office/drawing/2010/main" xmlns:ma14="http://schemas.microsoft.com/office/mac/drawingml/2011/main" val="1"/>
+              <ma14:wrappingTextBoxFlag xmlns:ma14="http://schemas.microsoft.com/office/mac/drawingml/2011/main" xmlns:a14="http://schemas.microsoft.com/office/drawing/2010/main" xmlns:m="http://schemas.openxmlformats.org/officeDocument/2006/math" xmlns="" val="1"/>
             </a:ext>
           </a:extLst>
         </p:spPr>
@@ -4418,7 +4412,7 @@
           </a:ln>
           <a:extLst>
             <a:ext uri="{C572A759-6A51-4108-AA02-DFA0A04FC94B}">
-              <ma14:wrappingTextBoxFlag xmlns="" xmlns:m="http://schemas.openxmlformats.org/officeDocument/2006/math" xmlns:a14="http://schemas.microsoft.com/office/drawing/2010/main" xmlns:ma14="http://schemas.microsoft.com/office/mac/drawingml/2011/main" val="1"/>
+              <ma14:wrappingTextBoxFlag xmlns:ma14="http://schemas.microsoft.com/office/mac/drawingml/2011/main" xmlns:a14="http://schemas.microsoft.com/office/drawing/2010/main" xmlns:m="http://schemas.openxmlformats.org/officeDocument/2006/math" xmlns="" val="1"/>
             </a:ext>
           </a:extLst>
         </p:spPr>
@@ -4496,7 +4490,7 @@
           </a:ln>
           <a:extLst>
             <a:ext uri="{C572A759-6A51-4108-AA02-DFA0A04FC94B}">
-              <ma14:wrappingTextBoxFlag xmlns="" xmlns:m="http://schemas.openxmlformats.org/officeDocument/2006/math" xmlns:a14="http://schemas.microsoft.com/office/drawing/2010/main" xmlns:ma14="http://schemas.microsoft.com/office/mac/drawingml/2011/main" val="1"/>
+              <ma14:wrappingTextBoxFlag xmlns:ma14="http://schemas.microsoft.com/office/mac/drawingml/2011/main" xmlns:a14="http://schemas.microsoft.com/office/drawing/2010/main" xmlns:m="http://schemas.openxmlformats.org/officeDocument/2006/math" xmlns="" val="1"/>
             </a:ext>
           </a:extLst>
         </p:spPr>
@@ -4571,7 +4565,7 @@
         </p:blipFill>
         <p:spPr>
           <a:xfrm>
-            <a:off x="780681" y="5286013"/>
+            <a:off x="670720" y="5286013"/>
             <a:ext cx="10187183" cy="6214364"/>
           </a:xfrm>
           <a:prstGeom prst="rect">
@@ -4595,7 +4589,7 @@
         </p:blipFill>
         <p:spPr>
           <a:xfrm>
-            <a:off x="12480032" y="5607766"/>
+            <a:off x="12336016" y="5607766"/>
             <a:ext cx="11567323" cy="5814701"/>
           </a:xfrm>
           <a:prstGeom prst="rect">
@@ -4655,7 +4649,7 @@
           </a:ln>
           <a:extLst>
             <a:ext uri="{C572A759-6A51-4108-AA02-DFA0A04FC94B}">
-              <ma14:wrappingTextBoxFlag xmlns="" xmlns:m="http://schemas.openxmlformats.org/officeDocument/2006/math" xmlns:a14="http://schemas.microsoft.com/office/drawing/2010/main" xmlns:ma14="http://schemas.microsoft.com/office/mac/drawingml/2011/main" val="1"/>
+              <ma14:wrappingTextBoxFlag xmlns:ma14="http://schemas.microsoft.com/office/mac/drawingml/2011/main" xmlns:a14="http://schemas.microsoft.com/office/drawing/2010/main" xmlns:m="http://schemas.openxmlformats.org/officeDocument/2006/math" xmlns="" val="1"/>
             </a:ext>
           </a:extLst>
         </p:spPr>
@@ -4701,7 +4695,7 @@
           </a:ln>
           <a:extLst>
             <a:ext uri="{C572A759-6A51-4108-AA02-DFA0A04FC94B}">
-              <ma14:wrappingTextBoxFlag xmlns="" xmlns:m="http://schemas.openxmlformats.org/officeDocument/2006/math" xmlns:a14="http://schemas.microsoft.com/office/drawing/2010/main" xmlns:ma14="http://schemas.microsoft.com/office/mac/drawingml/2011/main" val="1"/>
+              <ma14:wrappingTextBoxFlag xmlns:ma14="http://schemas.microsoft.com/office/mac/drawingml/2011/main" xmlns:a14="http://schemas.microsoft.com/office/drawing/2010/main" xmlns:m="http://schemas.openxmlformats.org/officeDocument/2006/math" xmlns="" val="1"/>
             </a:ext>
           </a:extLst>
         </p:spPr>
@@ -4723,7 +4717,15 @@
           <a:p>
             <a:r>
               <a:rPr lang="en-US" dirty="0" smtClean="0"/>
-              <a:t>Keyboard_prefix_10 is the best layout which generate algorithm</a:t>
+              <a:t>Keyboard_prefix_10 is the best layout </a:t>
+            </a:r>
+            <a:r>
+              <a:rPr lang="en-US" dirty="0" smtClean="0"/>
+              <a:t>which was generated by </a:t>
+            </a:r>
+            <a:r>
+              <a:rPr lang="en-US" dirty="0" smtClean="0"/>
+              <a:t>algorithm</a:t>
             </a:r>
             <a:endParaRPr dirty="0"/>
           </a:p>
@@ -4780,7 +4782,7 @@
           </a:ln>
           <a:extLst>
             <a:ext uri="{C572A759-6A51-4108-AA02-DFA0A04FC94B}">
-              <ma14:wrappingTextBoxFlag xmlns="" xmlns:m="http://schemas.openxmlformats.org/officeDocument/2006/math" xmlns:a14="http://schemas.microsoft.com/office/drawing/2010/main" xmlns:ma14="http://schemas.microsoft.com/office/mac/drawingml/2011/main" val="1"/>
+              <ma14:wrappingTextBoxFlag xmlns:ma14="http://schemas.microsoft.com/office/mac/drawingml/2011/main" xmlns:a14="http://schemas.microsoft.com/office/drawing/2010/main" xmlns:m="http://schemas.openxmlformats.org/officeDocument/2006/math" xmlns="" val="1"/>
             </a:ext>
           </a:extLst>
         </p:spPr>

--- a/assignment#1/presentation/Predictive_keyboard_team6.pptx
+++ b/assignment#1/presentation/Predictive_keyboard_team6.pptx
@@ -2089,7 +2089,7 @@
           </a:ln>
           <a:extLst>
             <a:ext uri="{C572A759-6A51-4108-AA02-DFA0A04FC94B}">
-              <ma14:wrappingTextBoxFlag xmlns:ma14="http://schemas.microsoft.com/office/mac/drawingml/2011/main" xmlns:a14="http://schemas.microsoft.com/office/drawing/2010/main" xmlns:m="http://schemas.openxmlformats.org/officeDocument/2006/math" xmlns="" val="1"/>
+              <ma14:wrappingTextBoxFlag xmlns="" xmlns:m="http://schemas.openxmlformats.org/officeDocument/2006/math" xmlns:a14="http://schemas.microsoft.com/office/drawing/2010/main" xmlns:ma14="http://schemas.microsoft.com/office/mac/drawingml/2011/main" val="1"/>
             </a:ext>
           </a:extLst>
         </p:spPr>
@@ -2128,7 +2128,7 @@
           </a:ln>
           <a:extLst>
             <a:ext uri="{C572A759-6A51-4108-AA02-DFA0A04FC94B}">
-              <ma14:wrappingTextBoxFlag xmlns:ma14="http://schemas.microsoft.com/office/mac/drawingml/2011/main" xmlns:a14="http://schemas.microsoft.com/office/drawing/2010/main" xmlns:m="http://schemas.openxmlformats.org/officeDocument/2006/math" xmlns="" val="1"/>
+              <ma14:wrappingTextBoxFlag xmlns="" xmlns:m="http://schemas.openxmlformats.org/officeDocument/2006/math" xmlns:a14="http://schemas.microsoft.com/office/drawing/2010/main" xmlns:ma14="http://schemas.microsoft.com/office/mac/drawingml/2011/main" val="1"/>
             </a:ext>
           </a:extLst>
         </p:spPr>
@@ -3087,7 +3087,7 @@
           </a:ln>
           <a:extLst>
             <a:ext uri="{C572A759-6A51-4108-AA02-DFA0A04FC94B}">
-              <ma14:wrappingTextBoxFlag xmlns:ma14="http://schemas.microsoft.com/office/mac/drawingml/2011/main" xmlns:a14="http://schemas.microsoft.com/office/drawing/2010/main" xmlns:m="http://schemas.openxmlformats.org/officeDocument/2006/math" xmlns="" val="1"/>
+              <ma14:wrappingTextBoxFlag xmlns="" xmlns:m="http://schemas.openxmlformats.org/officeDocument/2006/math" xmlns:a14="http://schemas.microsoft.com/office/drawing/2010/main" xmlns:ma14="http://schemas.microsoft.com/office/mac/drawingml/2011/main" val="1"/>
             </a:ext>
           </a:extLst>
         </p:spPr>
@@ -3133,7 +3133,7 @@
           </a:ln>
           <a:extLst>
             <a:ext uri="{C572A759-6A51-4108-AA02-DFA0A04FC94B}">
-              <ma14:wrappingTextBoxFlag xmlns:ma14="http://schemas.microsoft.com/office/mac/drawingml/2011/main" xmlns:a14="http://schemas.microsoft.com/office/drawing/2010/main" xmlns:m="http://schemas.openxmlformats.org/officeDocument/2006/math" xmlns="" val="1"/>
+              <ma14:wrappingTextBoxFlag xmlns="" xmlns:m="http://schemas.openxmlformats.org/officeDocument/2006/math" xmlns:a14="http://schemas.microsoft.com/office/drawing/2010/main" xmlns:ma14="http://schemas.microsoft.com/office/mac/drawingml/2011/main" val="1"/>
             </a:ext>
           </a:extLst>
         </p:spPr>
@@ -3212,7 +3212,7 @@
           </a:ln>
           <a:extLst>
             <a:ext uri="{C572A759-6A51-4108-AA02-DFA0A04FC94B}">
-              <ma14:wrappingTextBoxFlag xmlns:ma14="http://schemas.microsoft.com/office/mac/drawingml/2011/main" xmlns:a14="http://schemas.microsoft.com/office/drawing/2010/main" xmlns:m="http://schemas.openxmlformats.org/officeDocument/2006/math" xmlns="" val="1"/>
+              <ma14:wrappingTextBoxFlag xmlns="" xmlns:m="http://schemas.openxmlformats.org/officeDocument/2006/math" xmlns:a14="http://schemas.microsoft.com/office/drawing/2010/main" xmlns:ma14="http://schemas.microsoft.com/office/mac/drawingml/2011/main" val="1"/>
             </a:ext>
           </a:extLst>
         </p:spPr>
@@ -3279,7 +3279,7 @@
           </a:ln>
           <a:extLst>
             <a:ext uri="{C572A759-6A51-4108-AA02-DFA0A04FC94B}">
-              <ma14:wrappingTextBoxFlag xmlns:ma14="http://schemas.microsoft.com/office/mac/drawingml/2011/main" xmlns:a14="http://schemas.microsoft.com/office/drawing/2010/main" xmlns:m="http://schemas.openxmlformats.org/officeDocument/2006/math" xmlns="" val="1"/>
+              <ma14:wrappingTextBoxFlag xmlns="" xmlns:m="http://schemas.openxmlformats.org/officeDocument/2006/math" xmlns:a14="http://schemas.microsoft.com/office/drawing/2010/main" xmlns:ma14="http://schemas.microsoft.com/office/mac/drawingml/2011/main" val="1"/>
             </a:ext>
           </a:extLst>
         </p:spPr>
@@ -3402,7 +3402,7 @@
           </a:ln>
           <a:extLst>
             <a:ext uri="{C572A759-6A51-4108-AA02-DFA0A04FC94B}">
-              <ma14:wrappingTextBoxFlag xmlns:ma14="http://schemas.microsoft.com/office/mac/drawingml/2011/main" xmlns:a14="http://schemas.microsoft.com/office/drawing/2010/main" xmlns:m="http://schemas.openxmlformats.org/officeDocument/2006/math" xmlns="" val="1"/>
+              <ma14:wrappingTextBoxFlag xmlns="" xmlns:m="http://schemas.openxmlformats.org/officeDocument/2006/math" xmlns:a14="http://schemas.microsoft.com/office/drawing/2010/main" xmlns:ma14="http://schemas.microsoft.com/office/mac/drawingml/2011/main" val="1"/>
             </a:ext>
           </a:extLst>
         </p:spPr>
@@ -3519,7 +3519,7 @@
           </a:ln>
           <a:extLst>
             <a:ext uri="{C572A759-6A51-4108-AA02-DFA0A04FC94B}">
-              <ma14:wrappingTextBoxFlag xmlns:ma14="http://schemas.microsoft.com/office/mac/drawingml/2011/main" xmlns:a14="http://schemas.microsoft.com/office/drawing/2010/main" xmlns:m="http://schemas.openxmlformats.org/officeDocument/2006/math" xmlns="" val="1"/>
+              <ma14:wrappingTextBoxFlag xmlns="" xmlns:m="http://schemas.openxmlformats.org/officeDocument/2006/math" xmlns:a14="http://schemas.microsoft.com/office/drawing/2010/main" xmlns:ma14="http://schemas.microsoft.com/office/mac/drawingml/2011/main" val="1"/>
             </a:ext>
           </a:extLst>
         </p:spPr>
@@ -3627,7 +3627,7 @@
           </a:ln>
           <a:extLst>
             <a:ext uri="{C572A759-6A51-4108-AA02-DFA0A04FC94B}">
-              <ma14:wrappingTextBoxFlag xmlns:ma14="http://schemas.microsoft.com/office/mac/drawingml/2011/main" xmlns:a14="http://schemas.microsoft.com/office/drawing/2010/main" xmlns:m="http://schemas.openxmlformats.org/officeDocument/2006/math" xmlns="" val="1"/>
+              <ma14:wrappingTextBoxFlag xmlns="" xmlns:m="http://schemas.openxmlformats.org/officeDocument/2006/math" xmlns:a14="http://schemas.microsoft.com/office/drawing/2010/main" xmlns:ma14="http://schemas.microsoft.com/office/mac/drawingml/2011/main" val="1"/>
             </a:ext>
           </a:extLst>
         </p:spPr>
@@ -3762,7 +3762,7 @@
           </a:ln>
           <a:extLst>
             <a:ext uri="{C572A759-6A51-4108-AA02-DFA0A04FC94B}">
-              <ma14:wrappingTextBoxFlag xmlns:ma14="http://schemas.microsoft.com/office/mac/drawingml/2011/main" xmlns:a14="http://schemas.microsoft.com/office/drawing/2010/main" xmlns:m="http://schemas.openxmlformats.org/officeDocument/2006/math" xmlns="" val="1"/>
+              <ma14:wrappingTextBoxFlag xmlns="" xmlns:m="http://schemas.openxmlformats.org/officeDocument/2006/math" xmlns:a14="http://schemas.microsoft.com/office/drawing/2010/main" xmlns:ma14="http://schemas.microsoft.com/office/mac/drawingml/2011/main" val="1"/>
             </a:ext>
           </a:extLst>
         </p:spPr>
@@ -3866,7 +3866,7 @@
           </a:ln>
           <a:extLst>
             <a:ext uri="{C572A759-6A51-4108-AA02-DFA0A04FC94B}">
-              <ma14:wrappingTextBoxFlag xmlns:ma14="http://schemas.microsoft.com/office/mac/drawingml/2011/main" xmlns:a14="http://schemas.microsoft.com/office/drawing/2010/main" xmlns:m="http://schemas.openxmlformats.org/officeDocument/2006/math" xmlns="" val="1"/>
+              <ma14:wrappingTextBoxFlag xmlns="" xmlns:m="http://schemas.openxmlformats.org/officeDocument/2006/math" xmlns:a14="http://schemas.microsoft.com/office/drawing/2010/main" xmlns:ma14="http://schemas.microsoft.com/office/mac/drawingml/2011/main" val="1"/>
             </a:ext>
           </a:extLst>
         </p:spPr>
@@ -3944,7 +3944,7 @@
           </a:ln>
           <a:extLst>
             <a:ext uri="{C572A759-6A51-4108-AA02-DFA0A04FC94B}">
-              <ma14:wrappingTextBoxFlag xmlns:ma14="http://schemas.microsoft.com/office/mac/drawingml/2011/main" xmlns:a14="http://schemas.microsoft.com/office/drawing/2010/main" xmlns:m="http://schemas.openxmlformats.org/officeDocument/2006/math" xmlns="" val="1"/>
+              <ma14:wrappingTextBoxFlag xmlns="" xmlns:m="http://schemas.openxmlformats.org/officeDocument/2006/math" xmlns:a14="http://schemas.microsoft.com/office/drawing/2010/main" xmlns:ma14="http://schemas.microsoft.com/office/mac/drawingml/2011/main" val="1"/>
             </a:ext>
           </a:extLst>
         </p:spPr>
@@ -4030,7 +4030,7 @@
           </a:ln>
           <a:extLst>
             <a:ext uri="{C572A759-6A51-4108-AA02-DFA0A04FC94B}">
-              <ma14:wrappingTextBoxFlag xmlns:ma14="http://schemas.microsoft.com/office/mac/drawingml/2011/main" xmlns:a14="http://schemas.microsoft.com/office/drawing/2010/main" xmlns:m="http://schemas.openxmlformats.org/officeDocument/2006/math" xmlns="" val="1"/>
+              <ma14:wrappingTextBoxFlag xmlns="" xmlns:m="http://schemas.openxmlformats.org/officeDocument/2006/math" xmlns:a14="http://schemas.microsoft.com/office/drawing/2010/main" xmlns:ma14="http://schemas.microsoft.com/office/mac/drawingml/2011/main" val="1"/>
             </a:ext>
           </a:extLst>
         </p:spPr>
@@ -4100,7 +4100,55 @@
               <a:rPr lang="en-US" sz="3200" dirty="0">
                 <a:sym typeface="Arial Narrow"/>
               </a:rPr>
-              <a:t>from ‘a’ to ‘z,’ and 𝑘𝑖𝑥</a:t>
+              <a:t>from </a:t>
+            </a:r>
+            <a:r>
+              <a:rPr lang="en-US" sz="3200" dirty="0" smtClean="0">
+                <a:sym typeface="Arial Narrow"/>
+              </a:rPr>
+              <a:t>‘</a:t>
+            </a:r>
+            <a:r>
+              <a:rPr lang="ru-RU" sz="3200" dirty="0" smtClean="0">
+                <a:sym typeface="Arial Narrow"/>
+              </a:rPr>
+              <a:t>а</a:t>
+            </a:r>
+            <a:r>
+              <a:rPr lang="en-US" sz="3200" dirty="0" smtClean="0">
+                <a:sym typeface="Arial Narrow"/>
+              </a:rPr>
+              <a:t>’ </a:t>
+            </a:r>
+            <a:r>
+              <a:rPr lang="en-US" sz="3200" dirty="0">
+                <a:sym typeface="Arial Narrow"/>
+              </a:rPr>
+              <a:t>to </a:t>
+            </a:r>
+            <a:r>
+              <a:rPr lang="en-US" sz="3200" dirty="0" smtClean="0">
+                <a:sym typeface="Arial Narrow"/>
+              </a:rPr>
+              <a:t>‘</a:t>
+            </a:r>
+            <a:r>
+              <a:rPr lang="ru-RU" sz="3200" smtClean="0">
+                <a:sym typeface="Arial Narrow"/>
+              </a:rPr>
+              <a:t>я</a:t>
+            </a:r>
+            <a:r>
+              <a:rPr lang="en-US" sz="3200" smtClean="0">
+                <a:sym typeface="Arial Narrow"/>
+              </a:rPr>
+              <a:t>,’ </a:t>
+            </a:r>
+            <a:r>
+              <a:rPr lang="en-US" sz="3200" dirty="0">
+                <a:sym typeface="Arial Narrow"/>
+              </a:rPr>
+              <a:t>and 𝑘𝑖𝑥</a:t>
             </a:r>
           </a:p>
           <a:p>
@@ -4223,7 +4271,7 @@
           </a:ln>
           <a:extLst>
             <a:ext uri="{C572A759-6A51-4108-AA02-DFA0A04FC94B}">
-              <ma14:wrappingTextBoxFlag xmlns:ma14="http://schemas.microsoft.com/office/mac/drawingml/2011/main" xmlns:a14="http://schemas.microsoft.com/office/drawing/2010/main" xmlns:m="http://schemas.openxmlformats.org/officeDocument/2006/math" xmlns="" val="1"/>
+              <ma14:wrappingTextBoxFlag xmlns="" xmlns:m="http://schemas.openxmlformats.org/officeDocument/2006/math" xmlns:a14="http://schemas.microsoft.com/office/drawing/2010/main" xmlns:ma14="http://schemas.microsoft.com/office/mac/drawingml/2011/main" val="1"/>
             </a:ext>
           </a:extLst>
         </p:spPr>
@@ -4301,7 +4349,7 @@
           </a:ln>
           <a:extLst>
             <a:ext uri="{C572A759-6A51-4108-AA02-DFA0A04FC94B}">
-              <ma14:wrappingTextBoxFlag xmlns:ma14="http://schemas.microsoft.com/office/mac/drawingml/2011/main" xmlns:a14="http://schemas.microsoft.com/office/drawing/2010/main" xmlns:m="http://schemas.openxmlformats.org/officeDocument/2006/math" xmlns="" val="1"/>
+              <ma14:wrappingTextBoxFlag xmlns="" xmlns:m="http://schemas.openxmlformats.org/officeDocument/2006/math" xmlns:a14="http://schemas.microsoft.com/office/drawing/2010/main" xmlns:ma14="http://schemas.microsoft.com/office/mac/drawingml/2011/main" val="1"/>
             </a:ext>
           </a:extLst>
         </p:spPr>
@@ -4412,7 +4460,7 @@
           </a:ln>
           <a:extLst>
             <a:ext uri="{C572A759-6A51-4108-AA02-DFA0A04FC94B}">
-              <ma14:wrappingTextBoxFlag xmlns:ma14="http://schemas.microsoft.com/office/mac/drawingml/2011/main" xmlns:a14="http://schemas.microsoft.com/office/drawing/2010/main" xmlns:m="http://schemas.openxmlformats.org/officeDocument/2006/math" xmlns="" val="1"/>
+              <ma14:wrappingTextBoxFlag xmlns="" xmlns:m="http://schemas.openxmlformats.org/officeDocument/2006/math" xmlns:a14="http://schemas.microsoft.com/office/drawing/2010/main" xmlns:ma14="http://schemas.microsoft.com/office/mac/drawingml/2011/main" val="1"/>
             </a:ext>
           </a:extLst>
         </p:spPr>
@@ -4490,7 +4538,7 @@
           </a:ln>
           <a:extLst>
             <a:ext uri="{C572A759-6A51-4108-AA02-DFA0A04FC94B}">
-              <ma14:wrappingTextBoxFlag xmlns:ma14="http://schemas.microsoft.com/office/mac/drawingml/2011/main" xmlns:a14="http://schemas.microsoft.com/office/drawing/2010/main" xmlns:m="http://schemas.openxmlformats.org/officeDocument/2006/math" xmlns="" val="1"/>
+              <ma14:wrappingTextBoxFlag xmlns="" xmlns:m="http://schemas.openxmlformats.org/officeDocument/2006/math" xmlns:a14="http://schemas.microsoft.com/office/drawing/2010/main" xmlns:ma14="http://schemas.microsoft.com/office/mac/drawingml/2011/main" val="1"/>
             </a:ext>
           </a:extLst>
         </p:spPr>
@@ -4649,7 +4697,7 @@
           </a:ln>
           <a:extLst>
             <a:ext uri="{C572A759-6A51-4108-AA02-DFA0A04FC94B}">
-              <ma14:wrappingTextBoxFlag xmlns:ma14="http://schemas.microsoft.com/office/mac/drawingml/2011/main" xmlns:a14="http://schemas.microsoft.com/office/drawing/2010/main" xmlns:m="http://schemas.openxmlformats.org/officeDocument/2006/math" xmlns="" val="1"/>
+              <ma14:wrappingTextBoxFlag xmlns="" xmlns:m="http://schemas.openxmlformats.org/officeDocument/2006/math" xmlns:a14="http://schemas.microsoft.com/office/drawing/2010/main" xmlns:ma14="http://schemas.microsoft.com/office/mac/drawingml/2011/main" val="1"/>
             </a:ext>
           </a:extLst>
         </p:spPr>
@@ -4695,7 +4743,7 @@
           </a:ln>
           <a:extLst>
             <a:ext uri="{C572A759-6A51-4108-AA02-DFA0A04FC94B}">
-              <ma14:wrappingTextBoxFlag xmlns:ma14="http://schemas.microsoft.com/office/mac/drawingml/2011/main" xmlns:a14="http://schemas.microsoft.com/office/drawing/2010/main" xmlns:m="http://schemas.openxmlformats.org/officeDocument/2006/math" xmlns="" val="1"/>
+              <ma14:wrappingTextBoxFlag xmlns="" xmlns:m="http://schemas.openxmlformats.org/officeDocument/2006/math" xmlns:a14="http://schemas.microsoft.com/office/drawing/2010/main" xmlns:ma14="http://schemas.microsoft.com/office/mac/drawingml/2011/main" val="1"/>
             </a:ext>
           </a:extLst>
         </p:spPr>
@@ -4717,15 +4765,7 @@
           <a:p>
             <a:r>
               <a:rPr lang="en-US" dirty="0" smtClean="0"/>
-              <a:t>Keyboard_prefix_10 is the best layout </a:t>
-            </a:r>
-            <a:r>
-              <a:rPr lang="en-US" dirty="0" smtClean="0"/>
-              <a:t>which was generated by </a:t>
-            </a:r>
-            <a:r>
-              <a:rPr lang="en-US" dirty="0" smtClean="0"/>
-              <a:t>algorithm</a:t>
+              <a:t>Keyboard_prefix_10 is the best layout which was generated by algorithm</a:t>
             </a:r>
             <a:endParaRPr dirty="0"/>
           </a:p>
@@ -4782,7 +4822,7 @@
           </a:ln>
           <a:extLst>
             <a:ext uri="{C572A759-6A51-4108-AA02-DFA0A04FC94B}">
-              <ma14:wrappingTextBoxFlag xmlns:ma14="http://schemas.microsoft.com/office/mac/drawingml/2011/main" xmlns:a14="http://schemas.microsoft.com/office/drawing/2010/main" xmlns:m="http://schemas.openxmlformats.org/officeDocument/2006/math" xmlns="" val="1"/>
+              <ma14:wrappingTextBoxFlag xmlns="" xmlns:m="http://schemas.openxmlformats.org/officeDocument/2006/math" xmlns:a14="http://schemas.microsoft.com/office/drawing/2010/main" xmlns:ma14="http://schemas.microsoft.com/office/mac/drawingml/2011/main" val="1"/>
             </a:ext>
           </a:extLst>
         </p:spPr>

--- a/assignment#1/presentation/Predictive_keyboard_team6.pptx
+++ b/assignment#1/presentation/Predictive_keyboard_team6.pptx
@@ -5,16 +5,17 @@
     <p:sldMasterId id="2147483648" r:id="rId1"/>
   </p:sldMasterIdLst>
   <p:notesMasterIdLst>
-    <p:notesMasterId r:id="rId9"/>
+    <p:notesMasterId r:id="rId10"/>
   </p:notesMasterIdLst>
   <p:sldIdLst>
     <p:sldId id="256" r:id="rId2"/>
     <p:sldId id="258" r:id="rId3"/>
     <p:sldId id="259" r:id="rId4"/>
-    <p:sldId id="260" r:id="rId5"/>
-    <p:sldId id="261" r:id="rId6"/>
-    <p:sldId id="262" r:id="rId7"/>
-    <p:sldId id="263" r:id="rId8"/>
+    <p:sldId id="266" r:id="rId5"/>
+    <p:sldId id="260" r:id="rId6"/>
+    <p:sldId id="261" r:id="rId7"/>
+    <p:sldId id="262" r:id="rId8"/>
+    <p:sldId id="263" r:id="rId9"/>
   </p:sldIdLst>
   <p:sldSz cx="24384000" cy="13716000"/>
   <p:notesSz cx="6858000" cy="9144000"/>
@@ -2089,7 +2090,7 @@
           </a:ln>
           <a:extLst>
             <a:ext uri="{C572A759-6A51-4108-AA02-DFA0A04FC94B}">
-              <ma14:wrappingTextBoxFlag xmlns:ma14="http://schemas.microsoft.com/office/mac/drawingml/2011/main" xmlns:a14="http://schemas.microsoft.com/office/drawing/2010/main" xmlns:m="http://schemas.openxmlformats.org/officeDocument/2006/math" xmlns="" val="1"/>
+              <ma14:wrappingTextBoxFlag xmlns="" xmlns:m="http://schemas.openxmlformats.org/officeDocument/2006/math" xmlns:a14="http://schemas.microsoft.com/office/drawing/2010/main" xmlns:ma14="http://schemas.microsoft.com/office/mac/drawingml/2011/main" val="1"/>
             </a:ext>
           </a:extLst>
         </p:spPr>
@@ -2128,7 +2129,7 @@
           </a:ln>
           <a:extLst>
             <a:ext uri="{C572A759-6A51-4108-AA02-DFA0A04FC94B}">
-              <ma14:wrappingTextBoxFlag xmlns:ma14="http://schemas.microsoft.com/office/mac/drawingml/2011/main" xmlns:a14="http://schemas.microsoft.com/office/drawing/2010/main" xmlns:m="http://schemas.openxmlformats.org/officeDocument/2006/math" xmlns="" val="1"/>
+              <ma14:wrappingTextBoxFlag xmlns="" xmlns:m="http://schemas.openxmlformats.org/officeDocument/2006/math" xmlns:a14="http://schemas.microsoft.com/office/drawing/2010/main" xmlns:ma14="http://schemas.microsoft.com/office/mac/drawingml/2011/main" val="1"/>
             </a:ext>
           </a:extLst>
         </p:spPr>
@@ -3087,7 +3088,7 @@
           </a:ln>
           <a:extLst>
             <a:ext uri="{C572A759-6A51-4108-AA02-DFA0A04FC94B}">
-              <ma14:wrappingTextBoxFlag xmlns:ma14="http://schemas.microsoft.com/office/mac/drawingml/2011/main" xmlns:a14="http://schemas.microsoft.com/office/drawing/2010/main" xmlns:m="http://schemas.openxmlformats.org/officeDocument/2006/math" xmlns="" val="1"/>
+              <ma14:wrappingTextBoxFlag xmlns="" xmlns:m="http://schemas.openxmlformats.org/officeDocument/2006/math" xmlns:a14="http://schemas.microsoft.com/office/drawing/2010/main" xmlns:ma14="http://schemas.microsoft.com/office/mac/drawingml/2011/main" val="1"/>
             </a:ext>
           </a:extLst>
         </p:spPr>
@@ -3107,7 +3108,7 @@
               </a:defRPr>
             </a:pPr>
             <a:r>
-              <a:rPr lang="ru-RU" dirty="0" smtClean="0"/>
+              <a:rPr lang="ru-RU" dirty="0"/>
               <a:t>Предикативный ввод</a:t>
             </a:r>
             <a:endParaRPr dirty="0"/>
@@ -3133,7 +3134,7 @@
           </a:ln>
           <a:extLst>
             <a:ext uri="{C572A759-6A51-4108-AA02-DFA0A04FC94B}">
-              <ma14:wrappingTextBoxFlag xmlns:ma14="http://schemas.microsoft.com/office/mac/drawingml/2011/main" xmlns:a14="http://schemas.microsoft.com/office/drawing/2010/main" xmlns:m="http://schemas.openxmlformats.org/officeDocument/2006/math" xmlns="" val="1"/>
+              <ma14:wrappingTextBoxFlag xmlns="" xmlns:m="http://schemas.openxmlformats.org/officeDocument/2006/math" xmlns:a14="http://schemas.microsoft.com/office/drawing/2010/main" xmlns:ma14="http://schemas.microsoft.com/office/mac/drawingml/2011/main" val="1"/>
             </a:ext>
           </a:extLst>
         </p:spPr>
@@ -3154,39 +3155,27 @@
           </a:lstStyle>
           <a:p>
             <a:r>
-              <a:rPr lang="ru-RU" sz="3600" dirty="0" smtClean="0"/>
+              <a:rPr lang="ru-RU" sz="3600" dirty="0"/>
               <a:t>Выполнили: Чертанов Денис БПИ185</a:t>
             </a:r>
           </a:p>
           <a:p>
             <a:r>
-              <a:rPr lang="ru-RU" sz="3600" dirty="0" smtClean="0"/>
-              <a:t>		</a:t>
-            </a:r>
-            <a:r>
               <a:rPr lang="ru-RU" sz="3600" dirty="0"/>
-              <a:t> </a:t>
-            </a:r>
-            <a:r>
-              <a:rPr lang="ru-RU" sz="3600" dirty="0" smtClean="0"/>
-              <a:t>     Сафонов Николай БПИ185</a:t>
+              <a:t>		      Сафонов Николай БПИ185</a:t>
             </a:r>
           </a:p>
           <a:p>
             <a:r>
               <a:rPr lang="ru-RU" sz="3600" dirty="0"/>
-              <a:t> </a:t>
-            </a:r>
-            <a:r>
-              <a:rPr lang="ru-RU" sz="3600" dirty="0" smtClean="0"/>
-              <a:t>                     </a:t>
-            </a:r>
-            <a:r>
-              <a:rPr lang="ru-RU" sz="3600" dirty="0" err="1" smtClean="0"/>
+              <a:t>                      </a:t>
+            </a:r>
+            <a:r>
+              <a:rPr lang="ru-RU" sz="3600" dirty="0" err="1"/>
               <a:t>Калантаев</a:t>
             </a:r>
             <a:r>
-              <a:rPr lang="ru-RU" sz="3600" dirty="0" smtClean="0"/>
+              <a:rPr lang="ru-RU" sz="3600" dirty="0"/>
               <a:t> Максим БПИ185</a:t>
             </a:r>
             <a:endParaRPr sz="3600" dirty="0"/>
@@ -3212,7 +3201,7 @@
           </a:ln>
           <a:extLst>
             <a:ext uri="{C572A759-6A51-4108-AA02-DFA0A04FC94B}">
-              <ma14:wrappingTextBoxFlag xmlns:ma14="http://schemas.microsoft.com/office/mac/drawingml/2011/main" xmlns:a14="http://schemas.microsoft.com/office/drawing/2010/main" xmlns:m="http://schemas.openxmlformats.org/officeDocument/2006/math" xmlns="" val="1"/>
+              <ma14:wrappingTextBoxFlag xmlns="" xmlns:m="http://schemas.openxmlformats.org/officeDocument/2006/math" xmlns:a14="http://schemas.microsoft.com/office/drawing/2010/main" xmlns:ma14="http://schemas.microsoft.com/office/mac/drawingml/2011/main" val="1"/>
             </a:ext>
           </a:extLst>
         </p:spPr>
@@ -3234,29 +3223,24 @@
               </a:defRPr>
             </a:pPr>
             <a:r>
-              <a:rPr lang="ru-RU" dirty="0" smtClean="0"/>
+              <a:rPr lang="ru-RU" dirty="0"/>
               <a:t>Факультет компьютерных наук</a:t>
             </a:r>
             <a:r>
-              <a:rPr dirty="0" smtClean="0"/>
+              <a:rPr dirty="0"/>
               <a:t>, </a:t>
-            </a:r>
-            <a:r>
-              <a:rPr dirty="0"/>
-              <a:t/>
             </a:r>
             <a:br>
               <a:rPr dirty="0"/>
             </a:br>
             <a:r>
-              <a:rPr lang="ru-RU" dirty="0" smtClean="0"/>
+              <a:rPr lang="ru-RU" dirty="0"/>
               <a:t>ОП Программная инженерия</a:t>
             </a:r>
             <a:r>
-              <a:rPr dirty="0" smtClean="0"/>
+              <a:rPr dirty="0"/>
               <a:t> </a:t>
             </a:r>
-            <a:endParaRPr dirty="0"/>
           </a:p>
         </p:txBody>
       </p:sp>
@@ -3279,7 +3263,7 @@
           </a:ln>
           <a:extLst>
             <a:ext uri="{C572A759-6A51-4108-AA02-DFA0A04FC94B}">
-              <ma14:wrappingTextBoxFlag xmlns:ma14="http://schemas.microsoft.com/office/mac/drawingml/2011/main" xmlns:a14="http://schemas.microsoft.com/office/drawing/2010/main" xmlns:m="http://schemas.openxmlformats.org/officeDocument/2006/math" xmlns="" val="1"/>
+              <ma14:wrappingTextBoxFlag xmlns="" xmlns:m="http://schemas.openxmlformats.org/officeDocument/2006/math" xmlns:a14="http://schemas.microsoft.com/office/drawing/2010/main" xmlns:ma14="http://schemas.microsoft.com/office/mac/drawingml/2011/main" val="1"/>
             </a:ext>
           </a:extLst>
         </p:spPr>
@@ -3307,14 +3291,10 @@
             </a:r>
             <a:r>
               <a:rPr dirty="0"/>
-              <a:t>, </a:t>
-            </a:r>
-            <a:r>
-              <a:rPr dirty="0" smtClean="0"/>
-              <a:t>20</a:t>
-            </a:r>
-            <a:r>
-              <a:rPr lang="en-US" dirty="0" smtClean="0"/>
+              <a:t>, 20</a:t>
+            </a:r>
+            <a:r>
+              <a:rPr lang="en-US" dirty="0"/>
               <a:t>21</a:t>
             </a:r>
             <a:endParaRPr dirty="0"/>
@@ -3330,9 +3310,7 @@
           <p:nvPr/>
         </p:nvPicPr>
         <p:blipFill>
-          <a:blip r:embed="rId2">
-            <a:extLst/>
-          </a:blip>
+          <a:blip r:embed="rId2"/>
           <a:stretch>
             <a:fillRect/>
           </a:stretch>
@@ -3356,13 +3334,6 @@
     <a:masterClrMapping/>
   </p:clrMapOvr>
   <p:transition spd="med"/>
-  <p:timing>
-    <p:tnLst>
-      <p:par>
-        <p:cTn id="1" dur="indefinite" restart="never" nodeType="tmRoot"/>
-      </p:par>
-    </p:tnLst>
-  </p:timing>
 </p:sld>
 </file>
 
@@ -3402,7 +3373,7 @@
           </a:ln>
           <a:extLst>
             <a:ext uri="{C572A759-6A51-4108-AA02-DFA0A04FC94B}">
-              <ma14:wrappingTextBoxFlag xmlns:ma14="http://schemas.microsoft.com/office/mac/drawingml/2011/main" xmlns:a14="http://schemas.microsoft.com/office/drawing/2010/main" xmlns:m="http://schemas.openxmlformats.org/officeDocument/2006/math" xmlns="" val="1"/>
+              <ma14:wrappingTextBoxFlag xmlns="" xmlns:m="http://schemas.openxmlformats.org/officeDocument/2006/math" xmlns:a14="http://schemas.microsoft.com/office/drawing/2010/main" xmlns:ma14="http://schemas.microsoft.com/office/mac/drawingml/2011/main" val="1"/>
             </a:ext>
           </a:extLst>
         </p:spPr>
@@ -3428,55 +3399,13 @@
               <a:rPr lang="en-US" sz="3200" b="1" dirty="0">
                 <a:sym typeface="Arial Narrow"/>
               </a:rPr>
-              <a:t>Keystrokes per character (KSPC</a:t>
-            </a:r>
-            <a:r>
-              <a:rPr lang="en-US" sz="3200" b="1" dirty="0" smtClean="0">
-                <a:sym typeface="Arial Narrow"/>
-              </a:rPr>
-              <a:t>) </a:t>
-            </a:r>
-            <a:r>
-              <a:rPr lang="en-US" sz="3200" dirty="0" smtClean="0">
-                <a:sym typeface="Arial Narrow"/>
-              </a:rPr>
-              <a:t>is </a:t>
+              <a:t>Keystrokes per character (KSPC) </a:t>
             </a:r>
             <a:r>
               <a:rPr lang="en-US" sz="3200" dirty="0">
                 <a:sym typeface="Arial Narrow"/>
               </a:rPr>
-              <a:t>the number of keystrokes, on average, to generate each character of text in a </a:t>
-            </a:r>
-            <a:r>
-              <a:rPr lang="en-US" sz="3200" dirty="0" smtClean="0">
-                <a:sym typeface="Arial Narrow"/>
-              </a:rPr>
-              <a:t>given language </a:t>
-            </a:r>
-            <a:r>
-              <a:rPr lang="en-US" sz="3200" dirty="0">
-                <a:sym typeface="Arial Narrow"/>
-              </a:rPr>
-              <a:t>using a given </a:t>
-            </a:r>
-            <a:r>
-              <a:rPr lang="en-US" sz="3200" dirty="0" smtClean="0">
-                <a:sym typeface="Arial Narrow"/>
-              </a:rPr>
-              <a:t>text </a:t>
-            </a:r>
-            <a:r>
-              <a:rPr lang="en-US" sz="3200" dirty="0">
-                <a:sym typeface="Arial Narrow"/>
-              </a:rPr>
-              <a:t>entry </a:t>
-            </a:r>
-            <a:r>
-              <a:rPr lang="en-US" sz="3200" dirty="0" smtClean="0">
-                <a:sym typeface="Arial Narrow"/>
-              </a:rPr>
-              <a:t>technique</a:t>
+              <a:t>is the number of keystrokes, on average, to generate each character of text in a given language using a given text entry technique</a:t>
             </a:r>
           </a:p>
           <a:p>
@@ -3519,7 +3448,7 @@
           </a:ln>
           <a:extLst>
             <a:ext uri="{C572A759-6A51-4108-AA02-DFA0A04FC94B}">
-              <ma14:wrappingTextBoxFlag xmlns:ma14="http://schemas.microsoft.com/office/mac/drawingml/2011/main" xmlns:a14="http://schemas.microsoft.com/office/drawing/2010/main" xmlns:m="http://schemas.openxmlformats.org/officeDocument/2006/math" xmlns="" val="1"/>
+              <ma14:wrappingTextBoxFlag xmlns="" xmlns:m="http://schemas.openxmlformats.org/officeDocument/2006/math" xmlns:a14="http://schemas.microsoft.com/office/drawing/2010/main" xmlns:ma14="http://schemas.microsoft.com/office/mac/drawingml/2011/main" val="1"/>
             </a:ext>
           </a:extLst>
         </p:spPr>
@@ -3539,7 +3468,7 @@
               </a:defRPr>
             </a:pPr>
             <a:r>
-              <a:rPr lang="en-US" dirty="0" smtClean="0"/>
+              <a:rPr lang="en-US" dirty="0"/>
               <a:t>Objective function</a:t>
             </a:r>
             <a:endParaRPr dirty="0"/>
@@ -3557,22 +3486,21 @@
               </a:defRPr>
             </a:pPr>
             <a:r>
-              <a:rPr lang="en-US" dirty="0" smtClean="0"/>
+              <a:rPr lang="en-US" dirty="0"/>
               <a:t>Main metric – </a:t>
             </a:r>
             <a:r>
-              <a:rPr lang="en-US" b="1" dirty="0" smtClean="0"/>
+              <a:rPr lang="en-US" b="1" dirty="0"/>
               <a:t>KSPC</a:t>
             </a:r>
             <a:r>
-              <a:rPr lang="en-US" dirty="0" smtClean="0"/>
+              <a:rPr lang="en-US" dirty="0"/>
               <a:t> metric</a:t>
             </a:r>
             <a:r>
-              <a:rPr dirty="0" smtClean="0"/>
+              <a:rPr dirty="0"/>
               <a:t> </a:t>
             </a:r>
-            <a:endParaRPr dirty="0"/>
           </a:p>
         </p:txBody>
       </p:sp>
@@ -3627,7 +3555,7 @@
           </a:ln>
           <a:extLst>
             <a:ext uri="{C572A759-6A51-4108-AA02-DFA0A04FC94B}">
-              <ma14:wrappingTextBoxFlag xmlns:ma14="http://schemas.microsoft.com/office/mac/drawingml/2011/main" xmlns:a14="http://schemas.microsoft.com/office/drawing/2010/main" xmlns:m="http://schemas.openxmlformats.org/officeDocument/2006/math" xmlns="" val="1"/>
+              <ma14:wrappingTextBoxFlag xmlns="" xmlns:m="http://schemas.openxmlformats.org/officeDocument/2006/math" xmlns:a14="http://schemas.microsoft.com/office/drawing/2010/main" xmlns:ma14="http://schemas.microsoft.com/office/mac/drawingml/2011/main" val="1"/>
             </a:ext>
           </a:extLst>
         </p:spPr>
@@ -3650,7 +3578,7 @@
           </a:lstStyle>
           <a:p>
             <a:r>
-              <a:rPr lang="ru-RU" dirty="0" smtClean="0"/>
+              <a:rPr lang="ru-RU" dirty="0"/>
               <a:t>ФКН, Программная инженерия</a:t>
             </a:r>
             <a:endParaRPr dirty="0"/>
@@ -3666,9 +3594,7 @@
           <p:nvPr/>
         </p:nvPicPr>
         <p:blipFill>
-          <a:blip r:embed="rId2">
-            <a:extLst/>
-          </a:blip>
+          <a:blip r:embed="rId2"/>
           <a:stretch>
             <a:fillRect/>
           </a:stretch>
@@ -3686,43 +3612,1026 @@
           </a:ln>
         </p:spPr>
       </p:pic>
-      <p:pic>
-        <p:nvPicPr>
-          <p:cNvPr id="2" name="Рисунок 1"/>
-          <p:cNvPicPr>
-            <a:picLocks noChangeAspect="1"/>
-          </p:cNvPicPr>
-          <p:nvPr/>
-        </p:nvPicPr>
-        <p:blipFill>
-          <a:blip r:embed="rId3"/>
-          <a:stretch>
-            <a:fillRect/>
-          </a:stretch>
-        </p:blipFill>
-        <p:spPr>
-          <a:xfrm>
-            <a:off x="11951176" y="6821512"/>
-            <a:ext cx="10997347" cy="4248472"/>
-          </a:xfrm>
-          <a:prstGeom prst="rect">
-            <a:avLst/>
-          </a:prstGeom>
-        </p:spPr>
-      </p:pic>
+      <mc:AlternateContent xmlns:mc="http://schemas.openxmlformats.org/markup-compatibility/2006" xmlns:a14="http://schemas.microsoft.com/office/drawing/2010/main">
+        <mc:Choice Requires="a14">
+          <p:sp>
+            <p:nvSpPr>
+              <p:cNvPr id="9" name="TextBox 8">
+                <a:extLst>
+                  <a:ext uri="{FF2B5EF4-FFF2-40B4-BE49-F238E27FC236}">
+                    <a16:creationId xmlns:a16="http://schemas.microsoft.com/office/drawing/2014/main" id="{639A1C8D-D9F0-4581-A3F5-A97497538F9D}"/>
+                  </a:ext>
+                </a:extLst>
+              </p:cNvPr>
+              <p:cNvSpPr txBox="1"/>
+              <p:nvPr/>
+            </p:nvSpPr>
+            <p:spPr>
+              <a:xfrm>
+                <a:off x="9549543" y="5975219"/>
+                <a:ext cx="12195110" cy="1130951"/>
+              </a:xfrm>
+              <a:prstGeom prst="rect">
+                <a:avLst/>
+              </a:prstGeom>
+              <a:noFill/>
+              <a:ln w="12700" cap="flat">
+                <a:noFill/>
+                <a:miter lim="400000"/>
+              </a:ln>
+              <a:effectLst/>
+              <a:sp3d/>
+            </p:spPr>
+            <p:style>
+              <a:lnRef idx="0">
+                <a:scrgbClr r="0" g="0" b="0"/>
+              </a:lnRef>
+              <a:fillRef idx="0">
+                <a:scrgbClr r="0" g="0" b="0"/>
+              </a:fillRef>
+              <a:effectRef idx="0">
+                <a:scrgbClr r="0" g="0" b="0"/>
+              </a:effectRef>
+              <a:fontRef idx="none"/>
+            </p:style>
+            <p:txBody>
+              <a:bodyPr wrap="square">
+                <a:spAutoFit/>
+              </a:bodyPr>
+              <a:lstStyle/>
+              <a:p>
+                <a:pPr/>
+                <a14:m>
+                  <m:oMathPara xmlns:m="http://schemas.openxmlformats.org/officeDocument/2006/math">
+                    <m:oMathParaPr>
+                      <m:jc m:val="centerGroup"/>
+                    </m:oMathParaPr>
+                    <m:oMath xmlns:m="http://schemas.openxmlformats.org/officeDocument/2006/math">
+                      <m:r>
+                        <a:rPr lang="ru-RU" sz="3200" i="1" smtClean="0">
+                          <a:latin typeface="Cambria Math" panose="02040503050406030204" pitchFamily="18" charset="0"/>
+                        </a:rPr>
+                        <m:t>𝐾𝑆𝑃𝐶</m:t>
+                      </m:r>
+                      <m:r>
+                        <a:rPr lang="ru-RU" sz="3200" i="0">
+                          <a:latin typeface="Cambria Math" panose="02040503050406030204" pitchFamily="18" charset="0"/>
+                        </a:rPr>
+                        <m:t>=</m:t>
+                      </m:r>
+                      <m:f>
+                        <m:fPr>
+                          <m:ctrlPr>
+                            <a:rPr lang="ru-RU" sz="3200" i="1">
+                              <a:solidFill>
+                                <a:srgbClr val="836967"/>
+                              </a:solidFill>
+                              <a:latin typeface="Cambria Math" panose="02040503050406030204" pitchFamily="18" charset="0"/>
+                            </a:rPr>
+                          </m:ctrlPr>
+                        </m:fPr>
+                        <m:num>
+                          <m:nary>
+                            <m:naryPr>
+                              <m:chr m:val="∑"/>
+                              <m:subHide m:val="on"/>
+                              <m:supHide m:val="on"/>
+                              <m:ctrlPr>
+                                <a:rPr lang="ru-RU" sz="3200" i="1">
+                                  <a:latin typeface="Cambria Math" panose="02040503050406030204" pitchFamily="18" charset="0"/>
+                                </a:rPr>
+                              </m:ctrlPr>
+                            </m:naryPr>
+                            <m:sub/>
+                            <m:sup/>
+                            <m:e>
+                              <m:sSub>
+                                <m:sSubPr>
+                                  <m:ctrlPr>
+                                    <a:rPr lang="ru-RU" sz="3200" i="1">
+                                      <a:solidFill>
+                                        <a:srgbClr val="836967"/>
+                                      </a:solidFill>
+                                      <a:latin typeface="Cambria Math" panose="02040503050406030204" pitchFamily="18" charset="0"/>
+                                    </a:rPr>
+                                  </m:ctrlPr>
+                                </m:sSubPr>
+                                <m:e>
+                                  <m:r>
+                                    <a:rPr lang="ru-RU" sz="3200" i="1">
+                                      <a:latin typeface="Cambria Math" panose="02040503050406030204" pitchFamily="18" charset="0"/>
+                                    </a:rPr>
+                                    <m:t>𝐾</m:t>
+                                  </m:r>
+                                </m:e>
+                                <m:sub>
+                                  <m:r>
+                                    <a:rPr lang="ru-RU" sz="3200" i="1">
+                                      <a:latin typeface="Cambria Math" panose="02040503050406030204" pitchFamily="18" charset="0"/>
+                                    </a:rPr>
+                                    <m:t>𝑤</m:t>
+                                  </m:r>
+                                </m:sub>
+                              </m:sSub>
+                              <m:r>
+                                <a:rPr lang="ru-RU" sz="3200" i="0">
+                                  <a:latin typeface="Cambria Math" panose="02040503050406030204" pitchFamily="18" charset="0"/>
+                                </a:rPr>
+                                <m:t>× </m:t>
+                              </m:r>
+                              <m:sSub>
+                                <m:sSubPr>
+                                  <m:ctrlPr>
+                                    <a:rPr lang="ru-RU" sz="3200" i="1">
+                                      <a:solidFill>
+                                        <a:srgbClr val="836967"/>
+                                      </a:solidFill>
+                                      <a:latin typeface="Cambria Math" panose="02040503050406030204" pitchFamily="18" charset="0"/>
+                                    </a:rPr>
+                                  </m:ctrlPr>
+                                </m:sSubPr>
+                                <m:e>
+                                  <m:r>
+                                    <a:rPr lang="ru-RU" sz="3200" i="1">
+                                      <a:latin typeface="Cambria Math" panose="02040503050406030204" pitchFamily="18" charset="0"/>
+                                    </a:rPr>
+                                    <m:t>𝐹</m:t>
+                                  </m:r>
+                                </m:e>
+                                <m:sub>
+                                  <m:r>
+                                    <a:rPr lang="ru-RU" sz="3200" i="1">
+                                      <a:latin typeface="Cambria Math" panose="02040503050406030204" pitchFamily="18" charset="0"/>
+                                    </a:rPr>
+                                    <m:t>𝑤</m:t>
+                                  </m:r>
+                                </m:sub>
+                              </m:sSub>
+                            </m:e>
+                          </m:nary>
+                        </m:num>
+                        <m:den>
+                          <m:nary>
+                            <m:naryPr>
+                              <m:chr m:val="∑"/>
+                              <m:subHide m:val="on"/>
+                              <m:supHide m:val="on"/>
+                              <m:ctrlPr>
+                                <a:rPr lang="ru-RU" sz="3200" i="1">
+                                  <a:latin typeface="Cambria Math" panose="02040503050406030204" pitchFamily="18" charset="0"/>
+                                </a:rPr>
+                              </m:ctrlPr>
+                            </m:naryPr>
+                            <m:sub/>
+                            <m:sup/>
+                            <m:e>
+                              <m:sSub>
+                                <m:sSubPr>
+                                  <m:ctrlPr>
+                                    <a:rPr lang="ru-RU" sz="3200" i="1">
+                                      <a:solidFill>
+                                        <a:srgbClr val="836967"/>
+                                      </a:solidFill>
+                                      <a:latin typeface="Cambria Math" panose="02040503050406030204" pitchFamily="18" charset="0"/>
+                                    </a:rPr>
+                                  </m:ctrlPr>
+                                </m:sSubPr>
+                                <m:e>
+                                  <m:r>
+                                    <a:rPr lang="ru-RU" sz="3200" i="1">
+                                      <a:latin typeface="Cambria Math" panose="02040503050406030204" pitchFamily="18" charset="0"/>
+                                    </a:rPr>
+                                    <m:t>𝐶</m:t>
+                                  </m:r>
+                                </m:e>
+                                <m:sub>
+                                  <m:r>
+                                    <a:rPr lang="ru-RU" sz="3200" i="1">
+                                      <a:latin typeface="Cambria Math" panose="02040503050406030204" pitchFamily="18" charset="0"/>
+                                    </a:rPr>
+                                    <m:t>𝑤</m:t>
+                                  </m:r>
+                                </m:sub>
+                              </m:sSub>
+                              <m:r>
+                                <a:rPr lang="ru-RU" sz="3200" i="0">
+                                  <a:latin typeface="Cambria Math" panose="02040503050406030204" pitchFamily="18" charset="0"/>
+                                </a:rPr>
+                                <m:t>× </m:t>
+                              </m:r>
+                              <m:sSub>
+                                <m:sSubPr>
+                                  <m:ctrlPr>
+                                    <a:rPr lang="ru-RU" sz="3200" i="1">
+                                      <a:solidFill>
+                                        <a:srgbClr val="836967"/>
+                                      </a:solidFill>
+                                      <a:latin typeface="Cambria Math" panose="02040503050406030204" pitchFamily="18" charset="0"/>
+                                    </a:rPr>
+                                  </m:ctrlPr>
+                                </m:sSubPr>
+                                <m:e>
+                                  <m:r>
+                                    <a:rPr lang="ru-RU" sz="3200" i="1">
+                                      <a:latin typeface="Cambria Math" panose="02040503050406030204" pitchFamily="18" charset="0"/>
+                                    </a:rPr>
+                                    <m:t>𝐹</m:t>
+                                  </m:r>
+                                </m:e>
+                                <m:sub>
+                                  <m:r>
+                                    <a:rPr lang="ru-RU" sz="3200" i="1">
+                                      <a:latin typeface="Cambria Math" panose="02040503050406030204" pitchFamily="18" charset="0"/>
+                                    </a:rPr>
+                                    <m:t>𝑤</m:t>
+                                  </m:r>
+                                </m:sub>
+                              </m:sSub>
+                            </m:e>
+                          </m:nary>
+                        </m:den>
+                      </m:f>
+                      <m:r>
+                        <a:rPr lang="ru-RU" sz="3200" i="0">
+                          <a:latin typeface="Cambria Math" panose="02040503050406030204" pitchFamily="18" charset="0"/>
+                        </a:rPr>
+                        <m:t>=</m:t>
+                      </m:r>
+                      <m:f>
+                        <m:fPr>
+                          <m:ctrlPr>
+                            <a:rPr lang="ru-RU" sz="3200" i="1">
+                              <a:solidFill>
+                                <a:srgbClr val="836967"/>
+                              </a:solidFill>
+                              <a:latin typeface="Cambria Math" panose="02040503050406030204" pitchFamily="18" charset="0"/>
+                            </a:rPr>
+                          </m:ctrlPr>
+                        </m:fPr>
+                        <m:num>
+                          <m:nary>
+                            <m:naryPr>
+                              <m:chr m:val="∑"/>
+                              <m:subHide m:val="on"/>
+                              <m:supHide m:val="on"/>
+                              <m:ctrlPr>
+                                <a:rPr lang="ru-RU" sz="3200" i="1">
+                                  <a:latin typeface="Cambria Math" panose="02040503050406030204" pitchFamily="18" charset="0"/>
+                                </a:rPr>
+                              </m:ctrlPr>
+                            </m:naryPr>
+                            <m:sub/>
+                            <m:sup/>
+                            <m:e>
+                              <m:d>
+                                <m:dPr>
+                                  <m:ctrlPr>
+                                    <a:rPr lang="ru-RU" sz="3200" i="1">
+                                      <a:latin typeface="Cambria Math" panose="02040503050406030204" pitchFamily="18" charset="0"/>
+                                    </a:rPr>
+                                  </m:ctrlPr>
+                                </m:dPr>
+                                <m:e>
+                                  <m:sSub>
+                                    <m:sSubPr>
+                                      <m:ctrlPr>
+                                        <a:rPr lang="ru-RU" sz="3200" i="1">
+                                          <a:solidFill>
+                                            <a:srgbClr val="836967"/>
+                                          </a:solidFill>
+                                          <a:latin typeface="Cambria Math" panose="02040503050406030204" pitchFamily="18" charset="0"/>
+                                        </a:rPr>
+                                      </m:ctrlPr>
+                                    </m:sSubPr>
+                                    <m:e>
+                                      <m:r>
+                                        <a:rPr lang="ru-RU" sz="3200" i="1">
+                                          <a:latin typeface="Cambria Math" panose="02040503050406030204" pitchFamily="18" charset="0"/>
+                                        </a:rPr>
+                                        <m:t>𝐶</m:t>
+                                      </m:r>
+                                    </m:e>
+                                    <m:sub>
+                                      <m:r>
+                                        <a:rPr lang="ru-RU" sz="3200" i="1">
+                                          <a:latin typeface="Cambria Math" panose="02040503050406030204" pitchFamily="18" charset="0"/>
+                                        </a:rPr>
+                                        <m:t>𝑤</m:t>
+                                      </m:r>
+                                    </m:sub>
+                                  </m:sSub>
+                                  <m:r>
+                                    <a:rPr lang="ru-RU" sz="3200" i="0">
+                                      <a:latin typeface="Cambria Math" panose="02040503050406030204" pitchFamily="18" charset="0"/>
+                                    </a:rPr>
+                                    <m:t> + </m:t>
+                                  </m:r>
+                                  <m:sSub>
+                                    <m:sSubPr>
+                                      <m:ctrlPr>
+                                        <a:rPr lang="ru-RU" sz="3200" i="1">
+                                          <a:solidFill>
+                                            <a:srgbClr val="836967"/>
+                                          </a:solidFill>
+                                          <a:latin typeface="Cambria Math" panose="02040503050406030204" pitchFamily="18" charset="0"/>
+                                        </a:rPr>
+                                      </m:ctrlPr>
+                                    </m:sSubPr>
+                                    <m:e>
+                                      <m:r>
+                                        <a:rPr lang="ru-RU" sz="3200" i="1">
+                                          <a:latin typeface="Cambria Math" panose="02040503050406030204" pitchFamily="18" charset="0"/>
+                                        </a:rPr>
+                                        <m:t>𝑂</m:t>
+                                      </m:r>
+                                    </m:e>
+                                    <m:sub>
+                                      <m:r>
+                                        <a:rPr lang="ru-RU" sz="3200" i="1">
+                                          <a:latin typeface="Cambria Math" panose="02040503050406030204" pitchFamily="18" charset="0"/>
+                                        </a:rPr>
+                                        <m:t>𝑤</m:t>
+                                      </m:r>
+                                    </m:sub>
+                                  </m:sSub>
+                                </m:e>
+                              </m:d>
+                              <m:r>
+                                <a:rPr lang="ru-RU" sz="3200" i="0">
+                                  <a:latin typeface="Cambria Math" panose="02040503050406030204" pitchFamily="18" charset="0"/>
+                                </a:rPr>
+                                <m:t>× </m:t>
+                              </m:r>
+                              <m:sSub>
+                                <m:sSubPr>
+                                  <m:ctrlPr>
+                                    <a:rPr lang="ru-RU" sz="3200" i="1">
+                                      <a:solidFill>
+                                        <a:srgbClr val="836967"/>
+                                      </a:solidFill>
+                                      <a:latin typeface="Cambria Math" panose="02040503050406030204" pitchFamily="18" charset="0"/>
+                                    </a:rPr>
+                                  </m:ctrlPr>
+                                </m:sSubPr>
+                                <m:e>
+                                  <m:r>
+                                    <a:rPr lang="ru-RU" sz="3200" i="1">
+                                      <a:latin typeface="Cambria Math" panose="02040503050406030204" pitchFamily="18" charset="0"/>
+                                    </a:rPr>
+                                    <m:t>𝐹</m:t>
+                                  </m:r>
+                                </m:e>
+                                <m:sub>
+                                  <m:r>
+                                    <a:rPr lang="ru-RU" sz="3200" i="1">
+                                      <a:latin typeface="Cambria Math" panose="02040503050406030204" pitchFamily="18" charset="0"/>
+                                    </a:rPr>
+                                    <m:t>𝑤</m:t>
+                                  </m:r>
+                                </m:sub>
+                              </m:sSub>
+                            </m:e>
+                          </m:nary>
+                        </m:num>
+                        <m:den>
+                          <m:nary>
+                            <m:naryPr>
+                              <m:chr m:val="∑"/>
+                              <m:subHide m:val="on"/>
+                              <m:supHide m:val="on"/>
+                              <m:ctrlPr>
+                                <a:rPr lang="ru-RU" sz="3200" i="1">
+                                  <a:latin typeface="Cambria Math" panose="02040503050406030204" pitchFamily="18" charset="0"/>
+                                </a:rPr>
+                              </m:ctrlPr>
+                            </m:naryPr>
+                            <m:sub/>
+                            <m:sup/>
+                            <m:e>
+                              <m:sSub>
+                                <m:sSubPr>
+                                  <m:ctrlPr>
+                                    <a:rPr lang="ru-RU" sz="3200" i="1">
+                                      <a:solidFill>
+                                        <a:srgbClr val="836967"/>
+                                      </a:solidFill>
+                                      <a:latin typeface="Cambria Math" panose="02040503050406030204" pitchFamily="18" charset="0"/>
+                                    </a:rPr>
+                                  </m:ctrlPr>
+                                </m:sSubPr>
+                                <m:e>
+                                  <m:r>
+                                    <a:rPr lang="ru-RU" sz="3200" i="1">
+                                      <a:latin typeface="Cambria Math" panose="02040503050406030204" pitchFamily="18" charset="0"/>
+                                    </a:rPr>
+                                    <m:t>𝐶</m:t>
+                                  </m:r>
+                                </m:e>
+                                <m:sub>
+                                  <m:r>
+                                    <a:rPr lang="ru-RU" sz="3200" i="1">
+                                      <a:latin typeface="Cambria Math" panose="02040503050406030204" pitchFamily="18" charset="0"/>
+                                    </a:rPr>
+                                    <m:t>𝑤</m:t>
+                                  </m:r>
+                                </m:sub>
+                              </m:sSub>
+                              <m:r>
+                                <a:rPr lang="ru-RU" sz="3200" i="0">
+                                  <a:latin typeface="Cambria Math" panose="02040503050406030204" pitchFamily="18" charset="0"/>
+                                </a:rPr>
+                                <m:t>× </m:t>
+                              </m:r>
+                              <m:sSub>
+                                <m:sSubPr>
+                                  <m:ctrlPr>
+                                    <a:rPr lang="ru-RU" sz="3200" i="1">
+                                      <a:solidFill>
+                                        <a:srgbClr val="836967"/>
+                                      </a:solidFill>
+                                      <a:latin typeface="Cambria Math" panose="02040503050406030204" pitchFamily="18" charset="0"/>
+                                    </a:rPr>
+                                  </m:ctrlPr>
+                                </m:sSubPr>
+                                <m:e>
+                                  <m:r>
+                                    <a:rPr lang="ru-RU" sz="3200" i="1">
+                                      <a:latin typeface="Cambria Math" panose="02040503050406030204" pitchFamily="18" charset="0"/>
+                                    </a:rPr>
+                                    <m:t>𝐹</m:t>
+                                  </m:r>
+                                </m:e>
+                                <m:sub>
+                                  <m:r>
+                                    <a:rPr lang="ru-RU" sz="3200" i="1">
+                                      <a:latin typeface="Cambria Math" panose="02040503050406030204" pitchFamily="18" charset="0"/>
+                                    </a:rPr>
+                                    <m:t>𝑤</m:t>
+                                  </m:r>
+                                </m:sub>
+                              </m:sSub>
+                            </m:e>
+                          </m:nary>
+                        </m:den>
+                      </m:f>
+                    </m:oMath>
+                  </m:oMathPara>
+                </a14:m>
+                <a:endParaRPr lang="ru-RU" dirty="0"/>
+              </a:p>
+            </p:txBody>
+          </p:sp>
+        </mc:Choice>
+        <mc:Fallback xmlns="">
+          <p:sp>
+            <p:nvSpPr>
+              <p:cNvPr id="9" name="TextBox 8">
+                <a:extLst>
+                  <a:ext uri="{FF2B5EF4-FFF2-40B4-BE49-F238E27FC236}">
+                    <a16:creationId xmlns:a16="http://schemas.microsoft.com/office/drawing/2014/main" id="{639A1C8D-D9F0-4581-A3F5-A97497538F9D}"/>
+                  </a:ext>
+                </a:extLst>
+              </p:cNvPr>
+              <p:cNvSpPr txBox="1">
+                <a:spLocks noRot="1" noChangeAspect="1" noMove="1" noResize="1" noEditPoints="1" noAdjustHandles="1" noChangeArrowheads="1" noChangeShapeType="1" noTextEdit="1"/>
+              </p:cNvSpPr>
+              <p:nvPr/>
+            </p:nvSpPr>
+            <p:spPr>
+              <a:xfrm>
+                <a:off x="9549543" y="5975219"/>
+                <a:ext cx="12195110" cy="1130951"/>
+              </a:xfrm>
+              <a:prstGeom prst="rect">
+                <a:avLst/>
+              </a:prstGeom>
+              <a:blipFill>
+                <a:blip r:embed="rId3"/>
+                <a:stretch>
+                  <a:fillRect/>
+                </a:stretch>
+              </a:blipFill>
+              <a:ln w="12700" cap="flat">
+                <a:noFill/>
+                <a:miter lim="400000"/>
+              </a:ln>
+              <a:effectLst/>
+            </p:spPr>
+            <p:txBody>
+              <a:bodyPr/>
+              <a:lstStyle/>
+              <a:p>
+                <a:r>
+                  <a:rPr lang="ru-RU">
+                    <a:noFill/>
+                  </a:rPr>
+                  <a:t> </a:t>
+                </a:r>
+              </a:p>
+            </p:txBody>
+          </p:sp>
+        </mc:Fallback>
+      </mc:AlternateContent>
+      <mc:AlternateContent xmlns:mc="http://schemas.openxmlformats.org/markup-compatibility/2006" xmlns:a14="http://schemas.microsoft.com/office/drawing/2010/main">
+        <mc:Choice Requires="a14">
+          <p:sp>
+            <p:nvSpPr>
+              <p:cNvPr id="4" name="TextBox 3">
+                <a:extLst>
+                  <a:ext uri="{FF2B5EF4-FFF2-40B4-BE49-F238E27FC236}">
+                    <a16:creationId xmlns:a16="http://schemas.microsoft.com/office/drawing/2014/main" id="{1C3408A4-C12B-48E4-8206-60AE41E4F862}"/>
+                  </a:ext>
+                </a:extLst>
+              </p:cNvPr>
+              <p:cNvSpPr txBox="1"/>
+              <p:nvPr/>
+            </p:nvSpPr>
+            <p:spPr>
+              <a:xfrm>
+                <a:off x="11338744" y="8104065"/>
+                <a:ext cx="12413248" cy="3591367"/>
+              </a:xfrm>
+              <a:prstGeom prst="rect">
+                <a:avLst/>
+              </a:prstGeom>
+              <a:noFill/>
+              <a:ln w="12700" cap="flat">
+                <a:noFill/>
+                <a:miter lim="400000"/>
+              </a:ln>
+              <a:effectLst/>
+              <a:sp3d/>
+            </p:spPr>
+            <p:style>
+              <a:lnRef idx="0">
+                <a:scrgbClr r="0" g="0" b="0"/>
+              </a:lnRef>
+              <a:fillRef idx="0">
+                <a:scrgbClr r="0" g="0" b="0"/>
+              </a:fillRef>
+              <a:effectRef idx="0">
+                <a:scrgbClr r="0" g="0" b="0"/>
+              </a:effectRef>
+              <a:fontRef idx="none"/>
+            </p:style>
+            <p:txBody>
+              <a:bodyPr rot="0" spcFirstLastPara="1" vertOverflow="overflow" horzOverflow="overflow" vert="horz" wrap="square" lIns="71437" tIns="71437" rIns="71437" bIns="71437" numCol="1" spcCol="38100" rtlCol="0" anchor="ctr">
+                <a:spAutoFit/>
+              </a:bodyPr>
+              <a:lstStyle/>
+              <a:p>
+                <a:pPr marL="0" marR="0" indent="0" algn="l" defTabSz="821531" rtl="0" fontAlgn="auto" latinLnBrk="0" hangingPunct="0">
+                  <a:lnSpc>
+                    <a:spcPct val="100000"/>
+                  </a:lnSpc>
+                  <a:spcBef>
+                    <a:spcPts val="0"/>
+                  </a:spcBef>
+                  <a:spcAft>
+                    <a:spcPts val="0"/>
+                  </a:spcAft>
+                  <a:buClrTx/>
+                  <a:buSzTx/>
+                  <a:buFontTx/>
+                  <a:buNone/>
+                  <a:tabLst/>
+                </a:pPr>
+                <a:r>
+                  <a:rPr lang="en-US" sz="3200" dirty="0"/>
+                  <a:t>w</a:t>
+                </a:r>
+                <a:r>
+                  <a:rPr kumimoji="0" lang="en-US" sz="3200" b="0" i="0" u="none" strike="noStrike" cap="none" spc="0" normalizeH="0" baseline="0" dirty="0">
+                    <a:ln>
+                      <a:noFill/>
+                    </a:ln>
+                    <a:solidFill>
+                      <a:srgbClr val="000000"/>
+                    </a:solidFill>
+                    <a:effectLst/>
+                    <a:uFillTx/>
+                    <a:latin typeface="+mj-lt"/>
+                    <a:ea typeface="+mj-ea"/>
+                    <a:cs typeface="+mj-cs"/>
+                    <a:sym typeface="Helvetica Light"/>
+                  </a:rPr>
+                  <a:t>here:</a:t>
+                </a:r>
+              </a:p>
+              <a:p>
+                <a:pPr marL="0" marR="0" indent="0" algn="l" defTabSz="821531" rtl="0" fontAlgn="auto" latinLnBrk="0" hangingPunct="0">
+                  <a:lnSpc>
+                    <a:spcPct val="100000"/>
+                  </a:lnSpc>
+                  <a:spcBef>
+                    <a:spcPts val="0"/>
+                  </a:spcBef>
+                  <a:spcAft>
+                    <a:spcPts val="0"/>
+                  </a:spcAft>
+                  <a:buClrTx/>
+                  <a:buSzTx/>
+                  <a:buFontTx/>
+                  <a:buNone/>
+                  <a:tabLst/>
+                </a:pPr>
+                <a14:m>
+                  <m:oMath xmlns:m="http://schemas.openxmlformats.org/officeDocument/2006/math">
+                    <m:sSub>
+                      <m:sSubPr>
+                        <m:ctrlPr>
+                          <a:rPr lang="ru-RU" sz="3200" i="1" smtClean="0">
+                            <a:effectLst/>
+                            <a:latin typeface="Cambria Math" panose="02040503050406030204" pitchFamily="18" charset="0"/>
+                            <a:ea typeface="Times New Roman" panose="02020603050405020304" pitchFamily="18" charset="0"/>
+                          </a:rPr>
+                        </m:ctrlPr>
+                      </m:sSubPr>
+                      <m:e>
+                        <m:r>
+                          <a:rPr lang="ru-RU" sz="3200" i="1">
+                            <a:effectLst/>
+                            <a:latin typeface="Cambria Math" panose="02040503050406030204" pitchFamily="18" charset="0"/>
+                            <a:ea typeface="Times New Roman" panose="02020603050405020304" pitchFamily="18" charset="0"/>
+                            <a:cs typeface="Times New Roman" panose="02020603050405020304" pitchFamily="18" charset="0"/>
+                          </a:rPr>
+                          <m:t>𝐾</m:t>
+                        </m:r>
+                      </m:e>
+                      <m:sub>
+                        <m:r>
+                          <a:rPr lang="ru-RU" sz="3200" i="1">
+                            <a:effectLst/>
+                            <a:latin typeface="Cambria Math" panose="02040503050406030204" pitchFamily="18" charset="0"/>
+                            <a:ea typeface="Times New Roman" panose="02020603050405020304" pitchFamily="18" charset="0"/>
+                            <a:cs typeface="Times New Roman" panose="02020603050405020304" pitchFamily="18" charset="0"/>
+                          </a:rPr>
+                          <m:t>𝑤</m:t>
+                        </m:r>
+                      </m:sub>
+                    </m:sSub>
+                    <m:r>
+                      <a:rPr lang="en-US" sz="3200" b="0" i="0" smtClean="0">
+                        <a:effectLst/>
+                        <a:latin typeface="Cambria Math" panose="02040503050406030204" pitchFamily="18" charset="0"/>
+                        <a:ea typeface="Times New Roman" panose="02020603050405020304" pitchFamily="18" charset="0"/>
+                        <a:cs typeface="Times New Roman" panose="02020603050405020304" pitchFamily="18" charset="0"/>
+                      </a:rPr>
+                      <m:t> </m:t>
+                    </m:r>
+                  </m:oMath>
+                </a14:m>
+                <a:r>
+                  <a:rPr kumimoji="0" lang="en-US" sz="3200" b="0" i="0" u="none" strike="noStrike" cap="none" spc="0" normalizeH="0" baseline="0" dirty="0">
+                    <a:ln>
+                      <a:noFill/>
+                    </a:ln>
+                    <a:solidFill>
+                      <a:srgbClr val="000000"/>
+                    </a:solidFill>
+                    <a:effectLst/>
+                    <a:uFillTx/>
+                    <a:sym typeface="Helvetica Light"/>
+                  </a:rPr>
+                  <a:t>- the number of keystrokes required</a:t>
+                </a:r>
+                <a:r>
+                  <a:rPr kumimoji="0" lang="en-US" sz="3200" b="0" i="0" u="none" strike="noStrike" cap="none" spc="0" normalizeH="0" dirty="0">
+                    <a:ln>
+                      <a:noFill/>
+                    </a:ln>
+                    <a:solidFill>
+                      <a:srgbClr val="000000"/>
+                    </a:solidFill>
+                    <a:effectLst/>
+                    <a:uFillTx/>
+                    <a:sym typeface="Helvetica Light"/>
+                  </a:rPr>
+                  <a:t> to enter a word,</a:t>
+                </a:r>
+              </a:p>
+              <a:p>
+                <a:pPr marL="0" marR="0" indent="0" algn="l" defTabSz="821531" rtl="0" fontAlgn="auto" latinLnBrk="0" hangingPunct="0">
+                  <a:lnSpc>
+                    <a:spcPct val="100000"/>
+                  </a:lnSpc>
+                  <a:spcBef>
+                    <a:spcPts val="0"/>
+                  </a:spcBef>
+                  <a:spcAft>
+                    <a:spcPts val="0"/>
+                  </a:spcAft>
+                  <a:buClrTx/>
+                  <a:buSzTx/>
+                  <a:buFontTx/>
+                  <a:buNone/>
+                  <a:tabLst/>
+                </a:pPr>
+                <a14:m>
+                  <m:oMath xmlns:m="http://schemas.openxmlformats.org/officeDocument/2006/math">
+                    <m:sSub>
+                      <m:sSubPr>
+                        <m:ctrlPr>
+                          <a:rPr lang="ru-RU" sz="3200" i="1" smtClean="0">
+                            <a:effectLst/>
+                            <a:latin typeface="Cambria Math" panose="02040503050406030204" pitchFamily="18" charset="0"/>
+                            <a:ea typeface="Times New Roman" panose="02020603050405020304" pitchFamily="18" charset="0"/>
+                          </a:rPr>
+                        </m:ctrlPr>
+                      </m:sSubPr>
+                      <m:e>
+                        <m:r>
+                          <a:rPr lang="ru-RU" sz="3200" i="1">
+                            <a:effectLst/>
+                            <a:latin typeface="Cambria Math" panose="02040503050406030204" pitchFamily="18" charset="0"/>
+                            <a:ea typeface="Times New Roman" panose="02020603050405020304" pitchFamily="18" charset="0"/>
+                            <a:cs typeface="Times New Roman" panose="02020603050405020304" pitchFamily="18" charset="0"/>
+                          </a:rPr>
+                          <m:t>𝐶</m:t>
+                        </m:r>
+                      </m:e>
+                      <m:sub>
+                        <m:r>
+                          <a:rPr lang="ru-RU" sz="3200" i="1">
+                            <a:effectLst/>
+                            <a:latin typeface="Cambria Math" panose="02040503050406030204" pitchFamily="18" charset="0"/>
+                            <a:ea typeface="Times New Roman" panose="02020603050405020304" pitchFamily="18" charset="0"/>
+                            <a:cs typeface="Times New Roman" panose="02020603050405020304" pitchFamily="18" charset="0"/>
+                          </a:rPr>
+                          <m:t>𝑤</m:t>
+                        </m:r>
+                      </m:sub>
+                    </m:sSub>
+                    <m:r>
+                      <a:rPr lang="en-US" sz="3200" b="0" i="0" smtClean="0">
+                        <a:effectLst/>
+                        <a:latin typeface="Cambria Math" panose="02040503050406030204" pitchFamily="18" charset="0"/>
+                        <a:ea typeface="Times New Roman" panose="02020603050405020304" pitchFamily="18" charset="0"/>
+                        <a:cs typeface="Times New Roman" panose="02020603050405020304" pitchFamily="18" charset="0"/>
+                      </a:rPr>
+                      <m:t> </m:t>
+                    </m:r>
+                  </m:oMath>
+                </a14:m>
+                <a:r>
+                  <a:rPr kumimoji="0" lang="en-US" sz="3200" b="0" i="0" u="none" strike="noStrike" cap="none" spc="0" normalizeH="0" baseline="0" dirty="0">
+                    <a:ln>
+                      <a:noFill/>
+                    </a:ln>
+                    <a:solidFill>
+                      <a:srgbClr val="000000"/>
+                    </a:solidFill>
+                    <a:effectLst/>
+                    <a:uFillTx/>
+                    <a:sym typeface="Helvetica Light"/>
+                  </a:rPr>
+                  <a:t>- the number of characters in the word,</a:t>
+                </a:r>
+              </a:p>
+              <a:p>
+                <a:pPr marL="0" marR="0" indent="0" algn="l" defTabSz="821531" rtl="0" fontAlgn="auto" latinLnBrk="0" hangingPunct="0">
+                  <a:lnSpc>
+                    <a:spcPct val="100000"/>
+                  </a:lnSpc>
+                  <a:spcBef>
+                    <a:spcPts val="0"/>
+                  </a:spcBef>
+                  <a:spcAft>
+                    <a:spcPts val="0"/>
+                  </a:spcAft>
+                  <a:buClrTx/>
+                  <a:buSzTx/>
+                  <a:buFontTx/>
+                  <a:buNone/>
+                  <a:tabLst/>
+                </a:pPr>
+                <a14:m>
+                  <m:oMath xmlns:m="http://schemas.openxmlformats.org/officeDocument/2006/math">
+                    <m:sSub>
+                      <m:sSubPr>
+                        <m:ctrlPr>
+                          <a:rPr lang="ru-RU" sz="3200" i="1" smtClean="0">
+                            <a:effectLst/>
+                            <a:latin typeface="Cambria Math" panose="02040503050406030204" pitchFamily="18" charset="0"/>
+                            <a:ea typeface="Times New Roman" panose="02020603050405020304" pitchFamily="18" charset="0"/>
+                          </a:rPr>
+                        </m:ctrlPr>
+                      </m:sSubPr>
+                      <m:e>
+                        <m:r>
+                          <a:rPr lang="ru-RU" sz="3200" i="1">
+                            <a:effectLst/>
+                            <a:latin typeface="Cambria Math" panose="02040503050406030204" pitchFamily="18" charset="0"/>
+                            <a:ea typeface="Times New Roman" panose="02020603050405020304" pitchFamily="18" charset="0"/>
+                            <a:cs typeface="Times New Roman" panose="02020603050405020304" pitchFamily="18" charset="0"/>
+                          </a:rPr>
+                          <m:t>𝐹</m:t>
+                        </m:r>
+                      </m:e>
+                      <m:sub>
+                        <m:r>
+                          <a:rPr lang="ru-RU" sz="3200" i="1">
+                            <a:effectLst/>
+                            <a:latin typeface="Cambria Math" panose="02040503050406030204" pitchFamily="18" charset="0"/>
+                            <a:ea typeface="Times New Roman" panose="02020603050405020304" pitchFamily="18" charset="0"/>
+                            <a:cs typeface="Times New Roman" panose="02020603050405020304" pitchFamily="18" charset="0"/>
+                          </a:rPr>
+                          <m:t>𝑤</m:t>
+                        </m:r>
+                      </m:sub>
+                    </m:sSub>
+                    <m:r>
+                      <a:rPr lang="en-US" sz="3200" b="0" i="0" smtClean="0">
+                        <a:effectLst/>
+                        <a:latin typeface="Cambria Math" panose="02040503050406030204" pitchFamily="18" charset="0"/>
+                        <a:ea typeface="Times New Roman" panose="02020603050405020304" pitchFamily="18" charset="0"/>
+                        <a:cs typeface="Times New Roman" panose="02020603050405020304" pitchFamily="18" charset="0"/>
+                      </a:rPr>
+                      <m:t> </m:t>
+                    </m:r>
+                  </m:oMath>
+                </a14:m>
+                <a:r>
+                  <a:rPr kumimoji="0" lang="en-US" sz="3200" b="0" i="0" u="none" strike="noStrike" cap="none" spc="0" normalizeH="0" baseline="0" dirty="0">
+                    <a:ln>
+                      <a:noFill/>
+                    </a:ln>
+                    <a:solidFill>
+                      <a:srgbClr val="000000"/>
+                    </a:solidFill>
+                    <a:effectLst/>
+                    <a:uFillTx/>
+                    <a:sym typeface="Helvetica Light"/>
+                  </a:rPr>
+                  <a:t>- the frequency of the</a:t>
+                </a:r>
+                <a:r>
+                  <a:rPr kumimoji="0" lang="en-US" sz="3200" b="0" i="0" u="none" strike="noStrike" cap="none" spc="0" normalizeH="0" dirty="0">
+                    <a:ln>
+                      <a:noFill/>
+                    </a:ln>
+                    <a:solidFill>
+                      <a:srgbClr val="000000"/>
+                    </a:solidFill>
+                    <a:effectLst/>
+                    <a:uFillTx/>
+                    <a:sym typeface="Helvetica Light"/>
+                  </a:rPr>
+                  <a:t> word in the corpus,</a:t>
+                </a:r>
+              </a:p>
+              <a:p>
+                <a:pPr marL="0" marR="0" indent="0" algn="l" defTabSz="821531" rtl="0" fontAlgn="auto" latinLnBrk="0" hangingPunct="0">
+                  <a:lnSpc>
+                    <a:spcPct val="100000"/>
+                  </a:lnSpc>
+                  <a:spcBef>
+                    <a:spcPts val="0"/>
+                  </a:spcBef>
+                  <a:spcAft>
+                    <a:spcPts val="0"/>
+                  </a:spcAft>
+                  <a:buClrTx/>
+                  <a:buSzTx/>
+                  <a:buFontTx/>
+                  <a:buNone/>
+                  <a:tabLst/>
+                </a:pPr>
+                <a:endParaRPr kumimoji="0" lang="en-US" sz="3200" b="0" i="0" u="none" strike="noStrike" cap="none" spc="0" normalizeH="0" dirty="0">
+                  <a:ln>
+                    <a:noFill/>
+                  </a:ln>
+                  <a:solidFill>
+                    <a:srgbClr val="000000"/>
+                  </a:solidFill>
+                  <a:effectLst/>
+                  <a:uFillTx/>
+                  <a:sym typeface="Helvetica Light"/>
+                </a:endParaRPr>
+              </a:p>
+              <a:p>
+                <a:pPr algn="l"/>
+                <a14:m>
+                  <m:oMath xmlns:m="http://schemas.openxmlformats.org/officeDocument/2006/math">
+                    <m:sSub>
+                      <m:sSubPr>
+                        <m:ctrlPr>
+                          <a:rPr lang="ru-RU" sz="3200" i="1" smtClean="0">
+                            <a:effectLst/>
+                            <a:latin typeface="Cambria Math" panose="02040503050406030204" pitchFamily="18" charset="0"/>
+                            <a:ea typeface="Times New Roman" panose="02020603050405020304" pitchFamily="18" charset="0"/>
+                          </a:rPr>
+                        </m:ctrlPr>
+                      </m:sSubPr>
+                      <m:e>
+                        <m:r>
+                          <a:rPr lang="ru-RU" sz="3200" i="1">
+                            <a:effectLst/>
+                            <a:latin typeface="Cambria Math" panose="02040503050406030204" pitchFamily="18" charset="0"/>
+                            <a:ea typeface="Times New Roman" panose="02020603050405020304" pitchFamily="18" charset="0"/>
+                            <a:cs typeface="Times New Roman" panose="02020603050405020304" pitchFamily="18" charset="0"/>
+                          </a:rPr>
+                          <m:t>𝑂</m:t>
+                        </m:r>
+                      </m:e>
+                      <m:sub>
+                        <m:r>
+                          <a:rPr lang="ru-RU" sz="3200" i="1">
+                            <a:effectLst/>
+                            <a:latin typeface="Cambria Math" panose="02040503050406030204" pitchFamily="18" charset="0"/>
+                            <a:ea typeface="Times New Roman" panose="02020603050405020304" pitchFamily="18" charset="0"/>
+                            <a:cs typeface="Times New Roman" panose="02020603050405020304" pitchFamily="18" charset="0"/>
+                          </a:rPr>
+                          <m:t>𝑤</m:t>
+                        </m:r>
+                      </m:sub>
+                    </m:sSub>
+                    <m:r>
+                      <a:rPr lang="en-US" sz="3200" b="0" i="0" smtClean="0">
+                        <a:effectLst/>
+                        <a:latin typeface="Cambria Math" panose="02040503050406030204" pitchFamily="18" charset="0"/>
+                        <a:ea typeface="Times New Roman" panose="02020603050405020304" pitchFamily="18" charset="0"/>
+                        <a:cs typeface="Times New Roman" panose="02020603050405020304" pitchFamily="18" charset="0"/>
+                      </a:rPr>
+                      <m:t> </m:t>
+                    </m:r>
+                  </m:oMath>
+                </a14:m>
+                <a:r>
+                  <a:rPr lang="en-US" sz="3200" dirty="0"/>
+                  <a:t>- the ordinal number of a word among all words with the same code for a given layout sorted by frequency. (zero based)</a:t>
+                </a:r>
+                <a:endParaRPr kumimoji="0" lang="ru-RU" sz="3200" b="0" i="0" u="none" strike="noStrike" cap="none" spc="0" normalizeH="0" baseline="0" dirty="0">
+                  <a:ln>
+                    <a:noFill/>
+                  </a:ln>
+                  <a:solidFill>
+                    <a:srgbClr val="000000"/>
+                  </a:solidFill>
+                  <a:effectLst/>
+                  <a:uFillTx/>
+                  <a:sym typeface="Helvetica Light"/>
+                </a:endParaRPr>
+              </a:p>
+            </p:txBody>
+          </p:sp>
+        </mc:Choice>
+        <mc:Fallback xmlns="">
+          <p:sp>
+            <p:nvSpPr>
+              <p:cNvPr id="4" name="TextBox 3">
+                <a:extLst>
+                  <a:ext uri="{FF2B5EF4-FFF2-40B4-BE49-F238E27FC236}">
+                    <a16:creationId xmlns:a16="http://schemas.microsoft.com/office/drawing/2014/main" id="{1C3408A4-C12B-48E4-8206-60AE41E4F862}"/>
+                  </a:ext>
+                </a:extLst>
+              </p:cNvPr>
+              <p:cNvSpPr txBox="1">
+                <a:spLocks noRot="1" noChangeAspect="1" noMove="1" noResize="1" noEditPoints="1" noAdjustHandles="1" noChangeArrowheads="1" noChangeShapeType="1" noTextEdit="1"/>
+              </p:cNvSpPr>
+              <p:nvPr/>
+            </p:nvSpPr>
+            <p:spPr>
+              <a:xfrm>
+                <a:off x="11338744" y="8104065"/>
+                <a:ext cx="12413248" cy="3591367"/>
+              </a:xfrm>
+              <a:prstGeom prst="rect">
+                <a:avLst/>
+              </a:prstGeom>
+              <a:blipFill>
+                <a:blip r:embed="rId4"/>
+                <a:stretch>
+                  <a:fillRect l="-1424" t="-1017" b="-4237"/>
+                </a:stretch>
+              </a:blipFill>
+              <a:ln w="12700" cap="flat">
+                <a:noFill/>
+                <a:miter lim="400000"/>
+              </a:ln>
+              <a:effectLst/>
+            </p:spPr>
+            <p:txBody>
+              <a:bodyPr/>
+              <a:lstStyle/>
+              <a:p>
+                <a:r>
+                  <a:rPr lang="ru-RU">
+                    <a:noFill/>
+                  </a:rPr>
+                  <a:t> </a:t>
+                </a:r>
+              </a:p>
+            </p:txBody>
+          </p:sp>
+        </mc:Fallback>
+      </mc:AlternateContent>
     </p:spTree>
   </p:cSld>
   <p:clrMapOvr>
     <a:masterClrMapping/>
   </p:clrMapOvr>
   <p:transition spd="med"/>
-  <p:timing>
-    <p:tnLst>
-      <p:par>
-        <p:cTn id="1" dur="indefinite" restart="never" nodeType="tmRoot"/>
-      </p:par>
-    </p:tnLst>
-  </p:timing>
 </p:sld>
 </file>
 
@@ -3762,7 +4671,7 @@
           </a:ln>
           <a:extLst>
             <a:ext uri="{C572A759-6A51-4108-AA02-DFA0A04FC94B}">
-              <ma14:wrappingTextBoxFlag xmlns:ma14="http://schemas.microsoft.com/office/mac/drawingml/2011/main" xmlns:a14="http://schemas.microsoft.com/office/drawing/2010/main" xmlns:m="http://schemas.openxmlformats.org/officeDocument/2006/math" xmlns="" val="1"/>
+              <ma14:wrappingTextBoxFlag xmlns="" xmlns:m="http://schemas.openxmlformats.org/officeDocument/2006/math" xmlns:a14="http://schemas.microsoft.com/office/drawing/2010/main" xmlns:ma14="http://schemas.microsoft.com/office/mac/drawingml/2011/main" val="1"/>
             </a:ext>
           </a:extLst>
         </p:spPr>
@@ -3782,7 +4691,7 @@
               </a:defRPr>
             </a:pPr>
             <a:r>
-              <a:rPr lang="en-US" dirty="0" smtClean="0"/>
+              <a:rPr lang="en-US" dirty="0"/>
               <a:t>Objective function</a:t>
             </a:r>
             <a:endParaRPr dirty="0"/>
@@ -3800,15 +4709,15 @@
               </a:defRPr>
             </a:pPr>
             <a:r>
-              <a:rPr lang="en-US" dirty="0" smtClean="0"/>
+              <a:rPr lang="en-US" dirty="0"/>
               <a:t>Secondary metric – </a:t>
             </a:r>
             <a:r>
-              <a:rPr lang="en-US" b="1" dirty="0" smtClean="0"/>
+              <a:rPr lang="en-US" b="1" dirty="0"/>
               <a:t>Learning Performance</a:t>
             </a:r>
             <a:r>
-              <a:rPr lang="en-US" dirty="0" smtClean="0"/>
+              <a:rPr lang="en-US" dirty="0"/>
               <a:t> (LP)</a:t>
             </a:r>
             <a:endParaRPr dirty="0"/>
@@ -3866,7 +4775,7 @@
           </a:ln>
           <a:extLst>
             <a:ext uri="{C572A759-6A51-4108-AA02-DFA0A04FC94B}">
-              <ma14:wrappingTextBoxFlag xmlns:ma14="http://schemas.microsoft.com/office/mac/drawingml/2011/main" xmlns:a14="http://schemas.microsoft.com/office/drawing/2010/main" xmlns:m="http://schemas.openxmlformats.org/officeDocument/2006/math" xmlns="" val="1"/>
+              <ma14:wrappingTextBoxFlag xmlns="" xmlns:m="http://schemas.openxmlformats.org/officeDocument/2006/math" xmlns:a14="http://schemas.microsoft.com/office/drawing/2010/main" xmlns:ma14="http://schemas.microsoft.com/office/mac/drawingml/2011/main" val="1"/>
             </a:ext>
           </a:extLst>
         </p:spPr>
@@ -3889,7 +4798,7 @@
           </a:lstStyle>
           <a:p>
             <a:r>
-              <a:rPr lang="ru-RU" dirty="0" smtClean="0"/>
+              <a:rPr lang="ru-RU" dirty="0"/>
               <a:t>ФКН, Программная инженерия</a:t>
             </a:r>
             <a:endParaRPr dirty="0"/>
@@ -3905,9 +4814,7 @@
           <p:nvPr/>
         </p:nvPicPr>
         <p:blipFill>
-          <a:blip r:embed="rId2">
-            <a:extLst/>
-          </a:blip>
+          <a:blip r:embed="rId2"/>
           <a:stretch>
             <a:fillRect/>
           </a:stretch>
@@ -3944,7 +4851,7 @@
           </a:ln>
           <a:extLst>
             <a:ext uri="{C572A759-6A51-4108-AA02-DFA0A04FC94B}">
-              <ma14:wrappingTextBoxFlag xmlns:ma14="http://schemas.microsoft.com/office/mac/drawingml/2011/main" xmlns:a14="http://schemas.microsoft.com/office/drawing/2010/main" xmlns:m="http://schemas.openxmlformats.org/officeDocument/2006/math" xmlns="" val="1"/>
+              <ma14:wrappingTextBoxFlag xmlns="" xmlns:m="http://schemas.openxmlformats.org/officeDocument/2006/math" xmlns:a14="http://schemas.microsoft.com/office/drawing/2010/main" xmlns:ma14="http://schemas.microsoft.com/office/mac/drawingml/2011/main" val="1"/>
             </a:ext>
           </a:extLst>
         </p:spPr>
@@ -3967,22 +4874,16 @@
               </a:defRPr>
             </a:pPr>
             <a:r>
-              <a:rPr lang="en-US" sz="3200" b="1" dirty="0" smtClean="0">
+              <a:rPr lang="en-US" sz="3200" b="1" dirty="0">
                 <a:sym typeface="Arial Narrow"/>
               </a:rPr>
               <a:t>Learning Performance (LP) </a:t>
             </a:r>
             <a:r>
-              <a:rPr lang="en-US" sz="3200" dirty="0" smtClean="0">
-                <a:sym typeface="Arial Narrow"/>
-              </a:rPr>
-              <a:t>is </a:t>
-            </a:r>
-            <a:r>
               <a:rPr lang="en-US" sz="3200" dirty="0">
                 <a:sym typeface="Arial Narrow"/>
               </a:rPr>
-              <a:t>the numerical indicator of the learning rate (based on calculating the similarity of the proposed keyboard with the default)</a:t>
+              <a:t>is the numerical indicator of the learning rate (based on calculating the similarity of the proposed keyboard with the default)</a:t>
             </a:r>
           </a:p>
         </p:txBody>
@@ -4003,7 +4904,7 @@
         </p:blipFill>
         <p:spPr>
           <a:xfrm>
-            <a:off x="11471920" y="6821512"/>
+            <a:off x="11895119" y="6239902"/>
             <a:ext cx="8661233" cy="1939082"/>
           </a:xfrm>
           <a:prstGeom prst="rect">
@@ -4030,7 +4931,7 @@
           </a:ln>
           <a:extLst>
             <a:ext uri="{C572A759-6A51-4108-AA02-DFA0A04FC94B}">
-              <ma14:wrappingTextBoxFlag xmlns:ma14="http://schemas.microsoft.com/office/mac/drawingml/2011/main" xmlns:a14="http://schemas.microsoft.com/office/drawing/2010/main" xmlns:m="http://schemas.openxmlformats.org/officeDocument/2006/math" xmlns="" val="1"/>
+              <ma14:wrappingTextBoxFlag xmlns="" xmlns:m="http://schemas.openxmlformats.org/officeDocument/2006/math" xmlns:a14="http://schemas.microsoft.com/office/drawing/2010/main" xmlns:ma14="http://schemas.microsoft.com/office/mac/drawingml/2011/main" val="1"/>
             </a:ext>
           </a:extLst>
         </p:spPr>
@@ -4055,7 +4956,7 @@
               </a:rPr>
               <a:t>where 𝑖 is a letter in alphabet 𝛼, </a:t>
             </a:r>
-            <a:endParaRPr lang="ru-RU" sz="3200" dirty="0" smtClean="0">
+            <a:endParaRPr lang="ru-RU" sz="3200" dirty="0">
               <a:sym typeface="Arial Narrow"/>
             </a:endParaRPr>
           </a:p>
@@ -4072,16 +4973,10 @@
               </a:defRPr>
             </a:pPr>
             <a:r>
-              <a:rPr lang="en-US" sz="3200" dirty="0" smtClean="0">
-                <a:sym typeface="Arial Narrow"/>
-              </a:rPr>
-              <a:t>the </a:t>
-            </a:r>
-            <a:r>
               <a:rPr lang="en-US" sz="3200" dirty="0">
                 <a:sym typeface="Arial Narrow"/>
               </a:rPr>
-              <a:t>set of lowercase letters</a:t>
+              <a:t>the set of lowercase letters</a:t>
             </a:r>
           </a:p>
           <a:p>
@@ -4100,55 +4995,31 @@
               <a:rPr lang="en-US" sz="3200" dirty="0">
                 <a:sym typeface="Arial Narrow"/>
               </a:rPr>
-              <a:t>from </a:t>
-            </a:r>
-            <a:r>
-              <a:rPr lang="en-US" sz="3200" dirty="0" smtClean="0">
-                <a:sym typeface="Arial Narrow"/>
-              </a:rPr>
-              <a:t>‘</a:t>
-            </a:r>
-            <a:r>
-              <a:rPr lang="ru-RU" sz="3200" dirty="0" smtClean="0">
+              <a:t>from ‘</a:t>
+            </a:r>
+            <a:r>
+              <a:rPr lang="ru-RU" sz="3200" dirty="0">
                 <a:sym typeface="Arial Narrow"/>
               </a:rPr>
               <a:t>а</a:t>
             </a:r>
             <a:r>
-              <a:rPr lang="en-US" sz="3200" dirty="0" smtClean="0">
-                <a:sym typeface="Arial Narrow"/>
-              </a:rPr>
-              <a:t>’ </a:t>
-            </a:r>
-            <a:r>
               <a:rPr lang="en-US" sz="3200" dirty="0">
                 <a:sym typeface="Arial Narrow"/>
               </a:rPr>
-              <a:t>to </a:t>
-            </a:r>
-            <a:r>
-              <a:rPr lang="en-US" sz="3200" dirty="0" smtClean="0">
-                <a:sym typeface="Arial Narrow"/>
-              </a:rPr>
-              <a:t>‘</a:t>
-            </a:r>
-            <a:r>
-              <a:rPr lang="ru-RU" sz="3200" smtClean="0">
+              <a:t>’ to ‘</a:t>
+            </a:r>
+            <a:r>
+              <a:rPr lang="ru-RU" sz="3200" dirty="0">
                 <a:sym typeface="Arial Narrow"/>
               </a:rPr>
               <a:t>я</a:t>
             </a:r>
             <a:r>
-              <a:rPr lang="en-US" sz="3200" smtClean="0">
-                <a:sym typeface="Arial Narrow"/>
-              </a:rPr>
-              <a:t>,’ </a:t>
-            </a:r>
-            <a:r>
               <a:rPr lang="en-US" sz="3200" dirty="0">
                 <a:sym typeface="Arial Narrow"/>
               </a:rPr>
-              <a:t>and 𝑘𝑖𝑥</a:t>
+              <a:t>,’ and 𝑘𝑖𝑥</a:t>
             </a:r>
           </a:p>
           <a:p>
@@ -4205,17 +5076,8 @@
               <a:rPr lang="en-US" sz="3200" dirty="0">
                 <a:sym typeface="Arial Narrow"/>
               </a:rPr>
-              <a:t>on the given keyboard layout and </a:t>
-            </a:r>
-            <a:r>
-              <a:rPr lang="en-US" sz="3200" dirty="0" smtClean="0">
-                <a:sym typeface="Arial Narrow"/>
-              </a:rPr>
-              <a:t>default</a:t>
-            </a:r>
-            <a:endParaRPr lang="en-US" sz="3200" dirty="0">
-              <a:sym typeface="Arial Narrow"/>
-            </a:endParaRPr>
+              <a:t>on the given keyboard layout and default</a:t>
+            </a:r>
           </a:p>
         </p:txBody>
       </p:sp>
@@ -4225,17 +5087,1064 @@
     <a:masterClrMapping/>
   </p:clrMapOvr>
   <p:transition spd="med"/>
-  <p:timing>
-    <p:tnLst>
-      <p:par>
-        <p:cTn id="1" dur="indefinite" restart="never" nodeType="tmRoot"/>
-      </p:par>
-    </p:tnLst>
-  </p:timing>
 </p:sld>
 </file>
 
 <file path=ppt/slides/slide4.xml><?xml version="1.0" encoding="utf-8"?>
+<p:sld xmlns:a="http://schemas.openxmlformats.org/drawingml/2006/main" xmlns:r="http://schemas.openxmlformats.org/officeDocument/2006/relationships" xmlns:p="http://schemas.openxmlformats.org/presentationml/2006/main">
+  <p:cSld>
+    <p:spTree>
+      <p:nvGrpSpPr>
+        <p:cNvPr id="1" name=""/>
+        <p:cNvGrpSpPr/>
+        <p:nvPr/>
+      </p:nvGrpSpPr>
+      <p:grpSpPr>
+        <a:xfrm>
+          <a:off x="0" y="0"/>
+          <a:ext cx="0" cy="0"/>
+          <a:chOff x="0" y="0"/>
+          <a:chExt cx="0" cy="0"/>
+        </a:xfrm>
+      </p:grpSpPr>
+      <p:sp>
+        <p:nvSpPr>
+          <p:cNvPr id="73" name="Очень крутой заголовок…"/>
+          <p:cNvSpPr txBox="1"/>
+          <p:nvPr/>
+        </p:nvSpPr>
+        <p:spPr>
+          <a:xfrm>
+            <a:off x="1115664" y="2972786"/>
+            <a:ext cx="21506374" cy="2313227"/>
+          </a:xfrm>
+          <a:prstGeom prst="rect">
+            <a:avLst/>
+          </a:prstGeom>
+          <a:ln w="12700">
+            <a:miter lim="400000"/>
+          </a:ln>
+          <a:extLst>
+            <a:ext uri="{C572A759-6A51-4108-AA02-DFA0A04FC94B}">
+              <ma14:wrappingTextBoxFlag xmlns="" xmlns:m="http://schemas.openxmlformats.org/officeDocument/2006/math" xmlns:a14="http://schemas.microsoft.com/office/drawing/2010/main" xmlns:ma14="http://schemas.microsoft.com/office/mac/drawingml/2011/main" val="1"/>
+            </a:ext>
+          </a:extLst>
+        </p:spPr>
+        <p:txBody>
+          <a:bodyPr lIns="71437" tIns="71437" rIns="71437" bIns="71437"/>
+          <a:lstStyle/>
+          <a:p>
+            <a:pPr algn="l">
+              <a:defRPr sz="7000" b="1" cap="all">
+                <a:solidFill>
+                  <a:srgbClr val="253957"/>
+                </a:solidFill>
+                <a:latin typeface="+mn-lt"/>
+                <a:ea typeface="+mn-ea"/>
+                <a:cs typeface="+mn-cs"/>
+                <a:sym typeface="Arial Narrow"/>
+              </a:defRPr>
+            </a:pPr>
+            <a:r>
+              <a:rPr lang="en-US" dirty="0"/>
+              <a:t>Objective function</a:t>
+            </a:r>
+            <a:endParaRPr dirty="0"/>
+          </a:p>
+        </p:txBody>
+      </p:sp>
+      <p:sp>
+        <p:nvSpPr>
+          <p:cNvPr id="75" name="Линия"/>
+          <p:cNvSpPr/>
+          <p:nvPr/>
+        </p:nvSpPr>
+        <p:spPr>
+          <a:xfrm>
+            <a:off x="1201065" y="2214562"/>
+            <a:ext cx="21506374" cy="1"/>
+          </a:xfrm>
+          <a:prstGeom prst="line">
+            <a:avLst/>
+          </a:prstGeom>
+          <a:ln w="12700">
+            <a:solidFill>
+              <a:srgbClr val="253957"/>
+            </a:solidFill>
+            <a:miter lim="400000"/>
+          </a:ln>
+        </p:spPr>
+        <p:txBody>
+          <a:bodyPr lIns="71437" tIns="71437" rIns="71437" bIns="71437" anchor="ctr"/>
+          <a:lstStyle/>
+          <a:p>
+            <a:pPr>
+              <a:defRPr sz="3200"/>
+            </a:pPr>
+            <a:endParaRPr/>
+          </a:p>
+        </p:txBody>
+      </p:sp>
+      <p:sp>
+        <p:nvSpPr>
+          <p:cNvPr id="76" name="Название подразделения, лаборатории, факультета и т.д."/>
+          <p:cNvSpPr txBox="1"/>
+          <p:nvPr/>
+        </p:nvSpPr>
+        <p:spPr>
+          <a:xfrm>
+            <a:off x="11338744" y="942364"/>
+            <a:ext cx="11366416" cy="513601"/>
+          </a:xfrm>
+          <a:prstGeom prst="rect">
+            <a:avLst/>
+          </a:prstGeom>
+          <a:ln w="12700">
+            <a:miter lim="400000"/>
+          </a:ln>
+          <a:extLst>
+            <a:ext uri="{C572A759-6A51-4108-AA02-DFA0A04FC94B}">
+              <ma14:wrappingTextBoxFlag xmlns="" xmlns:m="http://schemas.openxmlformats.org/officeDocument/2006/math" xmlns:a14="http://schemas.microsoft.com/office/drawing/2010/main" xmlns:ma14="http://schemas.microsoft.com/office/mac/drawingml/2011/main" val="1"/>
+            </a:ext>
+          </a:extLst>
+        </p:spPr>
+        <p:txBody>
+          <a:bodyPr lIns="71437" tIns="71437" rIns="71437" bIns="71437" anchor="ctr">
+            <a:spAutoFit/>
+          </a:bodyPr>
+          <a:lstStyle>
+            <a:lvl1pPr algn="r">
+              <a:defRPr sz="2400">
+                <a:solidFill>
+                  <a:srgbClr val="253957"/>
+                </a:solidFill>
+                <a:latin typeface="+mn-lt"/>
+                <a:ea typeface="+mn-ea"/>
+                <a:cs typeface="+mn-cs"/>
+                <a:sym typeface="Arial Narrow"/>
+              </a:defRPr>
+            </a:lvl1pPr>
+          </a:lstStyle>
+          <a:p>
+            <a:r>
+              <a:rPr lang="ru-RU" dirty="0"/>
+              <a:t>ФКН, Программная инженерия</a:t>
+            </a:r>
+            <a:endParaRPr dirty="0"/>
+          </a:p>
+        </p:txBody>
+      </p:sp>
+      <p:pic>
+        <p:nvPicPr>
+          <p:cNvPr id="77" name="Изображение" descr="Изображение"/>
+          <p:cNvPicPr>
+            <a:picLocks noChangeAspect="1"/>
+          </p:cNvPicPr>
+          <p:nvPr/>
+        </p:nvPicPr>
+        <p:blipFill>
+          <a:blip r:embed="rId2"/>
+          <a:stretch>
+            <a:fillRect/>
+          </a:stretch>
+        </p:blipFill>
+        <p:spPr>
+          <a:xfrm>
+            <a:off x="1226606" y="586180"/>
+            <a:ext cx="1199579" cy="1199579"/>
+          </a:xfrm>
+          <a:prstGeom prst="rect">
+            <a:avLst/>
+          </a:prstGeom>
+          <a:ln w="12700">
+            <a:miter lim="400000"/>
+          </a:ln>
+        </p:spPr>
+      </p:pic>
+      <mc:AlternateContent xmlns:mc="http://schemas.openxmlformats.org/markup-compatibility/2006" xmlns:a14="http://schemas.microsoft.com/office/drawing/2010/main">
+        <mc:Choice Requires="a14">
+          <p:sp>
+            <p:nvSpPr>
+              <p:cNvPr id="12" name="TextBox 11">
+                <a:extLst>
+                  <a:ext uri="{FF2B5EF4-FFF2-40B4-BE49-F238E27FC236}">
+                    <a16:creationId xmlns:a16="http://schemas.microsoft.com/office/drawing/2014/main" id="{16A8C44E-B048-483E-A253-5FF04615D15D}"/>
+                  </a:ext>
+                </a:extLst>
+              </p:cNvPr>
+              <p:cNvSpPr txBox="1"/>
+              <p:nvPr/>
+            </p:nvSpPr>
+            <p:spPr>
+              <a:xfrm>
+                <a:off x="1115664" y="6044236"/>
+                <a:ext cx="16437248" cy="1260730"/>
+              </a:xfrm>
+              <a:prstGeom prst="rect">
+                <a:avLst/>
+              </a:prstGeom>
+              <a:noFill/>
+              <a:ln w="12700" cap="flat">
+                <a:noFill/>
+                <a:miter lim="400000"/>
+              </a:ln>
+              <a:effectLst/>
+              <a:sp3d/>
+            </p:spPr>
+            <p:style>
+              <a:lnRef idx="0">
+                <a:scrgbClr r="0" g="0" b="0"/>
+              </a:lnRef>
+              <a:fillRef idx="0">
+                <a:scrgbClr r="0" g="0" b="0"/>
+              </a:fillRef>
+              <a:effectRef idx="0">
+                <a:scrgbClr r="0" g="0" b="0"/>
+              </a:effectRef>
+              <a:fontRef idx="none"/>
+            </p:style>
+            <p:txBody>
+              <a:bodyPr wrap="square">
+                <a:spAutoFit/>
+              </a:bodyPr>
+              <a:lstStyle/>
+              <a:p>
+                <a:pPr/>
+                <a14:m>
+                  <m:oMathPara xmlns:m="http://schemas.openxmlformats.org/officeDocument/2006/math">
+                    <m:oMathParaPr>
+                      <m:jc m:val="centerGroup"/>
+                    </m:oMathParaPr>
+                    <m:oMath xmlns:m="http://schemas.openxmlformats.org/officeDocument/2006/math">
+                      <m:r>
+                        <a:rPr lang="ru-RU" sz="3600" i="1" smtClean="0">
+                          <a:latin typeface="Cambria Math" panose="02040503050406030204" pitchFamily="18" charset="0"/>
+                        </a:rPr>
+                        <m:t>𝐾𝑆𝑃𝐶</m:t>
+                      </m:r>
+                      <m:r>
+                        <a:rPr lang="ru-RU" sz="3600" i="0">
+                          <a:latin typeface="Cambria Math" panose="02040503050406030204" pitchFamily="18" charset="0"/>
+                        </a:rPr>
+                        <m:t>=</m:t>
+                      </m:r>
+                      <m:f>
+                        <m:fPr>
+                          <m:ctrlPr>
+                            <a:rPr lang="ru-RU" sz="3600" i="1">
+                              <a:solidFill>
+                                <a:srgbClr val="836967"/>
+                              </a:solidFill>
+                              <a:latin typeface="Cambria Math" panose="02040503050406030204" pitchFamily="18" charset="0"/>
+                            </a:rPr>
+                          </m:ctrlPr>
+                        </m:fPr>
+                        <m:num>
+                          <m:nary>
+                            <m:naryPr>
+                              <m:chr m:val="∑"/>
+                              <m:subHide m:val="on"/>
+                              <m:supHide m:val="on"/>
+                              <m:ctrlPr>
+                                <a:rPr lang="ru-RU" sz="3600" i="1">
+                                  <a:latin typeface="Cambria Math" panose="02040503050406030204" pitchFamily="18" charset="0"/>
+                                </a:rPr>
+                              </m:ctrlPr>
+                            </m:naryPr>
+                            <m:sub/>
+                            <m:sup/>
+                            <m:e>
+                              <m:sSub>
+                                <m:sSubPr>
+                                  <m:ctrlPr>
+                                    <a:rPr lang="ru-RU" sz="3600" i="1">
+                                      <a:solidFill>
+                                        <a:srgbClr val="836967"/>
+                                      </a:solidFill>
+                                      <a:latin typeface="Cambria Math" panose="02040503050406030204" pitchFamily="18" charset="0"/>
+                                    </a:rPr>
+                                  </m:ctrlPr>
+                                </m:sSubPr>
+                                <m:e>
+                                  <m:r>
+                                    <a:rPr lang="ru-RU" sz="3600" i="1">
+                                      <a:latin typeface="Cambria Math" panose="02040503050406030204" pitchFamily="18" charset="0"/>
+                                    </a:rPr>
+                                    <m:t>𝐾</m:t>
+                                  </m:r>
+                                </m:e>
+                                <m:sub>
+                                  <m:r>
+                                    <a:rPr lang="ru-RU" sz="3600" i="1">
+                                      <a:latin typeface="Cambria Math" panose="02040503050406030204" pitchFamily="18" charset="0"/>
+                                    </a:rPr>
+                                    <m:t>𝑤</m:t>
+                                  </m:r>
+                                </m:sub>
+                              </m:sSub>
+                              <m:r>
+                                <a:rPr lang="ru-RU" sz="3600" i="0">
+                                  <a:latin typeface="Cambria Math" panose="02040503050406030204" pitchFamily="18" charset="0"/>
+                                </a:rPr>
+                                <m:t>× </m:t>
+                              </m:r>
+                              <m:sSub>
+                                <m:sSubPr>
+                                  <m:ctrlPr>
+                                    <a:rPr lang="ru-RU" sz="3600" i="1">
+                                      <a:solidFill>
+                                        <a:srgbClr val="836967"/>
+                                      </a:solidFill>
+                                      <a:latin typeface="Cambria Math" panose="02040503050406030204" pitchFamily="18" charset="0"/>
+                                    </a:rPr>
+                                  </m:ctrlPr>
+                                </m:sSubPr>
+                                <m:e>
+                                  <m:r>
+                                    <a:rPr lang="ru-RU" sz="3600" i="1">
+                                      <a:latin typeface="Cambria Math" panose="02040503050406030204" pitchFamily="18" charset="0"/>
+                                    </a:rPr>
+                                    <m:t>𝐹</m:t>
+                                  </m:r>
+                                </m:e>
+                                <m:sub>
+                                  <m:r>
+                                    <a:rPr lang="ru-RU" sz="3600" i="1">
+                                      <a:latin typeface="Cambria Math" panose="02040503050406030204" pitchFamily="18" charset="0"/>
+                                    </a:rPr>
+                                    <m:t>𝑤</m:t>
+                                  </m:r>
+                                </m:sub>
+                              </m:sSub>
+                            </m:e>
+                          </m:nary>
+                        </m:num>
+                        <m:den>
+                          <m:nary>
+                            <m:naryPr>
+                              <m:chr m:val="∑"/>
+                              <m:subHide m:val="on"/>
+                              <m:supHide m:val="on"/>
+                              <m:ctrlPr>
+                                <a:rPr lang="ru-RU" sz="3600" i="1">
+                                  <a:latin typeface="Cambria Math" panose="02040503050406030204" pitchFamily="18" charset="0"/>
+                                </a:rPr>
+                              </m:ctrlPr>
+                            </m:naryPr>
+                            <m:sub/>
+                            <m:sup/>
+                            <m:e>
+                              <m:sSub>
+                                <m:sSubPr>
+                                  <m:ctrlPr>
+                                    <a:rPr lang="ru-RU" sz="3600" i="1">
+                                      <a:solidFill>
+                                        <a:srgbClr val="836967"/>
+                                      </a:solidFill>
+                                      <a:latin typeface="Cambria Math" panose="02040503050406030204" pitchFamily="18" charset="0"/>
+                                    </a:rPr>
+                                  </m:ctrlPr>
+                                </m:sSubPr>
+                                <m:e>
+                                  <m:r>
+                                    <a:rPr lang="ru-RU" sz="3600" i="1">
+                                      <a:latin typeface="Cambria Math" panose="02040503050406030204" pitchFamily="18" charset="0"/>
+                                    </a:rPr>
+                                    <m:t>𝐶</m:t>
+                                  </m:r>
+                                </m:e>
+                                <m:sub>
+                                  <m:r>
+                                    <a:rPr lang="ru-RU" sz="3600" i="1">
+                                      <a:latin typeface="Cambria Math" panose="02040503050406030204" pitchFamily="18" charset="0"/>
+                                    </a:rPr>
+                                    <m:t>𝑤</m:t>
+                                  </m:r>
+                                </m:sub>
+                              </m:sSub>
+                              <m:r>
+                                <a:rPr lang="ru-RU" sz="3600" i="0">
+                                  <a:latin typeface="Cambria Math" panose="02040503050406030204" pitchFamily="18" charset="0"/>
+                                </a:rPr>
+                                <m:t>× </m:t>
+                              </m:r>
+                              <m:sSub>
+                                <m:sSubPr>
+                                  <m:ctrlPr>
+                                    <a:rPr lang="ru-RU" sz="3600" i="1">
+                                      <a:solidFill>
+                                        <a:srgbClr val="836967"/>
+                                      </a:solidFill>
+                                      <a:latin typeface="Cambria Math" panose="02040503050406030204" pitchFamily="18" charset="0"/>
+                                    </a:rPr>
+                                  </m:ctrlPr>
+                                </m:sSubPr>
+                                <m:e>
+                                  <m:r>
+                                    <a:rPr lang="ru-RU" sz="3600" i="1">
+                                      <a:latin typeface="Cambria Math" panose="02040503050406030204" pitchFamily="18" charset="0"/>
+                                    </a:rPr>
+                                    <m:t>𝐹</m:t>
+                                  </m:r>
+                                </m:e>
+                                <m:sub>
+                                  <m:r>
+                                    <a:rPr lang="ru-RU" sz="3600" i="1">
+                                      <a:latin typeface="Cambria Math" panose="02040503050406030204" pitchFamily="18" charset="0"/>
+                                    </a:rPr>
+                                    <m:t>𝑤</m:t>
+                                  </m:r>
+                                </m:sub>
+                              </m:sSub>
+                            </m:e>
+                          </m:nary>
+                        </m:den>
+                      </m:f>
+                      <m:r>
+                        <a:rPr lang="ru-RU" sz="3600" i="0">
+                          <a:latin typeface="Cambria Math" panose="02040503050406030204" pitchFamily="18" charset="0"/>
+                        </a:rPr>
+                        <m:t>=</m:t>
+                      </m:r>
+                      <m:f>
+                        <m:fPr>
+                          <m:ctrlPr>
+                            <a:rPr lang="ru-RU" sz="3600" i="1">
+                              <a:solidFill>
+                                <a:srgbClr val="836967"/>
+                              </a:solidFill>
+                              <a:latin typeface="Cambria Math" panose="02040503050406030204" pitchFamily="18" charset="0"/>
+                            </a:rPr>
+                          </m:ctrlPr>
+                        </m:fPr>
+                        <m:num>
+                          <m:nary>
+                            <m:naryPr>
+                              <m:chr m:val="∑"/>
+                              <m:subHide m:val="on"/>
+                              <m:supHide m:val="on"/>
+                              <m:ctrlPr>
+                                <a:rPr lang="ru-RU" sz="3600" i="1">
+                                  <a:latin typeface="Cambria Math" panose="02040503050406030204" pitchFamily="18" charset="0"/>
+                                </a:rPr>
+                              </m:ctrlPr>
+                            </m:naryPr>
+                            <m:sub/>
+                            <m:sup/>
+                            <m:e>
+                              <m:d>
+                                <m:dPr>
+                                  <m:ctrlPr>
+                                    <a:rPr lang="ru-RU" sz="3600" i="1">
+                                      <a:latin typeface="Cambria Math" panose="02040503050406030204" pitchFamily="18" charset="0"/>
+                                    </a:rPr>
+                                  </m:ctrlPr>
+                                </m:dPr>
+                                <m:e>
+                                  <m:sSub>
+                                    <m:sSubPr>
+                                      <m:ctrlPr>
+                                        <a:rPr lang="ru-RU" sz="3600" i="1">
+                                          <a:solidFill>
+                                            <a:srgbClr val="836967"/>
+                                          </a:solidFill>
+                                          <a:latin typeface="Cambria Math" panose="02040503050406030204" pitchFamily="18" charset="0"/>
+                                        </a:rPr>
+                                      </m:ctrlPr>
+                                    </m:sSubPr>
+                                    <m:e>
+                                      <m:r>
+                                        <a:rPr lang="ru-RU" sz="3600" i="1">
+                                          <a:latin typeface="Cambria Math" panose="02040503050406030204" pitchFamily="18" charset="0"/>
+                                        </a:rPr>
+                                        <m:t>𝐶</m:t>
+                                      </m:r>
+                                    </m:e>
+                                    <m:sub>
+                                      <m:r>
+                                        <a:rPr lang="ru-RU" sz="3600" i="1">
+                                          <a:latin typeface="Cambria Math" panose="02040503050406030204" pitchFamily="18" charset="0"/>
+                                        </a:rPr>
+                                        <m:t>𝑤</m:t>
+                                      </m:r>
+                                    </m:sub>
+                                  </m:sSub>
+                                  <m:r>
+                                    <a:rPr lang="ru-RU" sz="3600" i="0">
+                                      <a:latin typeface="Cambria Math" panose="02040503050406030204" pitchFamily="18" charset="0"/>
+                                    </a:rPr>
+                                    <m:t> + </m:t>
+                                  </m:r>
+                                  <m:sSub>
+                                    <m:sSubPr>
+                                      <m:ctrlPr>
+                                        <a:rPr lang="ru-RU" sz="3600" i="1">
+                                          <a:solidFill>
+                                            <a:srgbClr val="836967"/>
+                                          </a:solidFill>
+                                          <a:latin typeface="Cambria Math" panose="02040503050406030204" pitchFamily="18" charset="0"/>
+                                        </a:rPr>
+                                      </m:ctrlPr>
+                                    </m:sSubPr>
+                                    <m:e>
+                                      <m:r>
+                                        <a:rPr lang="ru-RU" sz="3600" i="1">
+                                          <a:latin typeface="Cambria Math" panose="02040503050406030204" pitchFamily="18" charset="0"/>
+                                        </a:rPr>
+                                        <m:t>𝑂</m:t>
+                                      </m:r>
+                                    </m:e>
+                                    <m:sub>
+                                      <m:r>
+                                        <a:rPr lang="ru-RU" sz="3600" i="1">
+                                          <a:latin typeface="Cambria Math" panose="02040503050406030204" pitchFamily="18" charset="0"/>
+                                        </a:rPr>
+                                        <m:t>𝑤</m:t>
+                                      </m:r>
+                                    </m:sub>
+                                  </m:sSub>
+                                </m:e>
+                              </m:d>
+                              <m:r>
+                                <a:rPr lang="ru-RU" sz="3600" i="0">
+                                  <a:latin typeface="Cambria Math" panose="02040503050406030204" pitchFamily="18" charset="0"/>
+                                </a:rPr>
+                                <m:t>× </m:t>
+                              </m:r>
+                              <m:sSub>
+                                <m:sSubPr>
+                                  <m:ctrlPr>
+                                    <a:rPr lang="ru-RU" sz="3600" i="1">
+                                      <a:solidFill>
+                                        <a:srgbClr val="836967"/>
+                                      </a:solidFill>
+                                      <a:latin typeface="Cambria Math" panose="02040503050406030204" pitchFamily="18" charset="0"/>
+                                    </a:rPr>
+                                  </m:ctrlPr>
+                                </m:sSubPr>
+                                <m:e>
+                                  <m:r>
+                                    <a:rPr lang="ru-RU" sz="3600" i="1">
+                                      <a:latin typeface="Cambria Math" panose="02040503050406030204" pitchFamily="18" charset="0"/>
+                                    </a:rPr>
+                                    <m:t>𝐹</m:t>
+                                  </m:r>
+                                </m:e>
+                                <m:sub>
+                                  <m:r>
+                                    <a:rPr lang="ru-RU" sz="3600" i="1">
+                                      <a:latin typeface="Cambria Math" panose="02040503050406030204" pitchFamily="18" charset="0"/>
+                                    </a:rPr>
+                                    <m:t>𝑤</m:t>
+                                  </m:r>
+                                </m:sub>
+                              </m:sSub>
+                            </m:e>
+                          </m:nary>
+                        </m:num>
+                        <m:den>
+                          <m:nary>
+                            <m:naryPr>
+                              <m:chr m:val="∑"/>
+                              <m:subHide m:val="on"/>
+                              <m:supHide m:val="on"/>
+                              <m:ctrlPr>
+                                <a:rPr lang="ru-RU" sz="3600" i="1">
+                                  <a:latin typeface="Cambria Math" panose="02040503050406030204" pitchFamily="18" charset="0"/>
+                                </a:rPr>
+                              </m:ctrlPr>
+                            </m:naryPr>
+                            <m:sub/>
+                            <m:sup/>
+                            <m:e>
+                              <m:sSub>
+                                <m:sSubPr>
+                                  <m:ctrlPr>
+                                    <a:rPr lang="ru-RU" sz="3600" i="1">
+                                      <a:solidFill>
+                                        <a:srgbClr val="836967"/>
+                                      </a:solidFill>
+                                      <a:latin typeface="Cambria Math" panose="02040503050406030204" pitchFamily="18" charset="0"/>
+                                    </a:rPr>
+                                  </m:ctrlPr>
+                                </m:sSubPr>
+                                <m:e>
+                                  <m:r>
+                                    <a:rPr lang="ru-RU" sz="3600" i="1">
+                                      <a:latin typeface="Cambria Math" panose="02040503050406030204" pitchFamily="18" charset="0"/>
+                                    </a:rPr>
+                                    <m:t>𝐶</m:t>
+                                  </m:r>
+                                </m:e>
+                                <m:sub>
+                                  <m:r>
+                                    <a:rPr lang="ru-RU" sz="3600" i="1">
+                                      <a:latin typeface="Cambria Math" panose="02040503050406030204" pitchFamily="18" charset="0"/>
+                                    </a:rPr>
+                                    <m:t>𝑤</m:t>
+                                  </m:r>
+                                </m:sub>
+                              </m:sSub>
+                              <m:r>
+                                <a:rPr lang="ru-RU" sz="3600" i="0">
+                                  <a:latin typeface="Cambria Math" panose="02040503050406030204" pitchFamily="18" charset="0"/>
+                                </a:rPr>
+                                <m:t>× </m:t>
+                              </m:r>
+                              <m:sSub>
+                                <m:sSubPr>
+                                  <m:ctrlPr>
+                                    <a:rPr lang="ru-RU" sz="3600" i="1">
+                                      <a:solidFill>
+                                        <a:srgbClr val="836967"/>
+                                      </a:solidFill>
+                                      <a:latin typeface="Cambria Math" panose="02040503050406030204" pitchFamily="18" charset="0"/>
+                                    </a:rPr>
+                                  </m:ctrlPr>
+                                </m:sSubPr>
+                                <m:e>
+                                  <m:r>
+                                    <a:rPr lang="ru-RU" sz="3600" i="1">
+                                      <a:latin typeface="Cambria Math" panose="02040503050406030204" pitchFamily="18" charset="0"/>
+                                    </a:rPr>
+                                    <m:t>𝐹</m:t>
+                                  </m:r>
+                                </m:e>
+                                <m:sub>
+                                  <m:r>
+                                    <a:rPr lang="ru-RU" sz="3600" i="1">
+                                      <a:latin typeface="Cambria Math" panose="02040503050406030204" pitchFamily="18" charset="0"/>
+                                    </a:rPr>
+                                    <m:t>𝑤</m:t>
+                                  </m:r>
+                                </m:sub>
+                              </m:sSub>
+                            </m:e>
+                          </m:nary>
+                        </m:den>
+                      </m:f>
+                      <m:r>
+                        <a:rPr lang="ru-RU" sz="3600" i="0">
+                          <a:latin typeface="Cambria Math" panose="02040503050406030204" pitchFamily="18" charset="0"/>
+                        </a:rPr>
+                        <m:t>=</m:t>
+                      </m:r>
+                      <m:f>
+                        <m:fPr>
+                          <m:ctrlPr>
+                            <a:rPr lang="ru-RU" sz="3600" i="1">
+                              <a:solidFill>
+                                <a:srgbClr val="836967"/>
+                              </a:solidFill>
+                              <a:latin typeface="Cambria Math" panose="02040503050406030204" pitchFamily="18" charset="0"/>
+                            </a:rPr>
+                          </m:ctrlPr>
+                        </m:fPr>
+                        <m:num>
+                          <m:r>
+                            <a:rPr lang="ru-RU" sz="3600" i="1">
+                              <a:latin typeface="Cambria Math" panose="02040503050406030204" pitchFamily="18" charset="0"/>
+                            </a:rPr>
+                            <m:t>𝑐𝑜𝑛𝑠𝑡</m:t>
+                          </m:r>
+                          <m:r>
+                            <a:rPr lang="ru-RU" sz="3600" i="0">
+                              <a:latin typeface="Cambria Math" panose="02040503050406030204" pitchFamily="18" charset="0"/>
+                            </a:rPr>
+                            <m:t> +</m:t>
+                          </m:r>
+                          <m:nary>
+                            <m:naryPr>
+                              <m:chr m:val="∑"/>
+                              <m:subHide m:val="on"/>
+                              <m:supHide m:val="on"/>
+                              <m:ctrlPr>
+                                <a:rPr lang="ru-RU" sz="3600" i="1">
+                                  <a:latin typeface="Cambria Math" panose="02040503050406030204" pitchFamily="18" charset="0"/>
+                                </a:rPr>
+                              </m:ctrlPr>
+                            </m:naryPr>
+                            <m:sub/>
+                            <m:sup/>
+                            <m:e>
+                              <m:sSub>
+                                <m:sSubPr>
+                                  <m:ctrlPr>
+                                    <a:rPr lang="ru-RU" sz="3600" i="1">
+                                      <a:solidFill>
+                                        <a:srgbClr val="836967"/>
+                                      </a:solidFill>
+                                      <a:latin typeface="Cambria Math" panose="02040503050406030204" pitchFamily="18" charset="0"/>
+                                    </a:rPr>
+                                  </m:ctrlPr>
+                                </m:sSubPr>
+                                <m:e>
+                                  <m:r>
+                                    <a:rPr lang="ru-RU" sz="3600" i="1">
+                                      <a:latin typeface="Cambria Math" panose="02040503050406030204" pitchFamily="18" charset="0"/>
+                                    </a:rPr>
+                                    <m:t>𝑂</m:t>
+                                  </m:r>
+                                </m:e>
+                                <m:sub>
+                                  <m:r>
+                                    <a:rPr lang="ru-RU" sz="3600" i="1">
+                                      <a:latin typeface="Cambria Math" panose="02040503050406030204" pitchFamily="18" charset="0"/>
+                                    </a:rPr>
+                                    <m:t>𝑤</m:t>
+                                  </m:r>
+                                </m:sub>
+                              </m:sSub>
+                              <m:r>
+                                <a:rPr lang="ru-RU" sz="3600" i="0">
+                                  <a:latin typeface="Cambria Math" panose="02040503050406030204" pitchFamily="18" charset="0"/>
+                                </a:rPr>
+                                <m:t>× </m:t>
+                              </m:r>
+                              <m:sSub>
+                                <m:sSubPr>
+                                  <m:ctrlPr>
+                                    <a:rPr lang="ru-RU" sz="3600" i="1">
+                                      <a:solidFill>
+                                        <a:srgbClr val="836967"/>
+                                      </a:solidFill>
+                                      <a:latin typeface="Cambria Math" panose="02040503050406030204" pitchFamily="18" charset="0"/>
+                                    </a:rPr>
+                                  </m:ctrlPr>
+                                </m:sSubPr>
+                                <m:e>
+                                  <m:r>
+                                    <a:rPr lang="ru-RU" sz="3600" i="1">
+                                      <a:latin typeface="Cambria Math" panose="02040503050406030204" pitchFamily="18" charset="0"/>
+                                    </a:rPr>
+                                    <m:t>𝐹</m:t>
+                                  </m:r>
+                                </m:e>
+                                <m:sub>
+                                  <m:r>
+                                    <a:rPr lang="ru-RU" sz="3600" i="1">
+                                      <a:latin typeface="Cambria Math" panose="02040503050406030204" pitchFamily="18" charset="0"/>
+                                    </a:rPr>
+                                    <m:t>𝑤</m:t>
+                                  </m:r>
+                                </m:sub>
+                              </m:sSub>
+                            </m:e>
+                          </m:nary>
+                        </m:num>
+                        <m:den>
+                          <m:r>
+                            <a:rPr lang="ru-RU" sz="3600" i="1">
+                              <a:latin typeface="Cambria Math" panose="02040503050406030204" pitchFamily="18" charset="0"/>
+                            </a:rPr>
+                            <m:t>𝑐𝑜𝑛𝑠𝑡</m:t>
+                          </m:r>
+                        </m:den>
+                      </m:f>
+                    </m:oMath>
+                  </m:oMathPara>
+                </a14:m>
+                <a:endParaRPr lang="ru-RU" dirty="0"/>
+              </a:p>
+            </p:txBody>
+          </p:sp>
+        </mc:Choice>
+        <mc:Fallback xmlns="">
+          <p:sp>
+            <p:nvSpPr>
+              <p:cNvPr id="12" name="TextBox 11">
+                <a:extLst>
+                  <a:ext uri="{FF2B5EF4-FFF2-40B4-BE49-F238E27FC236}">
+                    <a16:creationId xmlns:a16="http://schemas.microsoft.com/office/drawing/2014/main" id="{16A8C44E-B048-483E-A253-5FF04615D15D}"/>
+                  </a:ext>
+                </a:extLst>
+              </p:cNvPr>
+              <p:cNvSpPr txBox="1">
+                <a:spLocks noRot="1" noChangeAspect="1" noMove="1" noResize="1" noEditPoints="1" noAdjustHandles="1" noChangeArrowheads="1" noChangeShapeType="1" noTextEdit="1"/>
+              </p:cNvSpPr>
+              <p:nvPr/>
+            </p:nvSpPr>
+            <p:spPr>
+              <a:xfrm>
+                <a:off x="1115664" y="6044236"/>
+                <a:ext cx="16437248" cy="1260730"/>
+              </a:xfrm>
+              <a:prstGeom prst="rect">
+                <a:avLst/>
+              </a:prstGeom>
+              <a:blipFill>
+                <a:blip r:embed="rId3"/>
+                <a:stretch>
+                  <a:fillRect/>
+                </a:stretch>
+              </a:blipFill>
+              <a:ln w="12700" cap="flat">
+                <a:noFill/>
+                <a:miter lim="400000"/>
+              </a:ln>
+              <a:effectLst/>
+            </p:spPr>
+            <p:txBody>
+              <a:bodyPr/>
+              <a:lstStyle/>
+              <a:p>
+                <a:r>
+                  <a:rPr lang="ru-RU">
+                    <a:noFill/>
+                  </a:rPr>
+                  <a:t> </a:t>
+                </a:r>
+              </a:p>
+            </p:txBody>
+          </p:sp>
+        </mc:Fallback>
+      </mc:AlternateContent>
+      <mc:AlternateContent xmlns:mc="http://schemas.openxmlformats.org/markup-compatibility/2006" xmlns:a14="http://schemas.microsoft.com/office/drawing/2010/main">
+        <mc:Choice Requires="a14">
+          <p:sp>
+            <p:nvSpPr>
+              <p:cNvPr id="14" name="TextBox 13">
+                <a:extLst>
+                  <a:ext uri="{FF2B5EF4-FFF2-40B4-BE49-F238E27FC236}">
+                    <a16:creationId xmlns:a16="http://schemas.microsoft.com/office/drawing/2014/main" id="{B52F8A5F-D36C-449F-8E04-FC8C4B74F56C}"/>
+                  </a:ext>
+                </a:extLst>
+              </p:cNvPr>
+              <p:cNvSpPr txBox="1"/>
+              <p:nvPr/>
+            </p:nvSpPr>
+            <p:spPr>
+              <a:xfrm>
+                <a:off x="847056" y="8359580"/>
+                <a:ext cx="12195110" cy="1564980"/>
+              </a:xfrm>
+              <a:prstGeom prst="rect">
+                <a:avLst/>
+              </a:prstGeom>
+              <a:noFill/>
+              <a:ln w="12700" cap="flat">
+                <a:noFill/>
+                <a:miter lim="400000"/>
+              </a:ln>
+              <a:effectLst/>
+              <a:sp3d/>
+            </p:spPr>
+            <p:style>
+              <a:lnRef idx="0">
+                <a:scrgbClr r="0" g="0" b="0"/>
+              </a:lnRef>
+              <a:fillRef idx="0">
+                <a:scrgbClr r="0" g="0" b="0"/>
+              </a:fillRef>
+              <a:effectRef idx="0">
+                <a:scrgbClr r="0" g="0" b="0"/>
+              </a:effectRef>
+              <a:fontRef idx="none"/>
+            </p:style>
+            <p:txBody>
+              <a:bodyPr wrap="square">
+                <a:spAutoFit/>
+              </a:bodyPr>
+              <a:lstStyle/>
+              <a:p>
+                <a:pPr/>
+                <a14:m>
+                  <m:oMathPara xmlns:m="http://schemas.openxmlformats.org/officeDocument/2006/math">
+                    <m:oMathParaPr>
+                      <m:jc m:val="centerGroup"/>
+                    </m:oMathParaPr>
+                    <m:oMath xmlns:m="http://schemas.openxmlformats.org/officeDocument/2006/math">
+                      <m:r>
+                        <a:rPr lang="ru-RU" sz="3600" i="1" smtClean="0">
+                          <a:latin typeface="Cambria Math" panose="02040503050406030204" pitchFamily="18" charset="0"/>
+                        </a:rPr>
+                        <m:t>𝑓</m:t>
+                      </m:r>
+                      <m:r>
+                        <a:rPr lang="ru-RU" sz="3600" i="0">
+                          <a:latin typeface="Cambria Math" panose="02040503050406030204" pitchFamily="18" charset="0"/>
+                        </a:rPr>
+                        <m:t>=</m:t>
+                      </m:r>
+                      <m:d>
+                        <m:dPr>
+                          <m:begChr m:val="["/>
+                          <m:endChr m:val="]"/>
+                          <m:ctrlPr>
+                            <a:rPr lang="ru-RU" sz="3600" i="1">
+                              <a:solidFill>
+                                <a:srgbClr val="836967"/>
+                              </a:solidFill>
+                              <a:latin typeface="Cambria Math" panose="02040503050406030204" pitchFamily="18" charset="0"/>
+                            </a:rPr>
+                          </m:ctrlPr>
+                        </m:dPr>
+                        <m:e>
+                          <m:nary>
+                            <m:naryPr>
+                              <m:chr m:val="∑"/>
+                              <m:subHide m:val="on"/>
+                              <m:supHide m:val="on"/>
+                              <m:ctrlPr>
+                                <a:rPr lang="ru-RU" sz="3600" i="1">
+                                  <a:latin typeface="Cambria Math" panose="02040503050406030204" pitchFamily="18" charset="0"/>
+                                </a:rPr>
+                              </m:ctrlPr>
+                            </m:naryPr>
+                            <m:sub/>
+                            <m:sup/>
+                            <m:e>
+                              <m:sSub>
+                                <m:sSubPr>
+                                  <m:ctrlPr>
+                                    <a:rPr lang="ru-RU" sz="3600" i="1">
+                                      <a:solidFill>
+                                        <a:srgbClr val="836967"/>
+                                      </a:solidFill>
+                                      <a:latin typeface="Cambria Math" panose="02040503050406030204" pitchFamily="18" charset="0"/>
+                                    </a:rPr>
+                                  </m:ctrlPr>
+                                </m:sSubPr>
+                                <m:e>
+                                  <m:r>
+                                    <a:rPr lang="ru-RU" sz="3600" i="1">
+                                      <a:latin typeface="Cambria Math" panose="02040503050406030204" pitchFamily="18" charset="0"/>
+                                    </a:rPr>
+                                    <m:t>𝑂</m:t>
+                                  </m:r>
+                                </m:e>
+                                <m:sub>
+                                  <m:r>
+                                    <a:rPr lang="ru-RU" sz="3600" i="1">
+                                      <a:latin typeface="Cambria Math" panose="02040503050406030204" pitchFamily="18" charset="0"/>
+                                    </a:rPr>
+                                    <m:t>𝑤</m:t>
+                                  </m:r>
+                                </m:sub>
+                              </m:sSub>
+                              <m:r>
+                                <a:rPr lang="ru-RU" sz="3600" i="0">
+                                  <a:latin typeface="Cambria Math" panose="02040503050406030204" pitchFamily="18" charset="0"/>
+                                </a:rPr>
+                                <m:t>× </m:t>
+                              </m:r>
+                              <m:sSub>
+                                <m:sSubPr>
+                                  <m:ctrlPr>
+                                    <a:rPr lang="ru-RU" sz="3600" i="1">
+                                      <a:solidFill>
+                                        <a:srgbClr val="836967"/>
+                                      </a:solidFill>
+                                      <a:latin typeface="Cambria Math" panose="02040503050406030204" pitchFamily="18" charset="0"/>
+                                    </a:rPr>
+                                  </m:ctrlPr>
+                                </m:sSubPr>
+                                <m:e>
+                                  <m:r>
+                                    <a:rPr lang="ru-RU" sz="3600" i="1">
+                                      <a:latin typeface="Cambria Math" panose="02040503050406030204" pitchFamily="18" charset="0"/>
+                                    </a:rPr>
+                                    <m:t>𝐹</m:t>
+                                  </m:r>
+                                </m:e>
+                                <m:sub>
+                                  <m:r>
+                                    <a:rPr lang="ru-RU" sz="3600" i="1">
+                                      <a:latin typeface="Cambria Math" panose="02040503050406030204" pitchFamily="18" charset="0"/>
+                                    </a:rPr>
+                                    <m:t>𝑤</m:t>
+                                  </m:r>
+                                </m:sub>
+                              </m:sSub>
+                            </m:e>
+                          </m:nary>
+                        </m:e>
+                      </m:d>
+                      <m:r>
+                        <a:rPr lang="ru-RU" sz="3600" i="0">
+                          <a:latin typeface="Cambria Math" panose="02040503050406030204" pitchFamily="18" charset="0"/>
+                        </a:rPr>
+                        <m:t>×1000 + </m:t>
+                      </m:r>
+                      <m:r>
+                        <a:rPr lang="ru-RU" sz="3600" i="1">
+                          <a:latin typeface="Cambria Math" panose="02040503050406030204" pitchFamily="18" charset="0"/>
+                        </a:rPr>
+                        <m:t>𝑙𝑝</m:t>
+                      </m:r>
+                    </m:oMath>
+                  </m:oMathPara>
+                </a14:m>
+                <a:endParaRPr lang="ru-RU" sz="3200" dirty="0"/>
+              </a:p>
+            </p:txBody>
+          </p:sp>
+        </mc:Choice>
+        <mc:Fallback xmlns="">
+          <p:sp>
+            <p:nvSpPr>
+              <p:cNvPr id="14" name="TextBox 13">
+                <a:extLst>
+                  <a:ext uri="{FF2B5EF4-FFF2-40B4-BE49-F238E27FC236}">
+                    <a16:creationId xmlns:a16="http://schemas.microsoft.com/office/drawing/2014/main" id="{B52F8A5F-D36C-449F-8E04-FC8C4B74F56C}"/>
+                  </a:ext>
+                </a:extLst>
+              </p:cNvPr>
+              <p:cNvSpPr txBox="1">
+                <a:spLocks noRot="1" noChangeAspect="1" noMove="1" noResize="1" noEditPoints="1" noAdjustHandles="1" noChangeArrowheads="1" noChangeShapeType="1" noTextEdit="1"/>
+              </p:cNvSpPr>
+              <p:nvPr/>
+            </p:nvSpPr>
+            <p:spPr>
+              <a:xfrm>
+                <a:off x="847056" y="8359580"/>
+                <a:ext cx="12195110" cy="1564980"/>
+              </a:xfrm>
+              <a:prstGeom prst="rect">
+                <a:avLst/>
+              </a:prstGeom>
+              <a:blipFill>
+                <a:blip r:embed="rId4"/>
+                <a:stretch>
+                  <a:fillRect/>
+                </a:stretch>
+              </a:blipFill>
+              <a:ln w="12700" cap="flat">
+                <a:noFill/>
+                <a:miter lim="400000"/>
+              </a:ln>
+              <a:effectLst/>
+            </p:spPr>
+            <p:txBody>
+              <a:bodyPr/>
+              <a:lstStyle/>
+              <a:p>
+                <a:r>
+                  <a:rPr lang="ru-RU">
+                    <a:noFill/>
+                  </a:rPr>
+                  <a:t> </a:t>
+                </a:r>
+              </a:p>
+            </p:txBody>
+          </p:sp>
+        </mc:Fallback>
+      </mc:AlternateContent>
+    </p:spTree>
+    <p:extLst>
+      <p:ext uri="{BB962C8B-B14F-4D97-AF65-F5344CB8AC3E}">
+        <p14:creationId xmlns:p14="http://schemas.microsoft.com/office/powerpoint/2010/main" val="2999820275"/>
+      </p:ext>
+    </p:extLst>
+  </p:cSld>
+  <p:clrMapOvr>
+    <a:masterClrMapping/>
+  </p:clrMapOvr>
+  <p:transition spd="med"/>
+</p:sld>
+</file>
+
+<file path=ppt/slides/slide5.xml><?xml version="1.0" encoding="utf-8"?>
 <p:sld xmlns:a="http://schemas.openxmlformats.org/drawingml/2006/main" xmlns:r="http://schemas.openxmlformats.org/officeDocument/2006/relationships" xmlns:p="http://schemas.openxmlformats.org/presentationml/2006/main">
   <p:cSld>
     <p:spTree>
@@ -4271,7 +6180,7 @@
           </a:ln>
           <a:extLst>
             <a:ext uri="{C572A759-6A51-4108-AA02-DFA0A04FC94B}">
-              <ma14:wrappingTextBoxFlag xmlns:ma14="http://schemas.microsoft.com/office/mac/drawingml/2011/main" xmlns:a14="http://schemas.microsoft.com/office/drawing/2010/main" xmlns:m="http://schemas.openxmlformats.org/officeDocument/2006/math" xmlns="" val="1"/>
+              <ma14:wrappingTextBoxFlag xmlns="" xmlns:m="http://schemas.openxmlformats.org/officeDocument/2006/math" xmlns:a14="http://schemas.microsoft.com/office/drawing/2010/main" xmlns:ma14="http://schemas.microsoft.com/office/mac/drawingml/2011/main" val="1"/>
             </a:ext>
           </a:extLst>
         </p:spPr>
@@ -4291,7 +6200,7 @@
               </a:defRPr>
             </a:pPr>
             <a:r>
-              <a:rPr lang="en-US" dirty="0" smtClean="0">
+              <a:rPr lang="en-US" dirty="0">
                 <a:solidFill>
                   <a:srgbClr val="253957"/>
                 </a:solidFill>
@@ -4357,7 +6266,7 @@
           </a:ln>
           <a:extLst>
             <a:ext uri="{C572A759-6A51-4108-AA02-DFA0A04FC94B}">
-              <ma14:wrappingTextBoxFlag xmlns:ma14="http://schemas.microsoft.com/office/mac/drawingml/2011/main" xmlns:a14="http://schemas.microsoft.com/office/drawing/2010/main" xmlns:m="http://schemas.openxmlformats.org/officeDocument/2006/math" xmlns="" val="1"/>
+              <ma14:wrappingTextBoxFlag xmlns="" xmlns:m="http://schemas.openxmlformats.org/officeDocument/2006/math" xmlns:a14="http://schemas.microsoft.com/office/drawing/2010/main" xmlns:ma14="http://schemas.microsoft.com/office/mac/drawingml/2011/main" val="1"/>
             </a:ext>
           </a:extLst>
         </p:spPr>
@@ -4380,7 +6289,7 @@
           </a:lstStyle>
           <a:p>
             <a:r>
-              <a:rPr lang="ru-RU" dirty="0" smtClean="0"/>
+              <a:rPr lang="ru-RU" dirty="0"/>
               <a:t>ФКН, Программная инженерия</a:t>
             </a:r>
             <a:endParaRPr dirty="0"/>
@@ -4396,9 +6305,7 @@
           <p:nvPr/>
         </p:nvPicPr>
         <p:blipFill>
-          <a:blip r:embed="rId2">
-            <a:extLst/>
-          </a:blip>
+          <a:blip r:embed="rId2"/>
           <a:stretch>
             <a:fillRect/>
           </a:stretch>
@@ -4486,17 +6393,10 @@
     <a:masterClrMapping/>
   </p:clrMapOvr>
   <p:transition spd="med"/>
-  <p:timing>
-    <p:tnLst>
-      <p:par>
-        <p:cTn id="1" dur="indefinite" restart="never" nodeType="tmRoot"/>
-      </p:par>
-    </p:tnLst>
-  </p:timing>
 </p:sld>
 </file>
 
-<file path=ppt/slides/slide5.xml><?xml version="1.0" encoding="utf-8"?>
+<file path=ppt/slides/slide6.xml><?xml version="1.0" encoding="utf-8"?>
 <p:sld xmlns:a="http://schemas.openxmlformats.org/drawingml/2006/main" xmlns:r="http://schemas.openxmlformats.org/officeDocument/2006/relationships" xmlns:p="http://schemas.openxmlformats.org/presentationml/2006/main">
   <p:cSld>
     <p:spTree>
@@ -4564,7 +6464,7 @@
           </a:ln>
           <a:extLst>
             <a:ext uri="{C572A759-6A51-4108-AA02-DFA0A04FC94B}">
-              <ma14:wrappingTextBoxFlag xmlns:ma14="http://schemas.microsoft.com/office/mac/drawingml/2011/main" xmlns:a14="http://schemas.microsoft.com/office/drawing/2010/main" xmlns:m="http://schemas.openxmlformats.org/officeDocument/2006/math" xmlns="" val="1"/>
+              <ma14:wrappingTextBoxFlag xmlns="" xmlns:m="http://schemas.openxmlformats.org/officeDocument/2006/math" xmlns:a14="http://schemas.microsoft.com/office/drawing/2010/main" xmlns:ma14="http://schemas.microsoft.com/office/mac/drawingml/2011/main" val="1"/>
             </a:ext>
           </a:extLst>
         </p:spPr>
@@ -4587,7 +6487,7 @@
           </a:lstStyle>
           <a:p>
             <a:r>
-              <a:rPr lang="ru-RU" dirty="0" smtClean="0"/>
+              <a:rPr lang="ru-RU" dirty="0"/>
               <a:t>ФКН, Программная инженерия</a:t>
             </a:r>
             <a:endParaRPr dirty="0"/>
@@ -4603,9 +6503,7 @@
           <p:nvPr/>
         </p:nvPicPr>
         <p:blipFill>
-          <a:blip r:embed="rId2">
-            <a:extLst/>
-          </a:blip>
+          <a:blip r:embed="rId2"/>
           <a:stretch>
             <a:fillRect/>
           </a:stretch>
@@ -4680,7 +6578,7 @@
               <a:tabLst/>
             </a:pPr>
             <a:r>
-              <a:rPr kumimoji="0" lang="en-US" b="0" i="0" u="none" strike="noStrike" cap="none" spc="0" normalizeH="0" baseline="0" dirty="0" smtClean="0">
+              <a:rPr kumimoji="0" lang="en-US" b="0" i="0" u="none" strike="noStrike" cap="none" spc="0" normalizeH="0" baseline="0" dirty="0">
                 <a:ln>
                   <a:noFill/>
                 </a:ln>
@@ -4697,7 +6595,7 @@
               <a:t>Before starting simulated annealing we need</a:t>
             </a:r>
             <a:r>
-              <a:rPr kumimoji="0" lang="en-US" b="0" i="0" u="none" strike="noStrike" cap="none" spc="0" normalizeH="0" dirty="0" smtClean="0">
+              <a:rPr kumimoji="0" lang="en-US" b="0" i="0" u="none" strike="noStrike" cap="none" spc="0" normalizeH="0" dirty="0">
                 <a:ln>
                   <a:noFill/>
                 </a:ln>
@@ -4787,7 +6685,7 @@
               <a:tabLst/>
             </a:pPr>
             <a:r>
-              <a:rPr kumimoji="0" lang="en-US" sz="4000" b="1" i="0" u="none" strike="noStrike" cap="none" spc="0" normalizeH="0" baseline="0" dirty="0" smtClean="0">
+              <a:rPr kumimoji="0" lang="en-US" sz="4000" b="1" i="0" u="none" strike="noStrike" cap="none" spc="0" normalizeH="0" baseline="0" dirty="0">
                 <a:ln>
                   <a:noFill/>
                 </a:ln>
@@ -4802,7 +6700,7 @@
               <a:t>Energy function:</a:t>
             </a:r>
             <a:r>
-              <a:rPr kumimoji="0" lang="en-US" sz="4000" b="1" i="0" u="none" strike="noStrike" cap="none" spc="0" normalizeH="0" dirty="0" smtClean="0">
+              <a:rPr kumimoji="0" lang="en-US" sz="4000" b="1" i="0" u="none" strike="noStrike" cap="none" spc="0" normalizeH="0" dirty="0">
                 <a:ln>
                   <a:noFill/>
                 </a:ln>
@@ -4817,7 +6715,7 @@
               <a:t>  </a:t>
             </a:r>
             <a:r>
-              <a:rPr lang="en-US" sz="4000" dirty="0" smtClean="0">
+              <a:rPr lang="en-US" sz="4000" dirty="0">
                 <a:solidFill>
                   <a:srgbClr val="253957"/>
                 </a:solidFill>
@@ -4897,7 +6795,7 @@
               <a:tabLst/>
             </a:pPr>
             <a:r>
-              <a:rPr kumimoji="0" lang="en-US" sz="4000" b="1" i="0" u="none" strike="noStrike" cap="none" spc="0" normalizeH="0" baseline="0" dirty="0" smtClean="0">
+              <a:rPr kumimoji="0" lang="en-US" sz="4000" b="1" i="0" u="none" strike="noStrike" cap="none" spc="0" normalizeH="0" baseline="0" dirty="0">
                 <a:ln>
                   <a:noFill/>
                 </a:ln>
@@ -4914,7 +6812,7 @@
               <a:t>Decrease temperature function: </a:t>
             </a:r>
             <a:r>
-              <a:rPr kumimoji="0" lang="en-US" sz="4000" b="0" i="0" u="none" strike="noStrike" cap="none" spc="0" normalizeH="0" baseline="0" dirty="0" err="1" smtClean="0">
+              <a:rPr kumimoji="0" lang="en-US" sz="4000" b="0" i="0" u="none" strike="noStrike" cap="none" spc="0" normalizeH="0" baseline="0" dirty="0" err="1">
                 <a:ln>
                   <a:noFill/>
                 </a:ln>
@@ -4940,7 +6838,7 @@
               <a:t>i</a:t>
             </a:r>
             <a:r>
-              <a:rPr kumimoji="0" lang="en-US" sz="4000" b="0" i="0" u="none" strike="noStrike" cap="none" spc="0" normalizeH="0" baseline="0" dirty="0" smtClean="0">
+              <a:rPr kumimoji="0" lang="en-US" sz="4000" b="0" i="0" u="none" strike="noStrike" cap="none" spc="0" normalizeH="0" baseline="0" dirty="0">
                 <a:ln>
                   <a:noFill/>
                 </a:ln>
@@ -4957,7 +6855,7 @@
               <a:t> = t0 / </a:t>
             </a:r>
             <a:r>
-              <a:rPr kumimoji="0" lang="en-US" sz="4000" b="0" i="0" u="none" strike="noStrike" cap="none" spc="0" normalizeH="0" baseline="0" dirty="0" err="1" smtClean="0">
+              <a:rPr kumimoji="0" lang="en-US" sz="4000" b="0" i="0" u="none" strike="noStrike" cap="none" spc="0" normalizeH="0" baseline="0" dirty="0" err="1">
                 <a:ln>
                   <a:noFill/>
                 </a:ln>
@@ -4974,7 +6872,7 @@
               <a:t>i</a:t>
             </a:r>
             <a:r>
-              <a:rPr kumimoji="0" lang="en-US" sz="4000" b="0" i="0" u="none" strike="noStrike" cap="none" spc="0" normalizeH="0" dirty="0" smtClean="0">
+              <a:rPr kumimoji="0" lang="en-US" sz="4000" b="0" i="0" u="none" strike="noStrike" cap="none" spc="0" normalizeH="0" dirty="0">
                 <a:ln>
                   <a:noFill/>
                 </a:ln>
@@ -5064,7 +6962,7 @@
               <a:tabLst/>
             </a:pPr>
             <a:r>
-              <a:rPr kumimoji="0" lang="en-US" sz="4000" b="1" i="0" u="none" strike="noStrike" cap="none" spc="0" normalizeH="0" baseline="0" dirty="0" smtClean="0">
+              <a:rPr kumimoji="0" lang="en-US" sz="4000" b="1" i="0" u="none" strike="noStrike" cap="none" spc="0" normalizeH="0" baseline="0" dirty="0">
                 <a:ln>
                   <a:noFill/>
                 </a:ln>
@@ -5081,7 +6979,7 @@
               <a:t>Function that generates a new state: </a:t>
             </a:r>
             <a:r>
-              <a:rPr lang="en-US" sz="4000" dirty="0" smtClean="0">
+              <a:rPr lang="en-US" sz="4000" dirty="0">
                 <a:solidFill>
                   <a:srgbClr val="253957"/>
                 </a:solidFill>
@@ -5163,7 +7061,7 @@
               <a:tabLst/>
             </a:pPr>
             <a:r>
-              <a:rPr kumimoji="0" lang="en-US" b="0" i="0" u="none" strike="noStrike" cap="none" spc="0" normalizeH="0" baseline="0" dirty="0" smtClean="0">
+              <a:rPr kumimoji="0" lang="en-US" b="0" i="0" u="none" strike="noStrike" cap="none" spc="0" normalizeH="0" baseline="0" dirty="0">
                 <a:ln>
                   <a:noFill/>
                 </a:ln>
@@ -5180,7 +7078,7 @@
               <a:t>Probability of</a:t>
             </a:r>
             <a:r>
-              <a:rPr kumimoji="0" lang="en-US" b="0" i="0" u="none" strike="noStrike" cap="none" spc="0" normalizeH="0" dirty="0" smtClean="0">
+              <a:rPr kumimoji="0" lang="en-US" b="0" i="0" u="none" strike="noStrike" cap="none" spc="0" normalizeH="0" dirty="0">
                 <a:ln>
                   <a:noFill/>
                 </a:ln>
@@ -5243,17 +7141,10 @@
     <a:masterClrMapping/>
   </p:clrMapOvr>
   <p:transition spd="med"/>
-  <p:timing>
-    <p:tnLst>
-      <p:par>
-        <p:cTn id="1" dur="indefinite" restart="never" nodeType="tmRoot"/>
-      </p:par>
-    </p:tnLst>
-  </p:timing>
 </p:sld>
 </file>
 
-<file path=ppt/slides/slide6.xml><?xml version="1.0" encoding="utf-8"?>
+<file path=ppt/slides/slide7.xml><?xml version="1.0" encoding="utf-8"?>
 <p:sld xmlns:a="http://schemas.openxmlformats.org/drawingml/2006/main" xmlns:r="http://schemas.openxmlformats.org/officeDocument/2006/relationships" xmlns:p="http://schemas.openxmlformats.org/presentationml/2006/main">
   <p:cSld>
     <p:spTree>
@@ -5289,7 +7180,7 @@
           </a:ln>
           <a:extLst>
             <a:ext uri="{C572A759-6A51-4108-AA02-DFA0A04FC94B}">
-              <ma14:wrappingTextBoxFlag xmlns:ma14="http://schemas.microsoft.com/office/mac/drawingml/2011/main" xmlns:a14="http://schemas.microsoft.com/office/drawing/2010/main" xmlns:m="http://schemas.openxmlformats.org/officeDocument/2006/math" xmlns="" val="1"/>
+              <ma14:wrappingTextBoxFlag xmlns="" xmlns:m="http://schemas.openxmlformats.org/officeDocument/2006/math" xmlns:a14="http://schemas.microsoft.com/office/drawing/2010/main" xmlns:ma14="http://schemas.microsoft.com/office/mac/drawingml/2011/main" val="1"/>
             </a:ext>
           </a:extLst>
         </p:spPr>
@@ -5309,7 +7200,7 @@
               </a:defRPr>
             </a:pPr>
             <a:r>
-              <a:rPr lang="en-US" dirty="0" smtClean="0"/>
+              <a:rPr lang="en-US" dirty="0"/>
               <a:t>conclusion</a:t>
             </a:r>
             <a:endParaRPr dirty="0"/>
@@ -5335,7 +7226,7 @@
           </a:ln>
           <a:extLst>
             <a:ext uri="{C572A759-6A51-4108-AA02-DFA0A04FC94B}">
-              <ma14:wrappingTextBoxFlag xmlns:ma14="http://schemas.microsoft.com/office/mac/drawingml/2011/main" xmlns:a14="http://schemas.microsoft.com/office/drawing/2010/main" xmlns:m="http://schemas.openxmlformats.org/officeDocument/2006/math" xmlns="" val="1"/>
+              <ma14:wrappingTextBoxFlag xmlns="" xmlns:m="http://schemas.openxmlformats.org/officeDocument/2006/math" xmlns:a14="http://schemas.microsoft.com/office/drawing/2010/main" xmlns:ma14="http://schemas.microsoft.com/office/mac/drawingml/2011/main" val="1"/>
             </a:ext>
           </a:extLst>
         </p:spPr>
@@ -5356,16 +7247,8 @@
           </a:lstStyle>
           <a:p>
             <a:r>
-              <a:rPr lang="en-US" dirty="0" smtClean="0"/>
-              <a:t>The </a:t>
-            </a:r>
-            <a:r>
-              <a:rPr lang="en-US" dirty="0" smtClean="0"/>
-              <a:t>best layout which was generated by </a:t>
-            </a:r>
-            <a:r>
-              <a:rPr lang="en-US" dirty="0" smtClean="0"/>
-              <a:t>algorithm (30000 steps)</a:t>
+              <a:rPr lang="en-US" dirty="0"/>
+              <a:t>The best layout which was generated by algorithm (30000 steps)</a:t>
             </a:r>
             <a:endParaRPr dirty="0"/>
           </a:p>
@@ -5422,7 +7305,7 @@
           </a:ln>
           <a:extLst>
             <a:ext uri="{C572A759-6A51-4108-AA02-DFA0A04FC94B}">
-              <ma14:wrappingTextBoxFlag xmlns:ma14="http://schemas.microsoft.com/office/mac/drawingml/2011/main" xmlns:a14="http://schemas.microsoft.com/office/drawing/2010/main" xmlns:m="http://schemas.openxmlformats.org/officeDocument/2006/math" xmlns="" val="1"/>
+              <ma14:wrappingTextBoxFlag xmlns="" xmlns:m="http://schemas.openxmlformats.org/officeDocument/2006/math" xmlns:a14="http://schemas.microsoft.com/office/drawing/2010/main" xmlns:ma14="http://schemas.microsoft.com/office/mac/drawingml/2011/main" val="1"/>
             </a:ext>
           </a:extLst>
         </p:spPr>
@@ -5445,7 +7328,7 @@
           </a:lstStyle>
           <a:p>
             <a:r>
-              <a:rPr lang="ru-RU" dirty="0" smtClean="0"/>
+              <a:rPr lang="ru-RU" dirty="0"/>
               <a:t>ФКН, Программная инженерия</a:t>
             </a:r>
             <a:endParaRPr dirty="0"/>
@@ -5461,9 +7344,7 @@
           <p:nvPr/>
         </p:nvPicPr>
         <p:blipFill>
-          <a:blip r:embed="rId2">
-            <a:extLst/>
-          </a:blip>
+          <a:blip r:embed="rId2"/>
           <a:stretch>
             <a:fillRect/>
           </a:stretch>
@@ -5654,17 +7535,10 @@
     <a:masterClrMapping/>
   </p:clrMapOvr>
   <p:transition spd="med"/>
-  <p:timing>
-    <p:tnLst>
-      <p:par>
-        <p:cTn id="1" dur="indefinite" restart="never" nodeType="tmRoot"/>
-      </p:par>
-    </p:tnLst>
-  </p:timing>
 </p:sld>
 </file>
 
-<file path=ppt/slides/slide7.xml><?xml version="1.0" encoding="utf-8"?>
+<file path=ppt/slides/slide8.xml><?xml version="1.0" encoding="utf-8"?>
 <p:sld xmlns:a="http://schemas.openxmlformats.org/drawingml/2006/main" xmlns:r="http://schemas.openxmlformats.org/officeDocument/2006/relationships" xmlns:p="http://schemas.openxmlformats.org/presentationml/2006/main">
   <p:cSld>
     <p:spTree>
@@ -5690,9 +7564,7 @@
           <p:nvPr/>
         </p:nvPicPr>
         <p:blipFill>
-          <a:blip r:embed="rId2">
-            <a:extLst/>
-          </a:blip>
+          <a:blip r:embed="rId2"/>
           <a:stretch>
             <a:fillRect/>
           </a:stretch>
@@ -5716,13 +7588,6 @@
     <a:masterClrMapping/>
   </p:clrMapOvr>
   <p:transition spd="med"/>
-  <p:timing>
-    <p:tnLst>
-      <p:par>
-        <p:cTn id="1" dur="indefinite" restart="never" nodeType="tmRoot"/>
-      </p:par>
-    </p:tnLst>
-  </p:timing>
 </p:sld>
 </file>
 
